--- a/实验室/DualE/DualE.pptx
+++ b/实验室/DualE/DualE.pptx
@@ -1245,6 +1245,47 @@
             <a:pPr marL="0" indent="0">
               <a:buNone/>
             </a:pPr>
+            <a:r>
+              <a:rPr lang="zh-CN" altLang="en-US" dirty="0"/>
+              <a:t>对偶数</a:t>
+            </a:r>
+            <a:r>
+              <a:rPr lang="en-US" altLang="zh-CN" dirty="0"/>
+              <a:t>(https://zhuanlan.zhihu.com/p/358146509)</a:t>
+            </a:r>
+          </a:p>
+          <a:p>
+            <a:pPr marL="0" indent="0">
+              <a:buNone/>
+            </a:pPr>
+            <a:r>
+              <a:rPr lang="en-US" altLang="zh-CN" dirty="0" err="1"/>
+              <a:t>a+eae</a:t>
+            </a:r>
+            <a:r>
+              <a:rPr lang="zh-CN" altLang="en-US" dirty="0"/>
+              <a:t>相对于</a:t>
+            </a:r>
+            <a:r>
+              <a:rPr lang="en-US" altLang="zh-CN" dirty="0" err="1"/>
+              <a:t>a+bi</a:t>
+            </a:r>
+            <a:r>
+              <a:rPr lang="zh-CN" altLang="en-US" dirty="0"/>
+              <a:t>，</a:t>
+            </a:r>
+            <a:r>
+              <a:rPr lang="en-US" altLang="zh-CN" dirty="0" err="1"/>
+              <a:t>i</a:t>
+            </a:r>
+            <a:r>
+              <a:rPr lang="zh-CN" altLang="en-US" dirty="0"/>
+              <a:t>写成</a:t>
+            </a:r>
+            <a:r>
+              <a:rPr lang="en-US" altLang="zh-CN" dirty="0"/>
+              <a:t>e</a:t>
+            </a:r>
             <a:endParaRPr lang="zh-CN" altLang="en-US" dirty="0"/>
           </a:p>
         </p:txBody>

--- a/实验室/DualE/DualE.pptx
+++ b/实验室/DualE/DualE.pptx
@@ -8,7 +8,7 @@
     <p:sldMasterId id="2147483686" r:id="rId4"/>
   </p:sldMasterIdLst>
   <p:notesMasterIdLst>
-    <p:notesMasterId r:id="rId32"/>
+    <p:notesMasterId r:id="rId35"/>
   </p:notesMasterIdLst>
   <p:sldIdLst>
     <p:sldId id="256" r:id="rId5"/>
@@ -35,9 +35,12 @@
     <p:sldId id="1034" r:id="rId26"/>
     <p:sldId id="1023" r:id="rId27"/>
     <p:sldId id="1022" r:id="rId28"/>
-    <p:sldId id="1024" r:id="rId29"/>
-    <p:sldId id="1018" r:id="rId30"/>
-    <p:sldId id="507" r:id="rId31"/>
+    <p:sldId id="1036" r:id="rId29"/>
+    <p:sldId id="1037" r:id="rId30"/>
+    <p:sldId id="1024" r:id="rId31"/>
+    <p:sldId id="1035" r:id="rId32"/>
+    <p:sldId id="1018" r:id="rId33"/>
+    <p:sldId id="507" r:id="rId34"/>
   </p:sldIdLst>
   <p:sldSz cx="9144000" cy="6858000" type="screen4x3"/>
   <p:notesSz cx="6669088" cy="9928225"/>
@@ -770,7 +773,7 @@
               <a:rPr lang="zh-CN" altLang="en-US" dirty="0">
                 <a:effectLst/>
               </a:rPr>
-              <a:t>对偶四元素的知识图谱嵌入</a:t>
+              <a:t>对偶四元数的知识图谱嵌入</a:t>
             </a:r>
             <a:r>
               <a:rPr lang="en-US" altLang="zh-CN" dirty="0">
@@ -1130,10 +1133,37 @@
                 <a:latin typeface="Malgun Gothic" panose="020B0503020000020004" pitchFamily="2" charset="-127"/>
                 <a:ea typeface="Malgun Gothic" panose="020B0503020000020004" pitchFamily="2" charset="-127"/>
               </a:rPr>
-              <a:t>几种转换的模式建模和推理能力</a:t>
-            </a:r>
-            <a:r>
-              <a:rPr lang="en-US" altLang="zh-CN" sz="1200" u="none" kern="1200" baseline="0" dirty="0">
+              <a:t>几种转换的模式建模和推理能力。</a:t>
+            </a:r>
+            <a:endParaRPr lang="en-US" altLang="zh-CN" sz="1200" u="none" kern="1200" baseline="0" dirty="0">
+              <a:solidFill>
+                <a:schemeClr val="tx1"/>
+              </a:solidFill>
+              <a:effectLst/>
+              <a:latin typeface="Malgun Gothic" panose="020B0503020000020004" pitchFamily="2" charset="-127"/>
+              <a:ea typeface="Malgun Gothic" panose="020B0503020000020004" pitchFamily="2" charset="-127"/>
+            </a:endParaRPr>
+          </a:p>
+          <a:p>
+            <a:pPr marL="0" marR="0" lvl="0" indent="0" algn="l" defTabSz="914400" eaLnBrk="0" fontAlgn="base" latinLnBrk="1" hangingPunct="0">
+              <a:lnSpc>
+                <a:spcPct val="100000"/>
+              </a:lnSpc>
+              <a:spcBef>
+                <a:spcPct val="30000"/>
+              </a:spcBef>
+              <a:spcAft>
+                <a:spcPct val="0"/>
+              </a:spcAft>
+              <a:buClrTx/>
+              <a:buSzTx/>
+              <a:buFontTx/>
+              <a:buNone/>
+              <a:tabLst/>
+              <a:defRPr/>
+            </a:pPr>
+            <a:r>
+              <a:rPr lang="zh-CN" altLang="en-US" sz="1200" u="none" kern="1200" baseline="0" dirty="0">
                 <a:solidFill>
                   <a:schemeClr val="tx1"/>
                 </a:solidFill>
@@ -1141,10 +1171,10 @@
                 <a:latin typeface="Malgun Gothic" panose="020B0503020000020004" pitchFamily="2" charset="-127"/>
                 <a:ea typeface="Malgun Gothic" panose="020B0503020000020004" pitchFamily="2" charset="-127"/>
               </a:rPr>
-              <a:t>(</a:t>
-            </a:r>
-            <a:r>
-              <a:rPr lang="zh-CN" altLang="en-US" sz="1200" u="none" kern="1200" baseline="0" dirty="0">
+              <a:t>旋转族可以完全模拟关键模式</a:t>
+            </a:r>
+            <a:r>
+              <a:rPr lang="en-US" altLang="zh-CN" sz="1200" u="none" kern="1200" baseline="0" dirty="0">
                 <a:solidFill>
                   <a:schemeClr val="tx1"/>
                 </a:solidFill>
@@ -1152,10 +1182,10 @@
                 <a:latin typeface="Malgun Gothic" panose="020B0503020000020004" pitchFamily="2" charset="-127"/>
                 <a:ea typeface="Malgun Gothic" panose="020B0503020000020004" pitchFamily="2" charset="-127"/>
               </a:rPr>
-              <a:t>详见附录</a:t>
-            </a:r>
-            <a:r>
-              <a:rPr lang="en-US" altLang="zh-CN" sz="1200" u="none" kern="1200" baseline="0" dirty="0">
+              <a:t>(</a:t>
+            </a:r>
+            <a:r>
+              <a:rPr lang="zh-CN" altLang="en-US" sz="1200" u="none" kern="1200" baseline="0" dirty="0">
                 <a:solidFill>
                   <a:schemeClr val="tx1"/>
                 </a:solidFill>
@@ -1163,10 +1193,10 @@
                 <a:latin typeface="Malgun Gothic" panose="020B0503020000020004" pitchFamily="2" charset="-127"/>
                 <a:ea typeface="Malgun Gothic" panose="020B0503020000020004" pitchFamily="2" charset="-127"/>
               </a:rPr>
-              <a:t>)</a:t>
-            </a:r>
-            <a:r>
-              <a:rPr lang="zh-CN" altLang="en-US" sz="1200" u="none" kern="1200" baseline="0" dirty="0">
+              <a:t>对称、反对称、反转和合成</a:t>
+            </a:r>
+            <a:r>
+              <a:rPr lang="en-US" altLang="zh-CN" sz="1200" u="none" kern="1200" baseline="0" dirty="0">
                 <a:solidFill>
                   <a:schemeClr val="tx1"/>
                 </a:solidFill>
@@ -1174,8 +1204,87 @@
                 <a:latin typeface="Malgun Gothic" panose="020B0503020000020004" pitchFamily="2" charset="-127"/>
                 <a:ea typeface="Malgun Gothic" panose="020B0503020000020004" pitchFamily="2" charset="-127"/>
               </a:rPr>
-              <a:t>。</a:t>
-            </a:r>
+              <a:t>)</a:t>
+            </a:r>
+            <a:r>
+              <a:rPr lang="zh-CN" altLang="en-US" sz="1200" u="none" kern="1200" baseline="0" dirty="0">
+                <a:solidFill>
+                  <a:schemeClr val="tx1"/>
+                </a:solidFill>
+                <a:effectLst/>
+                <a:latin typeface="Malgun Gothic" panose="020B0503020000020004" pitchFamily="2" charset="-127"/>
+                <a:ea typeface="Malgun Gothic" panose="020B0503020000020004" pitchFamily="2" charset="-127"/>
+              </a:rPr>
+              <a:t>，但不能模拟多重关系模式。对于翻译族，</a:t>
+            </a:r>
+            <a:r>
+              <a:rPr lang="en-US" altLang="zh-CN" sz="1200" u="none" kern="1200" baseline="0" dirty="0" err="1">
+                <a:solidFill>
+                  <a:schemeClr val="tx1"/>
+                </a:solidFill>
+                <a:effectLst/>
+                <a:latin typeface="Malgun Gothic" panose="020B0503020000020004" pitchFamily="2" charset="-127"/>
+                <a:ea typeface="Malgun Gothic" panose="020B0503020000020004" pitchFamily="2" charset="-127"/>
+              </a:rPr>
+              <a:t>TransE</a:t>
+            </a:r>
+            <a:r>
+              <a:rPr lang="zh-CN" altLang="en-US" sz="1200" u="none" kern="1200" baseline="0" dirty="0">
+                <a:solidFill>
+                  <a:schemeClr val="tx1"/>
+                </a:solidFill>
+                <a:effectLst/>
+                <a:latin typeface="Malgun Gothic" panose="020B0503020000020004" pitchFamily="2" charset="-127"/>
+                <a:ea typeface="Malgun Gothic" panose="020B0503020000020004" pitchFamily="2" charset="-127"/>
+              </a:rPr>
+              <a:t>不能建模对称和多重关系模式；</a:t>
+            </a:r>
+            <a:r>
+              <a:rPr lang="en-US" altLang="zh-CN" sz="1200" u="none" kern="1200" baseline="0" dirty="0" err="1">
+                <a:solidFill>
+                  <a:schemeClr val="tx1"/>
+                </a:solidFill>
+                <a:effectLst/>
+                <a:latin typeface="Malgun Gothic" panose="020B0503020000020004" pitchFamily="2" charset="-127"/>
+                <a:ea typeface="Malgun Gothic" panose="020B0503020000020004" pitchFamily="2" charset="-127"/>
+              </a:rPr>
+              <a:t>TranH</a:t>
+            </a:r>
+            <a:r>
+              <a:rPr lang="zh-CN" altLang="en-US" sz="1200" u="none" kern="1200" baseline="0" dirty="0">
+                <a:solidFill>
+                  <a:schemeClr val="tx1"/>
+                </a:solidFill>
+                <a:effectLst/>
+                <a:latin typeface="Malgun Gothic" panose="020B0503020000020004" pitchFamily="2" charset="-127"/>
+                <a:ea typeface="Malgun Gothic" panose="020B0503020000020004" pitchFamily="2" charset="-127"/>
+              </a:rPr>
+              <a:t>、</a:t>
+            </a:r>
+            <a:r>
+              <a:rPr lang="en-US" altLang="zh-CN" sz="1200" u="none" kern="1200" baseline="0" dirty="0" err="1">
+                <a:solidFill>
+                  <a:schemeClr val="tx1"/>
+                </a:solidFill>
+                <a:effectLst/>
+                <a:latin typeface="Malgun Gothic" panose="020B0503020000020004" pitchFamily="2" charset="-127"/>
+                <a:ea typeface="Malgun Gothic" panose="020B0503020000020004" pitchFamily="2" charset="-127"/>
+              </a:rPr>
+              <a:t>TranR</a:t>
+            </a:r>
+            <a:r>
+              <a:rPr lang="zh-CN" altLang="en-US" sz="1200" u="none" kern="1200" baseline="0" dirty="0">
+                <a:solidFill>
+                  <a:schemeClr val="tx1"/>
+                </a:solidFill>
+                <a:effectLst/>
+                <a:latin typeface="Malgun Gothic" panose="020B0503020000020004" pitchFamily="2" charset="-127"/>
+                <a:ea typeface="Malgun Gothic" panose="020B0503020000020004" pitchFamily="2" charset="-127"/>
+              </a:rPr>
+              <a:t>等。无法模拟反演和合成模式。所以总的来说，翻译家族也不能完全建模关键模式和多重关系模式。</a:t>
+            </a:r>
+          </a:p>
+          <a:p>
             <a:endParaRPr lang="en-US" altLang="zh-CN" dirty="0"/>
           </a:p>
         </p:txBody>
@@ -1247,6 +1356,19 @@
             </a:pPr>
             <a:r>
               <a:rPr lang="zh-CN" altLang="en-US" dirty="0"/>
+              <a:t>四元数</a:t>
+            </a:r>
+            <a:r>
+              <a:rPr lang="en-US" altLang="zh-CN" dirty="0"/>
+              <a:t>(https://blog.csdn.net/Terie/article/details/100849794)</a:t>
+            </a:r>
+          </a:p>
+          <a:p>
+            <a:pPr marL="0" indent="0">
+              <a:buNone/>
+            </a:pPr>
+            <a:r>
+              <a:rPr lang="zh-CN" altLang="en-US" dirty="0"/>
               <a:t>对偶数</a:t>
             </a:r>
             <a:r>
@@ -1419,20 +1541,12 @@
           <a:lstStyle/>
           <a:p>
             <a:r>
+              <a:rPr lang="en-US" altLang="zh-CN" dirty="0"/>
+              <a:t>q</a:t>
+            </a:r>
+            <a:r>
               <a:rPr lang="zh-CN" altLang="en-US" dirty="0"/>
-              <a:t>其中，</a:t>
-            </a:r>
-            <a:r>
-              <a:rPr lang="en-US" altLang="zh-CN" dirty="0"/>
-              <a:t>A</a:t>
-            </a:r>
-            <a:r>
-              <a:rPr lang="en-US" altLang="zh-CN" baseline="-25000" dirty="0"/>
-              <a:t>t</a:t>
-            </a:r>
-            <a:r>
-              <a:rPr lang="zh-CN" altLang="en-US" dirty="0"/>
-              <a:t>表示第</a:t>
+              <a:t>是旋转 </a:t>
             </a:r>
             <a:r>
               <a:rPr lang="en-US" altLang="zh-CN" dirty="0"/>
@@ -1440,42 +1554,43 @@
             </a:r>
             <a:r>
               <a:rPr lang="zh-CN" altLang="en-US" dirty="0"/>
-              <a:t>个关系构成的</a:t>
+              <a:t>是平移 </a:t>
+            </a:r>
+            <a:endParaRPr lang="en-US" altLang="zh-CN" dirty="0"/>
+          </a:p>
+          <a:p>
+            <a:r>
+              <a:rPr lang="zh-CN" altLang="en-US" dirty="0"/>
+              <a:t>单位四元数</a:t>
             </a:r>
             <a:r>
               <a:rPr lang="en-US" altLang="zh-CN" dirty="0"/>
-              <a:t>0-1</a:t>
-            </a:r>
+              <a:t>|q|=1(https://zhuanlan.zhihu.com/p/86371474)(https://www.cnblogs.com/jins-note/p/9512660.html)</a:t>
+            </a:r>
+          </a:p>
+          <a:p>
             <a:r>
               <a:rPr lang="zh-CN" altLang="en-US" dirty="0"/>
-              <a:t>邻接矩阵，</a:t>
+              <a:t>对偶四元数的连接、范数、单位对偶四元数、内积（附录）</a:t>
+            </a:r>
+            <a:endParaRPr lang="en-US" altLang="zh-CN" dirty="0"/>
+          </a:p>
+          <a:p>
+            <a:r>
+              <a:rPr lang="zh-CN" altLang="en-US" dirty="0"/>
+              <a:t>别忘了</a:t>
+            </a:r>
+            <a:r>
+              <a:rPr lang="en-US" altLang="zh-CN" dirty="0"/>
+              <a:t>3</a:t>
+            </a:r>
+            <a:r>
+              <a:rPr lang="zh-CN" altLang="en-US" dirty="0"/>
+              <a:t>的平方等于</a:t>
             </a:r>
             <a:r>
               <a:rPr lang="en-US" altLang="zh-CN" dirty="0"/>
               <a:t>0</a:t>
-            </a:r>
-            <a:r>
-              <a:rPr lang="zh-CN" altLang="en-US" dirty="0"/>
-              <a:t>为无边相连，</a:t>
-            </a:r>
-            <a:r>
-              <a:rPr lang="en-US" altLang="zh-CN" dirty="0"/>
-              <a:t>1</a:t>
-            </a:r>
-            <a:r>
-              <a:rPr lang="zh-CN" altLang="en-US" dirty="0"/>
-              <a:t>为有边相连</a:t>
-            </a:r>
-            <a:endParaRPr lang="en-US" altLang="zh-CN" dirty="0"/>
-          </a:p>
-          <a:p>
-            <a:r>
-              <a:rPr lang="zh-CN" altLang="en-US" dirty="0"/>
-              <a:t>单位四元数</a:t>
-            </a:r>
-            <a:r>
-              <a:rPr lang="en-US" altLang="zh-CN" dirty="0"/>
-              <a:t>|q|=1(https://zhuanlan.zhihu.com/p/86371474)(https://www.cnblogs.com/jins-note/p/9512660.html)</a:t>
             </a:r>
             <a:endParaRPr lang="zh-CN" altLang="en-US" dirty="0"/>
           </a:p>
@@ -1610,20 +1725,121 @@
           <a:lstStyle/>
           <a:p>
             <a:r>
+              <a:rPr lang="zh-CN" altLang="en-US" b="0" dirty="0"/>
+              <a:t>为什么要正则化</a:t>
+            </a:r>
+            <a:r>
+              <a:rPr lang="en-US" altLang="zh-CN" b="0" dirty="0"/>
+              <a:t>(https://www.zhihu.com/question/20700829)</a:t>
+            </a:r>
+          </a:p>
+          <a:p>
+            <a:r>
+              <a:rPr lang="zh-CN" altLang="en-US" b="0" dirty="0"/>
+              <a:t>斯密特正交化</a:t>
+            </a:r>
+            <a:r>
+              <a:rPr lang="en-US" altLang="zh-CN" b="0" dirty="0"/>
+              <a:t>(https://www.jianshu.com/p/abc206d964da)</a:t>
+            </a:r>
+          </a:p>
+          <a:p>
+            <a:r>
+              <a:rPr lang="zh-CN" altLang="en-US" b="0" dirty="0"/>
+              <a:t>规范化、标准化、正则化</a:t>
+            </a:r>
+            <a:r>
+              <a:rPr lang="en-US" altLang="zh-CN" b="0" dirty="0"/>
+              <a:t>(https://blog.csdn.net/u014381464/article/details/81101551)</a:t>
+            </a:r>
+          </a:p>
+          <a:p>
+            <a:r>
+              <a:rPr lang="zh-CN" altLang="en-US" b="0" dirty="0"/>
+              <a:t>标准化（这里应该是归一化</a:t>
+            </a:r>
+            <a:r>
+              <a:rPr lang="en-US" altLang="zh-CN" b="0" dirty="0"/>
+              <a:t>normalize</a:t>
+            </a:r>
+            <a:r>
+              <a:rPr lang="zh-CN" altLang="en-US" b="0" dirty="0"/>
+              <a:t>）所以平方和为</a:t>
+            </a:r>
+            <a:r>
+              <a:rPr lang="en-US" altLang="zh-CN" b="0" dirty="0"/>
+              <a:t>1</a:t>
+            </a:r>
+            <a:r>
+              <a:rPr lang="zh-CN" altLang="en-US" b="0" dirty="0"/>
+              <a:t>、正则化所以点积为</a:t>
+            </a:r>
+            <a:r>
+              <a:rPr lang="en-US" altLang="zh-CN" b="0" dirty="0"/>
+              <a:t>0</a:t>
+            </a:r>
+          </a:p>
+          <a:p>
+            <a:r>
               <a:rPr lang="zh-CN" altLang="en-US" dirty="0"/>
-              <a:t>（</a:t>
+              <a:t>自由度</a:t>
+            </a:r>
+            <a:r>
+              <a:rPr lang="en-US" altLang="zh-CN" dirty="0"/>
+              <a:t>(degree of freedom, df)</a:t>
+            </a:r>
+            <a:r>
+              <a:rPr lang="zh-CN" altLang="en-US" dirty="0"/>
+              <a:t>指的是计算某一</a:t>
+            </a:r>
+            <a:r>
+              <a:rPr lang="zh-CN" altLang="en-US" dirty="0">
+                <a:hlinkClick r:id="rId3"/>
+              </a:rPr>
+              <a:t>统计量</a:t>
+            </a:r>
+            <a:r>
+              <a:rPr lang="zh-CN" altLang="en-US" dirty="0"/>
+              <a:t>时，取值不受限制的变量个数。</a:t>
+            </a:r>
+            <a:endParaRPr lang="en-US" altLang="zh-CN" dirty="0"/>
+          </a:p>
+          <a:p>
+            <a:r>
+              <a:rPr lang="en-US" altLang="zh-CN" b="0" dirty="0"/>
+              <a:t>6</a:t>
             </a:r>
             <a:r>
               <a:rPr lang="zh-CN" altLang="en-US" b="0" dirty="0"/>
-              <a:t>读</a:t>
-            </a:r>
-            <a:r>
-              <a:rPr lang="en-US" altLang="zh-CN" b="0" dirty="0"/>
-              <a:t>PPT</a:t>
-            </a:r>
-            <a:r>
-              <a:rPr lang="zh-CN" altLang="en-US" b="0" dirty="0"/>
-              <a:t>）</a:t>
+              <a:t>个自由度：</a:t>
+            </a:r>
+            <a:r>
+              <a:rPr lang="zh-CN" altLang="en-US" dirty="0"/>
+              <a:t>位置自由度</a:t>
+            </a:r>
+            <a:r>
+              <a:rPr lang="en-US" altLang="zh-CN" dirty="0"/>
+              <a:t>3</a:t>
+            </a:r>
+            <a:r>
+              <a:rPr lang="zh-CN" altLang="en-US" dirty="0"/>
+              <a:t>个，转动自由度</a:t>
+            </a:r>
+            <a:r>
+              <a:rPr lang="en-US" altLang="zh-CN" dirty="0"/>
+              <a:t>2</a:t>
+            </a:r>
+            <a:r>
+              <a:rPr lang="zh-CN" altLang="en-US" dirty="0"/>
+              <a:t>个，震动自由度</a:t>
+            </a:r>
+            <a:r>
+              <a:rPr lang="en-US" altLang="zh-CN" dirty="0"/>
+              <a:t>1</a:t>
+            </a:r>
+            <a:r>
+              <a:rPr lang="zh-CN" altLang="en-US" dirty="0"/>
+              <a:t>个</a:t>
             </a:r>
             <a:endParaRPr lang="en-US" altLang="zh-CN" b="0" dirty="0"/>
           </a:p>
@@ -1732,6 +1948,26 @@
               </a:rPr>
               <a:t>空间中的平移和旋转。</a:t>
             </a:r>
+            <a:endParaRPr lang="en-US" altLang="zh-CN" sz="1200" u="none" kern="1200" baseline="0" dirty="0">
+              <a:solidFill>
+                <a:schemeClr val="tx1"/>
+              </a:solidFill>
+              <a:effectLst/>
+              <a:latin typeface="Malgun Gothic" panose="020B0503020000020004" pitchFamily="2" charset="-127"/>
+              <a:ea typeface="Malgun Gothic" panose="020B0503020000020004" pitchFamily="2" charset="-127"/>
+            </a:endParaRPr>
+          </a:p>
+          <a:p>
+            <a:r>
+              <a:rPr lang="zh-CN" altLang="en-US" sz="1200" b="0" u="none" kern="1200" baseline="0" dirty="0">
+                <a:solidFill>
+                  <a:schemeClr val="tx1"/>
+                </a:solidFill>
+                <a:effectLst/>
+                <a:latin typeface="Malgun Gothic" panose="020B0503020000020004" pitchFamily="2" charset="-127"/>
+              </a:rPr>
+              <a:t>元素乘法（对应位置乘积）</a:t>
+            </a:r>
             <a:endParaRPr lang="en-US" altLang="zh-CN" b="0" dirty="0"/>
           </a:p>
         </p:txBody>
@@ -1926,10 +2162,10 @@
                 <a:latin typeface="Malgun Gothic" panose="020B0503020000020004" pitchFamily="2" charset="-127"/>
                 <a:ea typeface="Malgun Gothic" panose="020B0503020000020004" pitchFamily="2" charset="-127"/>
               </a:rPr>
-              <a:t>ω0 = </a:t>
-            </a:r>
-            <a:r>
-              <a:rPr lang="en-US" altLang="zh-CN" sz="1200" u="none" kern="1200" baseline="0" dirty="0" err="1">
+              <a:t>ω</a:t>
+            </a:r>
+            <a:r>
+              <a:rPr lang="zh-CN" altLang="en-US" sz="1200" u="none" kern="1200" baseline="0" dirty="0">
                 <a:solidFill>
                   <a:schemeClr val="tx1"/>
                 </a:solidFill>
@@ -1937,10 +2173,10 @@
                 <a:latin typeface="Malgun Gothic" panose="020B0503020000020004" pitchFamily="2" charset="-127"/>
                 <a:ea typeface="Malgun Gothic" panose="020B0503020000020004" pitchFamily="2" charset="-127"/>
               </a:rPr>
-              <a:t>E×R×Eω</a:t>
-            </a:r>
-            <a:r>
-              <a:rPr lang="zh-CN" altLang="en-US" sz="1200" u="none" kern="1200" baseline="0" dirty="0">
+              <a:t>’</a:t>
+            </a:r>
+            <a:r>
+              <a:rPr lang="en-US" altLang="zh-CN" sz="1200" u="none" kern="1200" baseline="0" dirty="0">
                 <a:solidFill>
                   <a:schemeClr val="tx1"/>
                 </a:solidFill>
@@ -1948,10 +2184,10 @@
                 <a:latin typeface="Malgun Gothic" panose="020B0503020000020004" pitchFamily="2" charset="-127"/>
                 <a:ea typeface="Malgun Gothic" panose="020B0503020000020004" pitchFamily="2" charset="-127"/>
               </a:rPr>
-              <a:t>分别表示观察到的三元组集合和未观察到的三元组集合。此外，我们对</a:t>
-            </a:r>
-            <a:r>
-              <a:rPr lang="en-US" altLang="zh-CN" sz="1200" u="none" kern="1200" baseline="0" dirty="0">
+              <a:t> </a:t>
+            </a:r>
+            <a:r>
+              <a:rPr lang="zh-CN" altLang="en-US" sz="1200" u="none" kern="1200" baseline="0" dirty="0">
                 <a:solidFill>
                   <a:schemeClr val="tx1"/>
                 </a:solidFill>
@@ -1959,10 +2195,10 @@
                 <a:latin typeface="Malgun Gothic" panose="020B0503020000020004" pitchFamily="2" charset="-127"/>
                 <a:ea typeface="Malgun Gothic" panose="020B0503020000020004" pitchFamily="2" charset="-127"/>
               </a:rPr>
-              <a:t>Q</a:t>
-            </a:r>
-            <a:r>
-              <a:rPr lang="zh-CN" altLang="en-US" sz="1200" u="none" kern="1200" baseline="0" dirty="0">
+              <a:t>分别表示观察到的三元组集合和未观察到的三元组集合。此外，我们对</a:t>
+            </a:r>
+            <a:r>
+              <a:rPr lang="en-US" altLang="zh-CN" sz="1200" u="none" kern="1200" baseline="0" dirty="0">
                 <a:solidFill>
                   <a:schemeClr val="tx1"/>
                 </a:solidFill>
@@ -1970,10 +2206,10 @@
                 <a:latin typeface="Malgun Gothic" panose="020B0503020000020004" pitchFamily="2" charset="-127"/>
                 <a:ea typeface="Malgun Gothic" panose="020B0503020000020004" pitchFamily="2" charset="-127"/>
               </a:rPr>
-              <a:t>和</a:t>
-            </a:r>
-            <a:r>
-              <a:rPr lang="en-US" altLang="zh-CN" sz="1200" u="none" kern="1200" baseline="0" dirty="0">
+              <a:t>Q</a:t>
+            </a:r>
+            <a:r>
+              <a:rPr lang="zh-CN" altLang="en-US" sz="1200" u="none" kern="1200" baseline="0" dirty="0">
                 <a:solidFill>
                   <a:schemeClr val="tx1"/>
                 </a:solidFill>
@@ -1981,10 +2217,10 @@
                 <a:latin typeface="Malgun Gothic" panose="020B0503020000020004" pitchFamily="2" charset="-127"/>
                 <a:ea typeface="Malgun Gothic" panose="020B0503020000020004" pitchFamily="2" charset="-127"/>
               </a:rPr>
-              <a:t>W</a:t>
-            </a:r>
-            <a:r>
-              <a:rPr lang="zh-CN" altLang="en-US" sz="1200" u="none" kern="1200" baseline="0" dirty="0">
+              <a:t>和</a:t>
+            </a:r>
+            <a:r>
+              <a:rPr lang="en-US" altLang="zh-CN" sz="1200" u="none" kern="1200" baseline="0" dirty="0">
                 <a:solidFill>
                   <a:schemeClr val="tx1"/>
                 </a:solidFill>
@@ -1992,10 +2228,10 @@
                 <a:latin typeface="Malgun Gothic" panose="020B0503020000020004" pitchFamily="2" charset="-127"/>
                 <a:ea typeface="Malgun Gothic" panose="020B0503020000020004" pitchFamily="2" charset="-127"/>
               </a:rPr>
-              <a:t>进行正则化以避免过拟合，其中我们通过使用具有正则化率</a:t>
-            </a:r>
-            <a:r>
-              <a:rPr lang="en-US" altLang="zh-CN" sz="1200" u="none" kern="1200" baseline="0" dirty="0">
+              <a:t>W</a:t>
+            </a:r>
+            <a:r>
+              <a:rPr lang="zh-CN" altLang="en-US" sz="1200" u="none" kern="1200" baseline="0" dirty="0">
                 <a:solidFill>
                   <a:schemeClr val="tx1"/>
                 </a:solidFill>
@@ -2003,10 +2239,10 @@
                 <a:latin typeface="Malgun Gothic" panose="020B0503020000020004" pitchFamily="2" charset="-127"/>
                 <a:ea typeface="Malgun Gothic" panose="020B0503020000020004" pitchFamily="2" charset="-127"/>
               </a:rPr>
-              <a:t>λ1</a:t>
-            </a:r>
-            <a:r>
-              <a:rPr lang="zh-CN" altLang="en-US" sz="1200" u="none" kern="1200" baseline="0" dirty="0">
+              <a:t>进行正则化以避免过拟合，其中我们通过使用具有正则化率</a:t>
+            </a:r>
+            <a:r>
+              <a:rPr lang="en-US" altLang="zh-CN" sz="1200" u="none" kern="1200" baseline="0" dirty="0">
                 <a:solidFill>
                   <a:schemeClr val="tx1"/>
                 </a:solidFill>
@@ -2014,10 +2250,10 @@
                 <a:latin typeface="Malgun Gothic" panose="020B0503020000020004" pitchFamily="2" charset="-127"/>
                 <a:ea typeface="Malgun Gothic" panose="020B0503020000020004" pitchFamily="2" charset="-127"/>
               </a:rPr>
-              <a:t>和</a:t>
-            </a:r>
-            <a:r>
-              <a:rPr lang="en-US" altLang="zh-CN" sz="1200" u="none" kern="1200" baseline="0" dirty="0">
+              <a:t>λ1</a:t>
+            </a:r>
+            <a:r>
+              <a:rPr lang="zh-CN" altLang="en-US" sz="1200" u="none" kern="1200" baseline="0" dirty="0">
                 <a:solidFill>
                   <a:schemeClr val="tx1"/>
                 </a:solidFill>
@@ -2025,10 +2261,10 @@
                 <a:latin typeface="Malgun Gothic" panose="020B0503020000020004" pitchFamily="2" charset="-127"/>
                 <a:ea typeface="Malgun Gothic" panose="020B0503020000020004" pitchFamily="2" charset="-127"/>
               </a:rPr>
-              <a:t>λ2</a:t>
-            </a:r>
-            <a:r>
-              <a:rPr lang="zh-CN" altLang="en-US" sz="1200" u="none" kern="1200" baseline="0" dirty="0">
+              <a:t>和</a:t>
+            </a:r>
+            <a:r>
+              <a:rPr lang="en-US" altLang="zh-CN" sz="1200" u="none" kern="1200" baseline="0" dirty="0">
                 <a:solidFill>
                   <a:schemeClr val="tx1"/>
                 </a:solidFill>
@@ -2036,10 +2272,10 @@
                 <a:latin typeface="Malgun Gothic" panose="020B0503020000020004" pitchFamily="2" charset="-127"/>
                 <a:ea typeface="Malgun Gothic" panose="020B0503020000020004" pitchFamily="2" charset="-127"/>
               </a:rPr>
-              <a:t>的‘</a:t>
-            </a:r>
-            <a:r>
-              <a:rPr lang="en-US" altLang="zh-CN" sz="1200" u="none" kern="1200" baseline="0" dirty="0">
+              <a:t>λ2</a:t>
+            </a:r>
+            <a:r>
+              <a:rPr lang="zh-CN" altLang="en-US" sz="1200" u="none" kern="1200" baseline="0" dirty="0">
                 <a:solidFill>
                   <a:schemeClr val="tx1"/>
                 </a:solidFill>
@@ -2047,10 +2283,10 @@
                 <a:latin typeface="Malgun Gothic" panose="020B0503020000020004" pitchFamily="2" charset="-127"/>
                 <a:ea typeface="Malgun Gothic" panose="020B0503020000020004" pitchFamily="2" charset="-127"/>
               </a:rPr>
-              <a:t>2</a:t>
-            </a:r>
-            <a:r>
-              <a:rPr lang="zh-CN" altLang="en-US" sz="1200" u="none" kern="1200" baseline="0" dirty="0">
+              <a:t>的‘</a:t>
+            </a:r>
+            <a:r>
+              <a:rPr lang="en-US" altLang="zh-CN" sz="1200" u="none" kern="1200" baseline="0" dirty="0">
                 <a:solidFill>
                   <a:schemeClr val="tx1"/>
                 </a:solidFill>
@@ -2058,10 +2294,10 @@
                 <a:latin typeface="Malgun Gothic" panose="020B0503020000020004" pitchFamily="2" charset="-127"/>
                 <a:ea typeface="Malgun Gothic" panose="020B0503020000020004" pitchFamily="2" charset="-127"/>
               </a:rPr>
-              <a:t>范数来学习正则化</a:t>
-            </a:r>
-            <a:r>
-              <a:rPr lang="en-US" altLang="zh-CN" sz="1200" u="none" kern="1200" baseline="0" dirty="0">
+              <a:t>2</a:t>
+            </a:r>
+            <a:r>
+              <a:rPr lang="zh-CN" altLang="en-US" sz="1200" u="none" kern="1200" baseline="0" dirty="0">
                 <a:solidFill>
                   <a:schemeClr val="tx1"/>
                 </a:solidFill>
@@ -2069,10 +2305,10 @@
                 <a:latin typeface="Malgun Gothic" panose="020B0503020000020004" pitchFamily="2" charset="-127"/>
                 <a:ea typeface="Malgun Gothic" panose="020B0503020000020004" pitchFamily="2" charset="-127"/>
               </a:rPr>
-              <a:t>Q</a:t>
-            </a:r>
-            <a:r>
-              <a:rPr lang="zh-CN" altLang="en-US" sz="1200" u="none" kern="1200" baseline="0" dirty="0">
+              <a:t>范数来学习正则化</a:t>
+            </a:r>
+            <a:r>
+              <a:rPr lang="en-US" altLang="zh-CN" sz="1200" u="none" kern="1200" baseline="0" dirty="0">
                 <a:solidFill>
                   <a:schemeClr val="tx1"/>
                 </a:solidFill>
@@ -2080,10 +2316,10 @@
                 <a:latin typeface="Malgun Gothic" panose="020B0503020000020004" pitchFamily="2" charset="-127"/>
                 <a:ea typeface="Malgun Gothic" panose="020B0503020000020004" pitchFamily="2" charset="-127"/>
               </a:rPr>
-              <a:t>和</a:t>
-            </a:r>
-            <a:r>
-              <a:rPr lang="en-US" altLang="zh-CN" sz="1200" u="none" kern="1200" baseline="0" dirty="0">
+              <a:t>Q</a:t>
+            </a:r>
+            <a:r>
+              <a:rPr lang="zh-CN" altLang="en-US" sz="1200" u="none" kern="1200" baseline="0" dirty="0">
                 <a:solidFill>
                   <a:schemeClr val="tx1"/>
                 </a:solidFill>
@@ -2091,10 +2327,10 @@
                 <a:latin typeface="Malgun Gothic" panose="020B0503020000020004" pitchFamily="2" charset="-127"/>
                 <a:ea typeface="Malgun Gothic" panose="020B0503020000020004" pitchFamily="2" charset="-127"/>
               </a:rPr>
-              <a:t>W</a:t>
-            </a:r>
-            <a:r>
-              <a:rPr lang="zh-CN" altLang="en-US" sz="1200" u="none" kern="1200" baseline="0" dirty="0">
+              <a:t>和</a:t>
+            </a:r>
+            <a:r>
+              <a:rPr lang="en-US" altLang="zh-CN" sz="1200" u="none" kern="1200" baseline="0" dirty="0">
                 <a:solidFill>
                   <a:schemeClr val="tx1"/>
                 </a:solidFill>
@@ -2102,10 +2338,10 @@
                 <a:latin typeface="Malgun Gothic" panose="020B0503020000020004" pitchFamily="2" charset="-127"/>
                 <a:ea typeface="Malgun Gothic" panose="020B0503020000020004" pitchFamily="2" charset="-127"/>
               </a:rPr>
-              <a:t>的参数</a:t>
-            </a:r>
-            <a:r>
-              <a:rPr lang="en-US" altLang="zh-CN" sz="1200" u="none" kern="1200" baseline="0" dirty="0">
+              <a:t>W</a:t>
+            </a:r>
+            <a:r>
+              <a:rPr lang="zh-CN" altLang="en-US" sz="1200" u="none" kern="1200" baseline="0" dirty="0">
                 <a:solidFill>
                   <a:schemeClr val="tx1"/>
                 </a:solidFill>
@@ -2113,17 +2349,273 @@
                 <a:latin typeface="Malgun Gothic" panose="020B0503020000020004" pitchFamily="2" charset="-127"/>
                 <a:ea typeface="Malgun Gothic" panose="020B0503020000020004" pitchFamily="2" charset="-127"/>
               </a:rPr>
-              <a:t>:</a:t>
-            </a:r>
-          </a:p>
-          <a:p>
-            <a:r>
-              <a:rPr lang="zh-CN" altLang="en-US" sz="1200" b="0" u="none" kern="1200" baseline="0" dirty="0">
+              <a:t>的参数</a:t>
+            </a:r>
+            <a:r>
+              <a:rPr lang="en-US" altLang="zh-CN" sz="1200" u="none" kern="1200" baseline="0" dirty="0">
                 <a:solidFill>
                   <a:schemeClr val="tx1"/>
                 </a:solidFill>
                 <a:effectLst/>
                 <a:latin typeface="Malgun Gothic" panose="020B0503020000020004" pitchFamily="2" charset="-127"/>
+                <a:ea typeface="Malgun Gothic" panose="020B0503020000020004" pitchFamily="2" charset="-127"/>
+              </a:rPr>
+              <a:t>:</a:t>
+            </a:r>
+          </a:p>
+          <a:p>
+            <a:r>
+              <a:rPr lang="en-US" altLang="zh-CN" sz="1200" u="none" kern="1200" baseline="0" dirty="0" err="1">
+                <a:solidFill>
+                  <a:schemeClr val="tx1"/>
+                </a:solidFill>
+                <a:effectLst/>
+                <a:latin typeface="Malgun Gothic" panose="020B0503020000020004" pitchFamily="2" charset="-127"/>
+                <a:ea typeface="Malgun Gothic" panose="020B0503020000020004" pitchFamily="2" charset="-127"/>
+              </a:rPr>
+              <a:t>yhrt</a:t>
+            </a:r>
+            <a:r>
+              <a:rPr lang="en-US" altLang="zh-CN" sz="1200" u="none" kern="1200" baseline="0" dirty="0">
+                <a:solidFill>
+                  <a:schemeClr val="tx1"/>
+                </a:solidFill>
+                <a:effectLst/>
+                <a:latin typeface="Malgun Gothic" panose="020B0503020000020004" pitchFamily="2" charset="-127"/>
+                <a:ea typeface="Malgun Gothic" panose="020B0503020000020004" pitchFamily="2" charset="-127"/>
+              </a:rPr>
+              <a:t>∑{-1</a:t>
+            </a:r>
+            <a:r>
+              <a:rPr lang="zh-CN" altLang="en-US" sz="1200" u="none" kern="1200" baseline="0" dirty="0">
+                <a:solidFill>
+                  <a:schemeClr val="tx1"/>
+                </a:solidFill>
+                <a:effectLst/>
+                <a:latin typeface="Malgun Gothic" panose="020B0503020000020004" pitchFamily="2" charset="-127"/>
+                <a:ea typeface="Malgun Gothic" panose="020B0503020000020004" pitchFamily="2" charset="-127"/>
+              </a:rPr>
+              <a:t>，</a:t>
+            </a:r>
+            <a:r>
+              <a:rPr lang="en-US" altLang="zh-CN" sz="1200" u="none" kern="1200" baseline="0" dirty="0">
+                <a:solidFill>
+                  <a:schemeClr val="tx1"/>
+                </a:solidFill>
+                <a:effectLst/>
+                <a:latin typeface="Malgun Gothic" panose="020B0503020000020004" pitchFamily="2" charset="-127"/>
+                <a:ea typeface="Malgun Gothic" panose="020B0503020000020004" pitchFamily="2" charset="-127"/>
+              </a:rPr>
+              <a:t>1}</a:t>
+            </a:r>
+            <a:r>
+              <a:rPr lang="zh-CN" altLang="en-US" sz="1200" u="none" kern="1200" baseline="0" dirty="0">
+                <a:solidFill>
+                  <a:schemeClr val="tx1"/>
+                </a:solidFill>
+                <a:effectLst/>
+                <a:latin typeface="Malgun Gothic" panose="020B0503020000020004" pitchFamily="2" charset="-127"/>
+                <a:ea typeface="Malgun Gothic" panose="020B0503020000020004" pitchFamily="2" charset="-127"/>
+              </a:rPr>
+              <a:t>代表三元组</a:t>
+            </a:r>
+            <a:r>
+              <a:rPr lang="en-US" altLang="zh-CN" sz="1200" u="none" kern="1200" baseline="0" dirty="0">
+                <a:solidFill>
+                  <a:schemeClr val="tx1"/>
+                </a:solidFill>
+                <a:effectLst/>
+                <a:latin typeface="Malgun Gothic" panose="020B0503020000020004" pitchFamily="2" charset="-127"/>
+                <a:ea typeface="Malgun Gothic" panose="020B0503020000020004" pitchFamily="2" charset="-127"/>
+              </a:rPr>
+              <a:t>(h</a:t>
+            </a:r>
+            <a:r>
+              <a:rPr lang="zh-CN" altLang="en-US" sz="1200" u="none" kern="1200" baseline="0" dirty="0">
+                <a:solidFill>
+                  <a:schemeClr val="tx1"/>
+                </a:solidFill>
+                <a:effectLst/>
+                <a:latin typeface="Malgun Gothic" panose="020B0503020000020004" pitchFamily="2" charset="-127"/>
+                <a:ea typeface="Malgun Gothic" panose="020B0503020000020004" pitchFamily="2" charset="-127"/>
+              </a:rPr>
+              <a:t>，</a:t>
+            </a:r>
+            <a:r>
+              <a:rPr lang="en-US" altLang="zh-CN" sz="1200" u="none" kern="1200" baseline="0" dirty="0">
+                <a:solidFill>
+                  <a:schemeClr val="tx1"/>
+                </a:solidFill>
+                <a:effectLst/>
+                <a:latin typeface="Malgun Gothic" panose="020B0503020000020004" pitchFamily="2" charset="-127"/>
+                <a:ea typeface="Malgun Gothic" panose="020B0503020000020004" pitchFamily="2" charset="-127"/>
+              </a:rPr>
+              <a:t>r</a:t>
+            </a:r>
+            <a:r>
+              <a:rPr lang="zh-CN" altLang="en-US" sz="1200" u="none" kern="1200" baseline="0" dirty="0">
+                <a:solidFill>
+                  <a:schemeClr val="tx1"/>
+                </a:solidFill>
+                <a:effectLst/>
+                <a:latin typeface="Malgun Gothic" panose="020B0503020000020004" pitchFamily="2" charset="-127"/>
+                <a:ea typeface="Malgun Gothic" panose="020B0503020000020004" pitchFamily="2" charset="-127"/>
+              </a:rPr>
+              <a:t>，</a:t>
+            </a:r>
+            <a:r>
+              <a:rPr lang="en-US" altLang="zh-CN" sz="1200" u="none" kern="1200" baseline="0" dirty="0">
+                <a:solidFill>
+                  <a:schemeClr val="tx1"/>
+                </a:solidFill>
+                <a:effectLst/>
+                <a:latin typeface="Malgun Gothic" panose="020B0503020000020004" pitchFamily="2" charset="-127"/>
+                <a:ea typeface="Malgun Gothic" panose="020B0503020000020004" pitchFamily="2" charset="-127"/>
+              </a:rPr>
+              <a:t>t)</a:t>
+            </a:r>
+            <a:r>
+              <a:rPr lang="zh-CN" altLang="en-US" sz="1200" u="none" kern="1200" baseline="0" dirty="0">
+                <a:solidFill>
+                  <a:schemeClr val="tx1"/>
+                </a:solidFill>
+                <a:effectLst/>
+                <a:latin typeface="Malgun Gothic" panose="020B0503020000020004" pitchFamily="2" charset="-127"/>
+                <a:ea typeface="Malgun Gothic" panose="020B0503020000020004" pitchFamily="2" charset="-127"/>
+              </a:rPr>
+              <a:t>的相应标签</a:t>
+            </a:r>
+            <a:endParaRPr lang="en-US" altLang="zh-CN" sz="1200" u="none" kern="1200" baseline="0" dirty="0">
+              <a:solidFill>
+                <a:schemeClr val="tx1"/>
+              </a:solidFill>
+              <a:effectLst/>
+              <a:latin typeface="Malgun Gothic" panose="020B0503020000020004" pitchFamily="2" charset="-127"/>
+              <a:ea typeface="Malgun Gothic" panose="020B0503020000020004" pitchFamily="2" charset="-127"/>
+            </a:endParaRPr>
+          </a:p>
+          <a:p>
+            <a:r>
+              <a:rPr lang="zh-CN" altLang="en-US" sz="1200" u="none" kern="1200" baseline="0" dirty="0">
+                <a:solidFill>
+                  <a:schemeClr val="tx1"/>
+                </a:solidFill>
+                <a:effectLst/>
+                <a:latin typeface="Malgun Gothic" panose="020B0503020000020004" pitchFamily="2" charset="-127"/>
+                <a:ea typeface="Malgun Gothic" panose="020B0503020000020004" pitchFamily="2" charset="-127"/>
+              </a:rPr>
+              <a:t>使用负采样策略，包括采样、对抗采样和伯努利采样从未观察到的集合</a:t>
+            </a:r>
+            <a:r>
+              <a:rPr lang="en-US" altLang="zh-CN" sz="1200" u="none" kern="1200" baseline="0" dirty="0">
+                <a:solidFill>
+                  <a:schemeClr val="tx1"/>
+                </a:solidFill>
+                <a:effectLst/>
+                <a:latin typeface="Malgun Gothic" panose="020B0503020000020004" pitchFamily="2" charset="-127"/>
+                <a:ea typeface="Malgun Gothic" panose="020B0503020000020004" pitchFamily="2" charset="-127"/>
+              </a:rPr>
+              <a:t>ω</a:t>
+            </a:r>
+            <a:r>
+              <a:rPr lang="zh-CN" altLang="en-US" sz="1200" u="none" kern="1200" baseline="0" dirty="0">
+                <a:solidFill>
+                  <a:schemeClr val="tx1"/>
+                </a:solidFill>
+                <a:effectLst/>
+                <a:latin typeface="Malgun Gothic" panose="020B0503020000020004" pitchFamily="2" charset="-127"/>
+                <a:ea typeface="Malgun Gothic" panose="020B0503020000020004" pitchFamily="2" charset="-127"/>
+              </a:rPr>
+              <a:t>’中采样</a:t>
+            </a:r>
+            <a:r>
+              <a:rPr lang="en-US" altLang="zh-CN" sz="1200" u="none" kern="1200" baseline="0" dirty="0">
+                <a:solidFill>
+                  <a:schemeClr val="tx1"/>
+                </a:solidFill>
+                <a:effectLst/>
+                <a:latin typeface="Malgun Gothic" panose="020B0503020000020004" pitchFamily="2" charset="-127"/>
+                <a:ea typeface="Malgun Gothic" panose="020B0503020000020004" pitchFamily="2" charset="-127"/>
+              </a:rPr>
+              <a:t>ω-</a:t>
+            </a:r>
+            <a:r>
+              <a:rPr lang="zh-CN" altLang="en-US" sz="1200" u="none" kern="1200" baseline="0" dirty="0">
+                <a:solidFill>
+                  <a:schemeClr val="tx1"/>
+                </a:solidFill>
+                <a:effectLst/>
+                <a:latin typeface="Malgun Gothic" panose="020B0503020000020004" pitchFamily="2" charset="-127"/>
+                <a:ea typeface="Malgun Gothic" panose="020B0503020000020004" pitchFamily="2" charset="-127"/>
+              </a:rPr>
+              <a:t>。</a:t>
+            </a:r>
+            <a:endParaRPr lang="en-US" altLang="zh-CN" sz="1200" u="none" kern="1200" baseline="0" dirty="0">
+              <a:solidFill>
+                <a:schemeClr val="tx1"/>
+              </a:solidFill>
+              <a:effectLst/>
+              <a:latin typeface="Malgun Gothic" panose="020B0503020000020004" pitchFamily="2" charset="-127"/>
+              <a:ea typeface="Malgun Gothic" panose="020B0503020000020004" pitchFamily="2" charset="-127"/>
+            </a:endParaRPr>
+          </a:p>
+          <a:p>
+            <a:r>
+              <a:rPr lang="zh-CN" altLang="en-US" sz="1200" b="0" u="none" kern="1200" baseline="0" dirty="0">
+                <a:solidFill>
+                  <a:schemeClr val="tx1"/>
+                </a:solidFill>
+                <a:effectLst/>
+                <a:latin typeface="Malgun Gothic" panose="020B0503020000020004" pitchFamily="2" charset="-127"/>
+              </a:rPr>
+              <a:t>使用</a:t>
+            </a:r>
+            <a:r>
+              <a:rPr lang="en-US" altLang="zh-CN" sz="1200" b="0" u="none" kern="1200" baseline="0" dirty="0" err="1">
+                <a:solidFill>
+                  <a:schemeClr val="tx1"/>
+                </a:solidFill>
+                <a:effectLst/>
+                <a:latin typeface="Malgun Gothic" panose="020B0503020000020004" pitchFamily="2" charset="-127"/>
+              </a:rPr>
+              <a:t>Adagrad</a:t>
+            </a:r>
+            <a:r>
+              <a:rPr lang="en-US" altLang="zh-CN" sz="1200" b="0" u="none" kern="1200" baseline="0" dirty="0">
+                <a:solidFill>
+                  <a:schemeClr val="tx1"/>
+                </a:solidFill>
+                <a:effectLst/>
+                <a:latin typeface="Malgun Gothic" panose="020B0503020000020004" pitchFamily="2" charset="-127"/>
+              </a:rPr>
+              <a:t> </a:t>
+            </a:r>
+            <a:r>
+              <a:rPr lang="zh-CN" altLang="en-US" sz="1200" b="0" u="none" kern="1200" baseline="0" dirty="0">
+                <a:solidFill>
+                  <a:schemeClr val="tx1"/>
+                </a:solidFill>
+                <a:effectLst/>
+                <a:latin typeface="Malgun Gothic" panose="020B0503020000020004" pitchFamily="2" charset="-127"/>
+              </a:rPr>
+              <a:t>优化损失函数</a:t>
+            </a:r>
+            <a:endParaRPr lang="en-US" altLang="zh-CN" sz="1200" b="0" u="none" kern="1200" baseline="0" dirty="0">
+              <a:solidFill>
+                <a:schemeClr val="tx1"/>
+              </a:solidFill>
+              <a:effectLst/>
+              <a:latin typeface="Malgun Gothic" panose="020B0503020000020004" pitchFamily="2" charset="-127"/>
+            </a:endParaRPr>
+          </a:p>
+          <a:p>
+            <a:r>
+              <a:rPr lang="zh-CN" altLang="en-US" sz="1200" b="0" u="none" kern="1200" baseline="0" dirty="0">
+                <a:solidFill>
+                  <a:schemeClr val="tx1"/>
+                </a:solidFill>
+                <a:effectLst/>
+                <a:latin typeface="Malgun Gothic" panose="020B0503020000020004" pitchFamily="2" charset="-127"/>
               </a:rPr>
               <a:t>内积：</a:t>
             </a:r>
@@ -2135,7 +2627,27 @@
               <a:rPr lang="zh-CN" altLang="pt-BR" dirty="0"/>
               <a:t>。</a:t>
             </a:r>
-            <a:endParaRPr lang="en-US" altLang="zh-CN" b="0" dirty="0"/>
+            <a:endParaRPr lang="en-US" altLang="zh-CN" dirty="0"/>
+          </a:p>
+          <a:p>
+            <a:r>
+              <a:rPr lang="zh-CN" altLang="en-US" b="0" dirty="0"/>
+              <a:t>得分函数与损失函数</a:t>
+            </a:r>
+            <a:r>
+              <a:rPr lang="en-US" altLang="zh-CN" b="0" dirty="0"/>
+              <a:t>(https://blog.csdn.net/liusisi_/article/details/104923519)</a:t>
+            </a:r>
+          </a:p>
+          <a:p>
+            <a:r>
+              <a:rPr lang="zh-CN" altLang="en-US" b="0" dirty="0"/>
+              <a:t>交叉熵损失函数</a:t>
+            </a:r>
+            <a:r>
+              <a:rPr lang="en-US" altLang="zh-CN" b="0" dirty="0"/>
+              <a:t>(https://zhuanlan.zhihu.com/p/35709485)</a:t>
+            </a:r>
           </a:p>
         </p:txBody>
       </p:sp>
@@ -2279,6 +2791,17 @@
           <a:bodyPr/>
           <a:lstStyle/>
           <a:p>
+            <a:r>
+              <a:rPr lang="zh-CN" altLang="en-US" sz="1200" u="none" kern="1200" baseline="0" dirty="0">
+                <a:solidFill>
+                  <a:schemeClr val="tx1"/>
+                </a:solidFill>
+                <a:effectLst/>
+                <a:latin typeface="Malgun Gothic" panose="020B0503020000020004" pitchFamily="2" charset="-127"/>
+                <a:ea typeface="Malgun Gothic" panose="020B0503020000020004" pitchFamily="2" charset="-127"/>
+              </a:rPr>
+              <a:t>这是本论文实验使用的四个基准数据集的实体、关系和观察到的三元组的数量。</a:t>
+            </a:r>
             <a:endParaRPr lang="zh-CN" altLang="en-US" dirty="0"/>
           </a:p>
         </p:txBody>
@@ -3066,7 +3589,29 @@
                 <a:latin typeface="Malgun Gothic" panose="020B0503020000020004" pitchFamily="2" charset="-127"/>
                 <a:ea typeface="Malgun Gothic" panose="020B0503020000020004" pitchFamily="2" charset="-127"/>
               </a:rPr>
-              <a:t>和罗斯，它们将嵌入空间扩展到双曲空间，同时将关系建模为单一平移或旋转。但他们在</a:t>
+              <a:t>和</a:t>
+            </a:r>
+            <a:r>
+              <a:rPr lang="en-US" altLang="zh-CN" sz="1200" u="none" kern="1200" baseline="0" dirty="0">
+                <a:solidFill>
+                  <a:schemeClr val="tx1"/>
+                </a:solidFill>
+                <a:effectLst/>
+                <a:latin typeface="Malgun Gothic" panose="020B0503020000020004" pitchFamily="2" charset="-127"/>
+                <a:ea typeface="Malgun Gothic" panose="020B0503020000020004" pitchFamily="2" charset="-127"/>
+              </a:rPr>
+              <a:t>ROTH</a:t>
+            </a:r>
+            <a:r>
+              <a:rPr lang="zh-CN" altLang="en-US" sz="1200" u="none" kern="1200" baseline="0" dirty="0">
+                <a:solidFill>
+                  <a:schemeClr val="tx1"/>
+                </a:solidFill>
+                <a:effectLst/>
+                <a:latin typeface="Malgun Gothic" panose="020B0503020000020004" pitchFamily="2" charset="-127"/>
+                <a:ea typeface="Malgun Gothic" panose="020B0503020000020004" pitchFamily="2" charset="-127"/>
+              </a:rPr>
+              <a:t>，它们将嵌入空间扩展到双曲空间，同时将关系建模为单一平移或旋转。但他们在</a:t>
             </a:r>
             <a:r>
               <a:rPr lang="en-US" altLang="zh-CN" sz="1200" u="none" kern="1200" baseline="0" dirty="0">
@@ -3258,7 +3803,29 @@
                 <a:latin typeface="Malgun Gothic" panose="020B0503020000020004" pitchFamily="2" charset="-127"/>
                 <a:ea typeface="Malgun Gothic" panose="020B0503020000020004" pitchFamily="2" charset="-127"/>
               </a:rPr>
-              <a:t>和交互学习可以很好地提高性能。但是它需要一个很大的嵌入维度，我们认为这并不可取，因为我们的初衷是将实体和关系嵌入到一个较低的维度空间。相比之下，对偶模型在更少的维数上的效果可以达到甚至超过</a:t>
+              <a:t>和交互学习可以很好地提高性能。但是它需要一个很大的嵌入维度，我们认为这并不可取，因为我们的初衷是将实体和关系嵌入到一个较低的维度空间。相比之下，</a:t>
+            </a:r>
+            <a:r>
+              <a:rPr lang="en-US" altLang="zh-CN" sz="1200" u="none" kern="1200" baseline="0" dirty="0" err="1">
+                <a:solidFill>
+                  <a:schemeClr val="tx1"/>
+                </a:solidFill>
+                <a:effectLst/>
+                <a:latin typeface="Malgun Gothic" panose="020B0503020000020004" pitchFamily="2" charset="-127"/>
+                <a:ea typeface="Malgun Gothic" panose="020B0503020000020004" pitchFamily="2" charset="-127"/>
+              </a:rPr>
+              <a:t>DualE</a:t>
+            </a:r>
+            <a:r>
+              <a:rPr lang="zh-CN" altLang="en-US" sz="1200" u="none" kern="1200" baseline="0" dirty="0">
+                <a:solidFill>
+                  <a:schemeClr val="tx1"/>
+                </a:solidFill>
+                <a:effectLst/>
+                <a:latin typeface="Malgun Gothic" panose="020B0503020000020004" pitchFamily="2" charset="-127"/>
+                <a:ea typeface="Malgun Gothic" panose="020B0503020000020004" pitchFamily="2" charset="-127"/>
+              </a:rPr>
+              <a:t>模型在更少的维数上的效果可以达到甚至超过</a:t>
             </a:r>
             <a:r>
               <a:rPr lang="en-US" altLang="zh-CN" sz="1200" u="none" kern="1200" baseline="0" dirty="0">
@@ -3372,6 +3939,48 @@
           <a:bodyPr/>
           <a:lstStyle/>
           <a:p>
+            <a:r>
+              <a:rPr lang="zh-CN" altLang="en-US" dirty="0"/>
+              <a:t>这个</a:t>
+            </a:r>
+            <a:r>
+              <a:rPr lang="en-US" altLang="zh-CN" dirty="0" err="1"/>
+              <a:t>W+r</a:t>
+            </a:r>
+            <a:r>
+              <a:rPr lang="zh-CN" altLang="en-US" dirty="0"/>
+              <a:t>应该就是没有对</a:t>
+            </a:r>
+            <a:r>
+              <a:rPr lang="en-US" altLang="zh-CN" dirty="0"/>
+              <a:t>c</a:t>
+            </a:r>
+            <a:r>
+              <a:rPr lang="zh-CN" altLang="en-US" dirty="0"/>
+              <a:t>归一化</a:t>
+            </a:r>
+            <a:endParaRPr lang="en-US" altLang="zh-CN" dirty="0"/>
+          </a:p>
+          <a:p>
+            <a:r>
+              <a:rPr lang="zh-CN" altLang="en-US" dirty="0"/>
+              <a:t>结果如表所示，表</a:t>
+            </a:r>
+            <a:r>
+              <a:rPr lang="en-US" altLang="zh-CN" dirty="0"/>
+              <a:t>7</a:t>
+            </a:r>
+            <a:r>
+              <a:rPr lang="zh-CN" altLang="en-US" sz="1200" u="none" kern="1200" baseline="0" dirty="0">
+                <a:solidFill>
+                  <a:schemeClr val="tx1"/>
+                </a:solidFill>
+                <a:effectLst/>
+                <a:latin typeface="Malgun Gothic" panose="020B0503020000020004" pitchFamily="2" charset="-127"/>
+                <a:ea typeface="Malgun Gothic" panose="020B0503020000020004" pitchFamily="2" charset="-127"/>
+              </a:rPr>
+              <a:t>评分函数的不同变体分析。超参数设置与以前相同。</a:t>
+            </a:r>
             <a:endParaRPr lang="zh-CN" altLang="en-US" dirty="0"/>
           </a:p>
         </p:txBody>
@@ -3486,10 +4095,10 @@
                 <a:latin typeface="Malgun Gothic" panose="020B0503020000020004" pitchFamily="2" charset="-127"/>
                 <a:ea typeface="Malgun Gothic" panose="020B0503020000020004" pitchFamily="2" charset="-127"/>
               </a:rPr>
-              <a:t>和</a:t>
-            </a:r>
-            <a:r>
-              <a:rPr lang="en-US" altLang="zh-CN" sz="1200" u="none" kern="1200" baseline="0" dirty="0" err="1">
+              <a:t>使用部分方法进行了实验。如图</a:t>
+            </a:r>
+            <a:r>
+              <a:rPr lang="en-US" altLang="zh-CN" sz="1200" u="none" kern="1200" baseline="0" dirty="0">
                 <a:solidFill>
                   <a:schemeClr val="tx1"/>
                 </a:solidFill>
@@ -3497,7 +4106,7 @@
                 <a:latin typeface="Malgun Gothic" panose="020B0503020000020004" pitchFamily="2" charset="-127"/>
                 <a:ea typeface="Malgun Gothic" panose="020B0503020000020004" pitchFamily="2" charset="-127"/>
               </a:rPr>
-              <a:t>SotA</a:t>
+              <a:t>4</a:t>
             </a:r>
             <a:r>
               <a:rPr lang="zh-CN" altLang="en-US" sz="1200" u="none" kern="1200" baseline="0" dirty="0">
@@ -3508,29 +4117,7 @@
                 <a:latin typeface="Malgun Gothic" panose="020B0503020000020004" pitchFamily="2" charset="-127"/>
                 <a:ea typeface="Malgun Gothic" panose="020B0503020000020004" pitchFamily="2" charset="-127"/>
               </a:rPr>
-              <a:t>方法进行了实验。如图</a:t>
-            </a:r>
-            <a:r>
-              <a:rPr lang="en-US" altLang="zh-CN" sz="1200" u="none" kern="1200" baseline="0" dirty="0">
-                <a:solidFill>
-                  <a:schemeClr val="tx1"/>
-                </a:solidFill>
-                <a:effectLst/>
-                <a:latin typeface="Malgun Gothic" panose="020B0503020000020004" pitchFamily="2" charset="-127"/>
-                <a:ea typeface="Malgun Gothic" panose="020B0503020000020004" pitchFamily="2" charset="-127"/>
-              </a:rPr>
-              <a:t>4</a:t>
-            </a:r>
-            <a:r>
-              <a:rPr lang="zh-CN" altLang="en-US" sz="1200" u="none" kern="1200" baseline="0" dirty="0">
-                <a:solidFill>
-                  <a:schemeClr val="tx1"/>
-                </a:solidFill>
-                <a:effectLst/>
-                <a:latin typeface="Malgun Gothic" panose="020B0503020000020004" pitchFamily="2" charset="-127"/>
-                <a:ea typeface="Malgun Gothic" panose="020B0503020000020004" pitchFamily="2" charset="-127"/>
-              </a:rPr>
-              <a:t>所示，我们的方法始终优于所有基线，这表明</a:t>
+              <a:t>所示，我们的方法始终优于所有基线模型，这表明</a:t>
             </a:r>
             <a:r>
               <a:rPr lang="en-US" altLang="zh-CN" sz="1200" u="none" kern="1200" baseline="0" dirty="0" err="1">
@@ -3622,6 +4209,130 @@
           <a:bodyPr/>
           <a:lstStyle/>
           <a:p>
+            <a:pPr marL="0" indent="0">
+              <a:buNone/>
+            </a:pPr>
+            <a:r>
+              <a:rPr lang="zh-CN" altLang="en-US" sz="1200" u="none" kern="1200" baseline="0" dirty="0">
+                <a:solidFill>
+                  <a:schemeClr val="tx1"/>
+                </a:solidFill>
+                <a:effectLst/>
+                <a:latin typeface="Malgun Gothic" panose="020B0503020000020004" pitchFamily="2" charset="-127"/>
+                <a:ea typeface="Malgun Gothic" panose="020B0503020000020004" pitchFamily="2" charset="-127"/>
+              </a:rPr>
+              <a:t>为了研究添加类型约束对实验的影响，我们对相同参数个数的</a:t>
+            </a:r>
+            <a:r>
+              <a:rPr lang="en-US" altLang="zh-CN" sz="1200" u="none" kern="1200" baseline="0" dirty="0" err="1">
+                <a:solidFill>
+                  <a:schemeClr val="tx1"/>
+                </a:solidFill>
+                <a:effectLst/>
+                <a:latin typeface="Malgun Gothic" panose="020B0503020000020004" pitchFamily="2" charset="-127"/>
+                <a:ea typeface="Malgun Gothic" panose="020B0503020000020004" pitchFamily="2" charset="-127"/>
+              </a:rPr>
+              <a:t>DualE</a:t>
+            </a:r>
+            <a:r>
+              <a:rPr lang="zh-CN" altLang="en-US" sz="1200" u="none" kern="1200" baseline="0" dirty="0">
+                <a:solidFill>
+                  <a:schemeClr val="tx1"/>
+                </a:solidFill>
+                <a:effectLst/>
+                <a:latin typeface="Malgun Gothic" panose="020B0503020000020004" pitchFamily="2" charset="-127"/>
+                <a:ea typeface="Malgun Gothic" panose="020B0503020000020004" pitchFamily="2" charset="-127"/>
+              </a:rPr>
+              <a:t>和</a:t>
+            </a:r>
+            <a:r>
+              <a:rPr lang="en-US" altLang="zh-CN" sz="1200" u="none" kern="1200" baseline="0" dirty="0" err="1">
+                <a:solidFill>
+                  <a:schemeClr val="tx1"/>
+                </a:solidFill>
+                <a:effectLst/>
+                <a:latin typeface="Malgun Gothic" panose="020B0503020000020004" pitchFamily="2" charset="-127"/>
+                <a:ea typeface="Malgun Gothic" panose="020B0503020000020004" pitchFamily="2" charset="-127"/>
+              </a:rPr>
+              <a:t>QuatE</a:t>
+            </a:r>
+            <a:r>
+              <a:rPr lang="zh-CN" altLang="en-US" sz="1200" u="none" kern="1200" baseline="0" dirty="0">
+                <a:solidFill>
+                  <a:schemeClr val="tx1"/>
+                </a:solidFill>
+                <a:effectLst/>
+                <a:latin typeface="Malgun Gothic" panose="020B0503020000020004" pitchFamily="2" charset="-127"/>
+                <a:ea typeface="Malgun Gothic" panose="020B0503020000020004" pitchFamily="2" charset="-127"/>
+              </a:rPr>
+              <a:t>进行了研究，发现在没有约束的情况下，</a:t>
+            </a:r>
+            <a:r>
+              <a:rPr lang="en-US" altLang="zh-CN" sz="1200" u="none" kern="1200" baseline="0" dirty="0" err="1">
+                <a:solidFill>
+                  <a:schemeClr val="tx1"/>
+                </a:solidFill>
+                <a:effectLst/>
+                <a:latin typeface="Malgun Gothic" panose="020B0503020000020004" pitchFamily="2" charset="-127"/>
+                <a:ea typeface="Malgun Gothic" panose="020B0503020000020004" pitchFamily="2" charset="-127"/>
+              </a:rPr>
+              <a:t>DualE</a:t>
+            </a:r>
+            <a:r>
+              <a:rPr lang="zh-CN" altLang="en-US" sz="1200" u="none" kern="1200" baseline="0" dirty="0">
+                <a:solidFill>
+                  <a:schemeClr val="tx1"/>
+                </a:solidFill>
+                <a:effectLst/>
+                <a:latin typeface="Malgun Gothic" panose="020B0503020000020004" pitchFamily="2" charset="-127"/>
+                <a:ea typeface="Malgun Gothic" panose="020B0503020000020004" pitchFamily="2" charset="-127"/>
+              </a:rPr>
+              <a:t>的性能也可以超过</a:t>
+            </a:r>
+            <a:r>
+              <a:rPr lang="en-US" altLang="zh-CN" sz="1200" u="none" kern="1200" baseline="0" dirty="0" err="1">
+                <a:solidFill>
+                  <a:schemeClr val="tx1"/>
+                </a:solidFill>
+                <a:effectLst/>
+                <a:latin typeface="Malgun Gothic" panose="020B0503020000020004" pitchFamily="2" charset="-127"/>
+                <a:ea typeface="Malgun Gothic" panose="020B0503020000020004" pitchFamily="2" charset="-127"/>
+              </a:rPr>
+              <a:t>QuatE</a:t>
+            </a:r>
+            <a:r>
+              <a:rPr lang="zh-CN" altLang="en-US" sz="1200" u="none" kern="1200" baseline="0" dirty="0">
+                <a:solidFill>
+                  <a:schemeClr val="tx1"/>
+                </a:solidFill>
+                <a:effectLst/>
+                <a:latin typeface="Malgun Gothic" panose="020B0503020000020004" pitchFamily="2" charset="-127"/>
+                <a:ea typeface="Malgun Gothic" panose="020B0503020000020004" pitchFamily="2" charset="-127"/>
+              </a:rPr>
+              <a:t>。结果如表</a:t>
+            </a:r>
+            <a:r>
+              <a:rPr lang="en-US" altLang="zh-CN" sz="1200" u="none" kern="1200" baseline="0" dirty="0">
+                <a:solidFill>
+                  <a:schemeClr val="tx1"/>
+                </a:solidFill>
+                <a:effectLst/>
+                <a:latin typeface="Malgun Gothic" panose="020B0503020000020004" pitchFamily="2" charset="-127"/>
+                <a:ea typeface="Malgun Gothic" panose="020B0503020000020004" pitchFamily="2" charset="-127"/>
+              </a:rPr>
+              <a:t>8</a:t>
+            </a:r>
+            <a:r>
+              <a:rPr lang="zh-CN" altLang="en-US" sz="1200" u="none" kern="1200" baseline="0" dirty="0">
+                <a:solidFill>
+                  <a:schemeClr val="tx1"/>
+                </a:solidFill>
+                <a:effectLst/>
+                <a:latin typeface="Malgun Gothic" panose="020B0503020000020004" pitchFamily="2" charset="-127"/>
+                <a:ea typeface="Malgun Gothic" panose="020B0503020000020004" pitchFamily="2" charset="-127"/>
+              </a:rPr>
+              <a:t>所示。</a:t>
+            </a:r>
             <a:endParaRPr lang="zh-CN" altLang="en-US" dirty="0"/>
           </a:p>
         </p:txBody>
@@ -3629,7 +4340,7 @@
     </p:spTree>
     <p:extLst>
       <p:ext uri="{BB962C8B-B14F-4D97-AF65-F5344CB8AC3E}">
-        <p14:creationId xmlns:p14="http://schemas.microsoft.com/office/powerpoint/2010/main" val="1491866559"/>
+        <p14:creationId xmlns:p14="http://schemas.microsoft.com/office/powerpoint/2010/main" val="1943161795"/>
       </p:ext>
     </p:extLst>
   </p:cSld>
@@ -3688,17 +4399,823 @@
           <a:bodyPr/>
           <a:lstStyle/>
           <a:p>
+            <a:pPr marL="0" indent="0">
+              <a:buNone/>
+            </a:pPr>
+            <a:r>
+              <a:rPr lang="zh-CN" altLang="en-US" sz="1200" u="none" kern="1200" baseline="0" dirty="0">
+                <a:solidFill>
+                  <a:schemeClr val="tx1"/>
+                </a:solidFill>
+                <a:effectLst/>
+                <a:latin typeface="Malgun Gothic" panose="020B0503020000020004" pitchFamily="2" charset="-127"/>
+                <a:ea typeface="Malgun Gothic" panose="020B0503020000020004" pitchFamily="2" charset="-127"/>
+              </a:rPr>
+              <a:t>我们在实验中使用了两个版本的</a:t>
+            </a:r>
+            <a:r>
+              <a:rPr lang="en-US" altLang="zh-CN" sz="1200" u="none" kern="1200" baseline="0" dirty="0" err="1">
+                <a:solidFill>
+                  <a:schemeClr val="tx1"/>
+                </a:solidFill>
+                <a:effectLst/>
+                <a:latin typeface="Malgun Gothic" panose="020B0503020000020004" pitchFamily="2" charset="-127"/>
+                <a:ea typeface="Malgun Gothic" panose="020B0503020000020004" pitchFamily="2" charset="-127"/>
+              </a:rPr>
+              <a:t>DualE</a:t>
+            </a:r>
+            <a:r>
+              <a:rPr lang="zh-CN" altLang="en-US" sz="1200" u="none" kern="1200" baseline="0" dirty="0">
+                <a:solidFill>
+                  <a:schemeClr val="tx1"/>
+                </a:solidFill>
+                <a:effectLst/>
+                <a:latin typeface="Malgun Gothic" panose="020B0503020000020004" pitchFamily="2" charset="-127"/>
+                <a:ea typeface="Malgun Gothic" panose="020B0503020000020004" pitchFamily="2" charset="-127"/>
+              </a:rPr>
+              <a:t>，有</a:t>
+            </a:r>
+            <a:r>
+              <a:rPr lang="en-US" altLang="zh-CN" sz="1200" u="none" kern="1200" baseline="0" dirty="0">
+                <a:solidFill>
+                  <a:schemeClr val="tx1"/>
+                </a:solidFill>
+                <a:effectLst/>
+                <a:latin typeface="Malgun Gothic" panose="020B0503020000020004" pitchFamily="2" charset="-127"/>
+                <a:ea typeface="Malgun Gothic" panose="020B0503020000020004" pitchFamily="2" charset="-127"/>
+              </a:rPr>
+              <a:t>/</a:t>
+            </a:r>
+            <a:r>
+              <a:rPr lang="zh-CN" altLang="en-US" sz="1200" u="none" kern="1200" baseline="0" dirty="0">
+                <a:solidFill>
+                  <a:schemeClr val="tx1"/>
+                </a:solidFill>
+                <a:effectLst/>
+                <a:latin typeface="Malgun Gothic" panose="020B0503020000020004" pitchFamily="2" charset="-127"/>
+                <a:ea typeface="Malgun Gothic" panose="020B0503020000020004" pitchFamily="2" charset="-127"/>
+              </a:rPr>
+              <a:t>没有类型约束。结果如表</a:t>
+            </a:r>
+            <a:r>
+              <a:rPr lang="en-US" altLang="zh-CN" sz="1200" u="none" kern="1200" baseline="0" dirty="0">
+                <a:solidFill>
+                  <a:schemeClr val="tx1"/>
+                </a:solidFill>
+                <a:effectLst/>
+                <a:latin typeface="Malgun Gothic" panose="020B0503020000020004" pitchFamily="2" charset="-127"/>
+                <a:ea typeface="Malgun Gothic" panose="020B0503020000020004" pitchFamily="2" charset="-127"/>
+              </a:rPr>
+              <a:t>9</a:t>
+            </a:r>
+            <a:r>
+              <a:rPr lang="zh-CN" altLang="en-US" sz="1200" u="none" kern="1200" baseline="0" dirty="0">
+                <a:solidFill>
+                  <a:schemeClr val="tx1"/>
+                </a:solidFill>
+                <a:effectLst/>
+                <a:latin typeface="Malgun Gothic" panose="020B0503020000020004" pitchFamily="2" charset="-127"/>
+                <a:ea typeface="Malgun Gothic" panose="020B0503020000020004" pitchFamily="2" charset="-127"/>
+              </a:rPr>
+              <a:t>和表</a:t>
+            </a:r>
+            <a:r>
+              <a:rPr lang="en-US" altLang="zh-CN" sz="1200" u="none" kern="1200" baseline="0" dirty="0">
+                <a:solidFill>
+                  <a:schemeClr val="tx1"/>
+                </a:solidFill>
+                <a:effectLst/>
+                <a:latin typeface="Malgun Gothic" panose="020B0503020000020004" pitchFamily="2" charset="-127"/>
+                <a:ea typeface="Malgun Gothic" panose="020B0503020000020004" pitchFamily="2" charset="-127"/>
+              </a:rPr>
+              <a:t>10</a:t>
+            </a:r>
+            <a:r>
+              <a:rPr lang="zh-CN" altLang="en-US" sz="1200" u="none" kern="1200" baseline="0" dirty="0">
+                <a:solidFill>
+                  <a:schemeClr val="tx1"/>
+                </a:solidFill>
+                <a:effectLst/>
+                <a:latin typeface="Malgun Gothic" panose="020B0503020000020004" pitchFamily="2" charset="-127"/>
+                <a:ea typeface="Malgun Gothic" panose="020B0503020000020004" pitchFamily="2" charset="-127"/>
+              </a:rPr>
+              <a:t>所示。</a:t>
+            </a:r>
+            <a:endParaRPr lang="zh-CN" altLang="en-US" dirty="0"/>
+          </a:p>
+        </p:txBody>
+      </p:sp>
+    </p:spTree>
+    <p:extLst>
+      <p:ext uri="{BB962C8B-B14F-4D97-AF65-F5344CB8AC3E}">
+        <p14:creationId xmlns:p14="http://schemas.microsoft.com/office/powerpoint/2010/main" val="1374326835"/>
+      </p:ext>
+    </p:extLst>
+  </p:cSld>
+  <p:clrMapOvr>
+    <a:masterClrMapping/>
+  </p:clrMapOvr>
+</p:notes>
+</file>
+
+<file path=ppt/notesSlides/notesSlide27.xml><?xml version="1.0" encoding="utf-8"?>
+<p:notes xmlns:a="http://schemas.openxmlformats.org/drawingml/2006/main" xmlns:r="http://schemas.openxmlformats.org/officeDocument/2006/relationships" xmlns:p="http://schemas.openxmlformats.org/presentationml/2006/main">
+  <p:cSld>
+    <p:spTree>
+      <p:nvGrpSpPr>
+        <p:cNvPr id="1" name=""/>
+        <p:cNvGrpSpPr/>
+        <p:nvPr/>
+      </p:nvGrpSpPr>
+      <p:grpSpPr>
+        <a:xfrm>
+          <a:off x="0" y="0"/>
+          <a:ext cx="0" cy="0"/>
+          <a:chOff x="0" y="0"/>
+          <a:chExt cx="0" cy="0"/>
+        </a:xfrm>
+      </p:grpSpPr>
+      <p:sp>
+        <p:nvSpPr>
+          <p:cNvPr id="2" name="幻灯片图像占位符 1"/>
+          <p:cNvSpPr>
+            <a:spLocks noGrp="1" noRot="1" noChangeAspect="1"/>
+          </p:cNvSpPr>
+          <p:nvPr>
+            <p:ph type="sldImg"/>
+          </p:nvPr>
+        </p:nvSpPr>
+        <p:spPr>
+          <a:xfrm>
+            <a:off x="852488" y="744538"/>
+            <a:ext cx="4964112" cy="3722687"/>
+          </a:xfrm>
+        </p:spPr>
+      </p:sp>
+      <p:sp>
+        <p:nvSpPr>
+          <p:cNvPr id="3" name="备注占位符 2"/>
+          <p:cNvSpPr>
+            <a:spLocks noGrp="1"/>
+          </p:cNvSpPr>
+          <p:nvPr>
+            <p:ph type="body" idx="1"/>
+          </p:nvPr>
+        </p:nvSpPr>
+        <p:spPr/>
+        <p:txBody>
+          <a:bodyPr/>
+          <a:lstStyle/>
+          <a:p>
+            <a:r>
+              <a:rPr lang="zh-CN" altLang="en-US" sz="1200" u="none" kern="1200" baseline="0" dirty="0">
+                <a:solidFill>
+                  <a:schemeClr val="tx1"/>
+                </a:solidFill>
+                <a:effectLst/>
+                <a:latin typeface="Malgun Gothic" panose="020B0503020000020004" pitchFamily="2" charset="-127"/>
+                <a:ea typeface="Malgun Gothic" panose="020B0503020000020004" pitchFamily="2" charset="-127"/>
+              </a:rPr>
+              <a:t>表</a:t>
+            </a:r>
+            <a:r>
+              <a:rPr lang="en-US" altLang="zh-CN" sz="1200" u="none" kern="1200" baseline="0" dirty="0">
+                <a:solidFill>
+                  <a:schemeClr val="tx1"/>
+                </a:solidFill>
+                <a:effectLst/>
+                <a:latin typeface="Malgun Gothic" panose="020B0503020000020004" pitchFamily="2" charset="-127"/>
+                <a:ea typeface="Malgun Gothic" panose="020B0503020000020004" pitchFamily="2" charset="-127"/>
+              </a:rPr>
+              <a:t>11:</a:t>
+            </a:r>
+            <a:r>
+              <a:rPr lang="zh-CN" altLang="en-US" sz="1200" u="none" kern="1200" baseline="0" dirty="0">
+                <a:solidFill>
+                  <a:schemeClr val="tx1"/>
+                </a:solidFill>
+                <a:effectLst/>
+                <a:latin typeface="Malgun Gothic" panose="020B0503020000020004" pitchFamily="2" charset="-127"/>
+                <a:ea typeface="Malgun Gothic" panose="020B0503020000020004" pitchFamily="2" charset="-127"/>
+              </a:rPr>
+              <a:t>自由参数比较的数量</a:t>
+            </a:r>
+            <a:endParaRPr lang="en-US" altLang="zh-CN" sz="1200" u="none" kern="1200" baseline="0" dirty="0">
+              <a:solidFill>
+                <a:schemeClr val="tx1"/>
+              </a:solidFill>
+              <a:effectLst/>
+              <a:latin typeface="Malgun Gothic" panose="020B0503020000020004" pitchFamily="2" charset="-127"/>
+              <a:ea typeface="Malgun Gothic" panose="020B0503020000020004" pitchFamily="2" charset="-127"/>
+            </a:endParaRPr>
+          </a:p>
+          <a:p>
+            <a:pPr marL="0" marR="0" lvl="0" indent="0" algn="l" defTabSz="914400" eaLnBrk="0" fontAlgn="base" latinLnBrk="1" hangingPunct="0">
+              <a:lnSpc>
+                <a:spcPct val="100000"/>
+              </a:lnSpc>
+              <a:spcBef>
+                <a:spcPct val="30000"/>
+              </a:spcBef>
+              <a:spcAft>
+                <a:spcPct val="0"/>
+              </a:spcAft>
+              <a:buClrTx/>
+              <a:buSzTx/>
+              <a:buFontTx/>
+              <a:buNone/>
+              <a:tabLst/>
+              <a:defRPr/>
+            </a:pPr>
+            <a:r>
+              <a:rPr lang="zh-CN" altLang="en-US" sz="1200" u="none" kern="1200" baseline="0" dirty="0">
+                <a:solidFill>
+                  <a:schemeClr val="tx1"/>
+                </a:solidFill>
+                <a:effectLst/>
+                <a:latin typeface="Malgun Gothic" panose="020B0503020000020004" pitchFamily="2" charset="-127"/>
+                <a:ea typeface="Malgun Gothic" panose="020B0503020000020004" pitchFamily="2" charset="-127"/>
+              </a:rPr>
+              <a:t>我们比较了</a:t>
+            </a:r>
+            <a:r>
+              <a:rPr lang="en-US" altLang="zh-CN" sz="1200" u="none" kern="1200" baseline="0" dirty="0" err="1">
+                <a:solidFill>
+                  <a:schemeClr val="tx1"/>
+                </a:solidFill>
+                <a:effectLst/>
+                <a:latin typeface="Malgun Gothic" panose="020B0503020000020004" pitchFamily="2" charset="-127"/>
+                <a:ea typeface="Malgun Gothic" panose="020B0503020000020004" pitchFamily="2" charset="-127"/>
+              </a:rPr>
+              <a:t>TorusE</a:t>
+            </a:r>
+            <a:r>
+              <a:rPr lang="zh-CN" altLang="en-US" sz="1200" u="none" kern="1200" baseline="0" dirty="0">
+                <a:solidFill>
+                  <a:schemeClr val="tx1"/>
+                </a:solidFill>
+                <a:effectLst/>
+                <a:latin typeface="Malgun Gothic" panose="020B0503020000020004" pitchFamily="2" charset="-127"/>
+                <a:ea typeface="Malgun Gothic" panose="020B0503020000020004" pitchFamily="2" charset="-127"/>
+              </a:rPr>
+              <a:t>、</a:t>
+            </a:r>
+            <a:r>
+              <a:rPr lang="en-US" altLang="zh-CN" sz="1200" u="none" kern="1200" baseline="0" dirty="0" err="1">
+                <a:solidFill>
+                  <a:schemeClr val="tx1"/>
+                </a:solidFill>
+                <a:effectLst/>
+                <a:latin typeface="Malgun Gothic" panose="020B0503020000020004" pitchFamily="2" charset="-127"/>
+                <a:ea typeface="Malgun Gothic" panose="020B0503020000020004" pitchFamily="2" charset="-127"/>
+              </a:rPr>
+              <a:t>RotatE</a:t>
+            </a:r>
+            <a:r>
+              <a:rPr lang="zh-CN" altLang="en-US" sz="1200" u="none" kern="1200" baseline="0" dirty="0">
+                <a:solidFill>
+                  <a:schemeClr val="tx1"/>
+                </a:solidFill>
+                <a:effectLst/>
+                <a:latin typeface="Malgun Gothic" panose="020B0503020000020004" pitchFamily="2" charset="-127"/>
+                <a:ea typeface="Malgun Gothic" panose="020B0503020000020004" pitchFamily="2" charset="-127"/>
+              </a:rPr>
+              <a:t>和</a:t>
+            </a:r>
+            <a:r>
+              <a:rPr lang="en-US" altLang="zh-CN" sz="1200" u="none" kern="1200" baseline="0" dirty="0" err="1">
+                <a:solidFill>
+                  <a:schemeClr val="tx1"/>
+                </a:solidFill>
+                <a:effectLst/>
+                <a:latin typeface="Malgun Gothic" panose="020B0503020000020004" pitchFamily="2" charset="-127"/>
+                <a:ea typeface="Malgun Gothic" panose="020B0503020000020004" pitchFamily="2" charset="-127"/>
+              </a:rPr>
+              <a:t>QuatE</a:t>
+            </a:r>
+            <a:r>
+              <a:rPr lang="zh-CN" altLang="en-US" sz="1200" u="none" kern="1200" baseline="0" dirty="0">
+                <a:solidFill>
+                  <a:schemeClr val="tx1"/>
+                </a:solidFill>
+                <a:effectLst/>
+                <a:latin typeface="Malgun Gothic" panose="020B0503020000020004" pitchFamily="2" charset="-127"/>
+                <a:ea typeface="Malgun Gothic" panose="020B0503020000020004" pitchFamily="2" charset="-127"/>
+              </a:rPr>
+              <a:t>的参数个数与</a:t>
+            </a:r>
+            <a:r>
+              <a:rPr lang="en-US" altLang="zh-CN" sz="1200" u="none" kern="1200" baseline="0" dirty="0" err="1">
+                <a:solidFill>
+                  <a:schemeClr val="tx1"/>
+                </a:solidFill>
+                <a:effectLst/>
+                <a:latin typeface="Malgun Gothic" panose="020B0503020000020004" pitchFamily="2" charset="-127"/>
+                <a:ea typeface="Malgun Gothic" panose="020B0503020000020004" pitchFamily="2" charset="-127"/>
+              </a:rPr>
+              <a:t>DualE</a:t>
+            </a:r>
+            <a:r>
+              <a:rPr lang="zh-CN" altLang="en-US" sz="1200" u="none" kern="1200" baseline="0" dirty="0">
+                <a:solidFill>
+                  <a:schemeClr val="tx1"/>
+                </a:solidFill>
+                <a:effectLst/>
+                <a:latin typeface="Malgun Gothic" panose="020B0503020000020004" pitchFamily="2" charset="-127"/>
+                <a:ea typeface="Malgun Gothic" panose="020B0503020000020004" pitchFamily="2" charset="-127"/>
+              </a:rPr>
+              <a:t>的参数个数。我们发现</a:t>
+            </a:r>
+            <a:r>
+              <a:rPr lang="en-US" altLang="zh-CN" sz="1200" u="none" kern="1200" baseline="0" dirty="0" err="1">
+                <a:solidFill>
+                  <a:schemeClr val="tx1"/>
+                </a:solidFill>
+                <a:effectLst/>
+                <a:latin typeface="Malgun Gothic" panose="020B0503020000020004" pitchFamily="2" charset="-127"/>
+                <a:ea typeface="Malgun Gothic" panose="020B0503020000020004" pitchFamily="2" charset="-127"/>
+              </a:rPr>
+              <a:t>DualE</a:t>
+            </a:r>
+            <a:r>
+              <a:rPr lang="zh-CN" altLang="en-US" sz="1200" u="none" kern="1200" baseline="0" dirty="0">
+                <a:solidFill>
+                  <a:schemeClr val="tx1"/>
+                </a:solidFill>
+                <a:effectLst/>
+                <a:latin typeface="Malgun Gothic" panose="020B0503020000020004" pitchFamily="2" charset="-127"/>
+                <a:ea typeface="Malgun Gothic" panose="020B0503020000020004" pitchFamily="2" charset="-127"/>
+              </a:rPr>
+              <a:t>可以在使用更少参数的情况下超越这些模型。结果如表</a:t>
+            </a:r>
+            <a:r>
+              <a:rPr lang="en-US" altLang="zh-CN" sz="1200" u="none" kern="1200" baseline="0" dirty="0">
+                <a:solidFill>
+                  <a:schemeClr val="tx1"/>
+                </a:solidFill>
+                <a:effectLst/>
+                <a:latin typeface="Malgun Gothic" panose="020B0503020000020004" pitchFamily="2" charset="-127"/>
+                <a:ea typeface="Malgun Gothic" panose="020B0503020000020004" pitchFamily="2" charset="-127"/>
+              </a:rPr>
+              <a:t>11</a:t>
+            </a:r>
+            <a:r>
+              <a:rPr lang="zh-CN" altLang="en-US" sz="1200" u="none" kern="1200" baseline="0" dirty="0">
+                <a:solidFill>
+                  <a:schemeClr val="tx1"/>
+                </a:solidFill>
+                <a:effectLst/>
+                <a:latin typeface="Malgun Gothic" panose="020B0503020000020004" pitchFamily="2" charset="-127"/>
+                <a:ea typeface="Malgun Gothic" panose="020B0503020000020004" pitchFamily="2" charset="-127"/>
+              </a:rPr>
+              <a:t>所示。</a:t>
+            </a:r>
+          </a:p>
+          <a:p>
+            <a:pPr marL="0" marR="0" lvl="0" indent="0" algn="l" defTabSz="914400" eaLnBrk="0" fontAlgn="base" latinLnBrk="1" hangingPunct="0">
+              <a:lnSpc>
+                <a:spcPct val="100000"/>
+              </a:lnSpc>
+              <a:spcBef>
+                <a:spcPct val="30000"/>
+              </a:spcBef>
+              <a:spcAft>
+                <a:spcPct val="0"/>
+              </a:spcAft>
+              <a:buClrTx/>
+              <a:buSzTx/>
+              <a:buFontTx/>
+              <a:buNone/>
+              <a:tabLst/>
+              <a:defRPr/>
+            </a:pPr>
+            <a:r>
+              <a:rPr lang="zh-CN" altLang="en-US" sz="1200" u="none" kern="1200" baseline="0" dirty="0">
+                <a:solidFill>
+                  <a:schemeClr val="tx1"/>
+                </a:solidFill>
+                <a:effectLst/>
+                <a:latin typeface="Malgun Gothic" panose="020B0503020000020004" pitchFamily="2" charset="-127"/>
+                <a:ea typeface="Malgun Gothic" panose="020B0503020000020004" pitchFamily="2" charset="-127"/>
+              </a:rPr>
+              <a:t>我们考虑不采用类型约束但进行</a:t>
+            </a:r>
+            <a:r>
+              <a:rPr lang="en-US" altLang="zh-CN" sz="1200" u="none" kern="1200" baseline="0" dirty="0">
+                <a:solidFill>
+                  <a:schemeClr val="tx1"/>
+                </a:solidFill>
+                <a:effectLst/>
+                <a:latin typeface="Malgun Gothic" panose="020B0503020000020004" pitchFamily="2" charset="-127"/>
+                <a:ea typeface="Malgun Gothic" panose="020B0503020000020004" pitchFamily="2" charset="-127"/>
+              </a:rPr>
+              <a:t>N3</a:t>
+            </a:r>
+            <a:r>
+              <a:rPr lang="zh-CN" altLang="en-US" sz="1200" u="none" kern="1200" baseline="0" dirty="0">
+                <a:solidFill>
+                  <a:schemeClr val="tx1"/>
+                </a:solidFill>
+                <a:effectLst/>
+                <a:latin typeface="Malgun Gothic" panose="020B0503020000020004" pitchFamily="2" charset="-127"/>
+                <a:ea typeface="Malgun Gothic" panose="020B0503020000020004" pitchFamily="2" charset="-127"/>
+              </a:rPr>
+              <a:t>正则化的消融。</a:t>
+            </a:r>
+            <a:r>
+              <a:rPr lang="en-US" altLang="zh-CN" sz="1200" u="none" kern="1200" baseline="0" dirty="0">
+                <a:solidFill>
+                  <a:schemeClr val="tx1"/>
+                </a:solidFill>
+                <a:effectLst/>
+                <a:latin typeface="Malgun Gothic" panose="020B0503020000020004" pitchFamily="2" charset="-127"/>
+                <a:ea typeface="Malgun Gothic" panose="020B0503020000020004" pitchFamily="2" charset="-127"/>
+              </a:rPr>
+              <a:t>FB15K237</a:t>
+            </a:r>
+            <a:r>
+              <a:rPr lang="zh-CN" altLang="en-US" sz="1200" u="none" kern="1200" baseline="0" dirty="0">
+                <a:solidFill>
+                  <a:schemeClr val="tx1"/>
+                </a:solidFill>
+                <a:effectLst/>
+                <a:latin typeface="Malgun Gothic" panose="020B0503020000020004" pitchFamily="2" charset="-127"/>
+                <a:ea typeface="Malgun Gothic" panose="020B0503020000020004" pitchFamily="2" charset="-127"/>
+              </a:rPr>
+              <a:t>数据集上不同版本的</a:t>
+            </a:r>
+            <a:r>
+              <a:rPr lang="en-US" altLang="zh-CN" sz="1200" u="none" kern="1200" baseline="0" dirty="0" err="1">
+                <a:solidFill>
+                  <a:schemeClr val="tx1"/>
+                </a:solidFill>
+                <a:effectLst/>
+                <a:latin typeface="Malgun Gothic" panose="020B0503020000020004" pitchFamily="2" charset="-127"/>
+                <a:ea typeface="Malgun Gothic" panose="020B0503020000020004" pitchFamily="2" charset="-127"/>
+              </a:rPr>
+              <a:t>DualE</a:t>
+            </a:r>
+            <a:r>
+              <a:rPr lang="zh-CN" altLang="en-US" sz="1200" u="none" kern="1200" baseline="0" dirty="0">
+                <a:solidFill>
+                  <a:schemeClr val="tx1"/>
+                </a:solidFill>
+                <a:effectLst/>
+                <a:latin typeface="Malgun Gothic" panose="020B0503020000020004" pitchFamily="2" charset="-127"/>
+                <a:ea typeface="Malgun Gothic" panose="020B0503020000020004" pitchFamily="2" charset="-127"/>
+              </a:rPr>
+              <a:t>如下。结果如表</a:t>
+            </a:r>
+            <a:r>
+              <a:rPr lang="en-US" altLang="zh-CN" sz="1200" u="none" kern="1200" baseline="0" dirty="0">
+                <a:solidFill>
+                  <a:schemeClr val="tx1"/>
+                </a:solidFill>
+                <a:effectLst/>
+                <a:latin typeface="Malgun Gothic" panose="020B0503020000020004" pitchFamily="2" charset="-127"/>
+                <a:ea typeface="Malgun Gothic" panose="020B0503020000020004" pitchFamily="2" charset="-127"/>
+              </a:rPr>
+              <a:t>14</a:t>
+            </a:r>
+            <a:r>
+              <a:rPr lang="zh-CN" altLang="en-US" sz="1200" u="none" kern="1200" baseline="0" dirty="0">
+                <a:solidFill>
+                  <a:schemeClr val="tx1"/>
+                </a:solidFill>
+                <a:effectLst/>
+                <a:latin typeface="Malgun Gothic" panose="020B0503020000020004" pitchFamily="2" charset="-127"/>
+                <a:ea typeface="Malgun Gothic" panose="020B0503020000020004" pitchFamily="2" charset="-127"/>
+              </a:rPr>
+              <a:t>所示。</a:t>
+            </a:r>
+            <a:endParaRPr lang="zh-CN" altLang="en-US" dirty="0"/>
+          </a:p>
+          <a:p>
+            <a:endParaRPr lang="zh-CN" altLang="en-US" dirty="0"/>
+          </a:p>
+        </p:txBody>
+      </p:sp>
+    </p:spTree>
+    <p:extLst>
+      <p:ext uri="{BB962C8B-B14F-4D97-AF65-F5344CB8AC3E}">
+        <p14:creationId xmlns:p14="http://schemas.microsoft.com/office/powerpoint/2010/main" val="1491866559"/>
+      </p:ext>
+    </p:extLst>
+  </p:cSld>
+  <p:clrMapOvr>
+    <a:masterClrMapping/>
+  </p:clrMapOvr>
+</p:notes>
+</file>
+
+<file path=ppt/notesSlides/notesSlide28.xml><?xml version="1.0" encoding="utf-8"?>
+<p:notes xmlns:a="http://schemas.openxmlformats.org/drawingml/2006/main" xmlns:r="http://schemas.openxmlformats.org/officeDocument/2006/relationships" xmlns:p="http://schemas.openxmlformats.org/presentationml/2006/main">
+  <p:cSld>
+    <p:spTree>
+      <p:nvGrpSpPr>
+        <p:cNvPr id="1" name=""/>
+        <p:cNvGrpSpPr/>
+        <p:nvPr/>
+      </p:nvGrpSpPr>
+      <p:grpSpPr>
+        <a:xfrm>
+          <a:off x="0" y="0"/>
+          <a:ext cx="0" cy="0"/>
+          <a:chOff x="0" y="0"/>
+          <a:chExt cx="0" cy="0"/>
+        </a:xfrm>
+      </p:grpSpPr>
+      <p:sp>
+        <p:nvSpPr>
+          <p:cNvPr id="2" name="幻灯片图像占位符 1"/>
+          <p:cNvSpPr>
+            <a:spLocks noGrp="1" noRot="1" noChangeAspect="1"/>
+          </p:cNvSpPr>
+          <p:nvPr>
+            <p:ph type="sldImg"/>
+          </p:nvPr>
+        </p:nvSpPr>
+        <p:spPr>
+          <a:xfrm>
+            <a:off x="852488" y="744538"/>
+            <a:ext cx="4964112" cy="3722687"/>
+          </a:xfrm>
+        </p:spPr>
+      </p:sp>
+      <p:sp>
+        <p:nvSpPr>
+          <p:cNvPr id="3" name="备注占位符 2"/>
+          <p:cNvSpPr>
+            <a:spLocks noGrp="1"/>
+          </p:cNvSpPr>
+          <p:nvPr>
+            <p:ph type="body" idx="1"/>
+          </p:nvPr>
+        </p:nvSpPr>
+        <p:spPr/>
+        <p:txBody>
+          <a:bodyPr/>
+          <a:lstStyle/>
+          <a:p>
+            <a:pPr marL="0" indent="0">
+              <a:buNone/>
+            </a:pPr>
             <a:r>
               <a:rPr lang="zh-CN" altLang="en-US" dirty="0"/>
-              <a:t>（读</a:t>
+              <a:t>我们在</a:t>
             </a:r>
             <a:r>
               <a:rPr lang="en-US" altLang="zh-CN" dirty="0"/>
-              <a:t>PPT</a:t>
+              <a:t>WN18RR</a:t>
             </a:r>
             <a:r>
               <a:rPr lang="zh-CN" altLang="en-US" dirty="0"/>
-              <a:t>）</a:t>
+              <a:t>和</a:t>
+            </a:r>
+            <a:r>
+              <a:rPr lang="en-US" altLang="zh-CN" dirty="0"/>
+              <a:t>FB15K237</a:t>
+            </a:r>
+            <a:r>
+              <a:rPr lang="zh-CN" altLang="en-US" dirty="0"/>
+              <a:t>上报告</a:t>
+            </a:r>
+            <a:r>
+              <a:rPr lang="en-US" altLang="zh-CN" dirty="0" err="1"/>
+              <a:t>DualE</a:t>
+            </a:r>
+            <a:r>
+              <a:rPr lang="zh-CN" altLang="en-US" dirty="0"/>
+              <a:t>的</a:t>
+            </a:r>
+            <a:r>
+              <a:rPr lang="en-US" altLang="zh-CN" dirty="0"/>
+              <a:t>MRR</a:t>
+            </a:r>
+            <a:r>
+              <a:rPr lang="zh-CN" altLang="en-US" dirty="0"/>
+              <a:t>如下。我们能发现正则化策略可以改进模型。结果如表</a:t>
+            </a:r>
+            <a:r>
+              <a:rPr lang="en-US" altLang="zh-CN" dirty="0"/>
+              <a:t>12</a:t>
+            </a:r>
+            <a:r>
+              <a:rPr lang="zh-CN" altLang="en-US" dirty="0"/>
+              <a:t>所示。</a:t>
+            </a:r>
+            <a:endParaRPr lang="en-US" altLang="zh-CN" dirty="0"/>
+          </a:p>
+          <a:p>
+            <a:pPr marL="0" indent="0">
+              <a:buNone/>
+            </a:pPr>
+            <a:r>
+              <a:rPr lang="zh-CN" altLang="en-US" sz="1200" u="none" kern="1200" baseline="0" dirty="0">
+                <a:solidFill>
+                  <a:schemeClr val="tx1"/>
+                </a:solidFill>
+                <a:effectLst/>
+                <a:latin typeface="Malgun Gothic" panose="020B0503020000020004" pitchFamily="2" charset="-127"/>
+                <a:ea typeface="Malgun Gothic" panose="020B0503020000020004" pitchFamily="2" charset="-127"/>
+              </a:rPr>
+              <a:t>我们在相同的设置下增加了一个新的均方误差损失，结果如下。均方误差代表均方误差损失，熵代表交叉熵损失。我们使用</a:t>
+            </a:r>
+            <a:r>
+              <a:rPr lang="en-US" altLang="zh-CN" sz="1200" u="none" kern="1200" baseline="0" dirty="0">
+                <a:solidFill>
+                  <a:schemeClr val="tx1"/>
+                </a:solidFill>
+                <a:effectLst/>
+                <a:latin typeface="Malgun Gothic" panose="020B0503020000020004" pitchFamily="2" charset="-127"/>
+                <a:ea typeface="Malgun Gothic" panose="020B0503020000020004" pitchFamily="2" charset="-127"/>
+              </a:rPr>
+              <a:t>MRR</a:t>
+            </a:r>
+            <a:r>
+              <a:rPr lang="zh-CN" altLang="en-US" sz="1200" u="none" kern="1200" baseline="0" dirty="0">
+                <a:solidFill>
+                  <a:schemeClr val="tx1"/>
+                </a:solidFill>
+                <a:effectLst/>
+                <a:latin typeface="Malgun Gothic" panose="020B0503020000020004" pitchFamily="2" charset="-127"/>
+                <a:ea typeface="Malgun Gothic" panose="020B0503020000020004" pitchFamily="2" charset="-127"/>
+              </a:rPr>
+              <a:t>度量，我们可以看到它证明采用</a:t>
+            </a:r>
+            <a:r>
+              <a:rPr lang="en-US" altLang="zh-CN" sz="1200" u="none" kern="1200" baseline="0" dirty="0">
+                <a:solidFill>
+                  <a:schemeClr val="tx1"/>
+                </a:solidFill>
+                <a:effectLst/>
+                <a:latin typeface="Malgun Gothic" panose="020B0503020000020004" pitchFamily="2" charset="-127"/>
+                <a:ea typeface="Malgun Gothic" panose="020B0503020000020004" pitchFamily="2" charset="-127"/>
+              </a:rPr>
+              <a:t>CE</a:t>
+            </a:r>
+            <a:r>
+              <a:rPr lang="zh-CN" altLang="en-US" sz="1200" u="none" kern="1200" baseline="0" dirty="0">
+                <a:solidFill>
+                  <a:schemeClr val="tx1"/>
+                </a:solidFill>
+                <a:effectLst/>
+                <a:latin typeface="Malgun Gothic" panose="020B0503020000020004" pitchFamily="2" charset="-127"/>
+                <a:ea typeface="Malgun Gothic" panose="020B0503020000020004" pitchFamily="2" charset="-127"/>
+              </a:rPr>
+              <a:t>损失是合理的。结果如表</a:t>
+            </a:r>
+            <a:r>
+              <a:rPr lang="en-US" altLang="zh-CN" sz="1200" u="none" kern="1200" baseline="0" dirty="0">
+                <a:solidFill>
+                  <a:schemeClr val="tx1"/>
+                </a:solidFill>
+                <a:effectLst/>
+                <a:latin typeface="Malgun Gothic" panose="020B0503020000020004" pitchFamily="2" charset="-127"/>
+                <a:ea typeface="Malgun Gothic" panose="020B0503020000020004" pitchFamily="2" charset="-127"/>
+              </a:rPr>
+              <a:t>13</a:t>
+            </a:r>
+            <a:r>
+              <a:rPr lang="zh-CN" altLang="en-US" sz="1200" u="none" kern="1200" baseline="0" dirty="0">
+                <a:solidFill>
+                  <a:schemeClr val="tx1"/>
+                </a:solidFill>
+                <a:effectLst/>
+                <a:latin typeface="Malgun Gothic" panose="020B0503020000020004" pitchFamily="2" charset="-127"/>
+                <a:ea typeface="Malgun Gothic" panose="020B0503020000020004" pitchFamily="2" charset="-127"/>
+              </a:rPr>
+              <a:t>所示。</a:t>
+            </a:r>
+            <a:endParaRPr lang="en-US" altLang="zh-CN" sz="1200" u="none" kern="1200" baseline="0" dirty="0">
+              <a:solidFill>
+                <a:schemeClr val="tx1"/>
+              </a:solidFill>
+              <a:effectLst/>
+              <a:latin typeface="Malgun Gothic" panose="020B0503020000020004" pitchFamily="2" charset="-127"/>
+              <a:ea typeface="Malgun Gothic" panose="020B0503020000020004" pitchFamily="2" charset="-127"/>
+            </a:endParaRPr>
+          </a:p>
+          <a:p>
+            <a:pPr marL="0" indent="0">
+              <a:buNone/>
+            </a:pPr>
+            <a:r>
+              <a:rPr lang="en-US" altLang="zh-CN" sz="1200" u="none" kern="1200" baseline="0" dirty="0">
+                <a:solidFill>
+                  <a:schemeClr val="tx1"/>
+                </a:solidFill>
+                <a:effectLst/>
+                <a:latin typeface="Malgun Gothic" panose="020B0503020000020004" pitchFamily="2" charset="-127"/>
+                <a:ea typeface="Malgun Gothic" panose="020B0503020000020004" pitchFamily="2" charset="-127"/>
+              </a:rPr>
+              <a:t>MSE</a:t>
+            </a:r>
+            <a:r>
+              <a:rPr lang="zh-CN" altLang="en-US" sz="1200" u="none" kern="1200" baseline="0" dirty="0">
+                <a:solidFill>
+                  <a:schemeClr val="tx1"/>
+                </a:solidFill>
+                <a:effectLst/>
+                <a:latin typeface="Malgun Gothic" panose="020B0503020000020004" pitchFamily="2" charset="-127"/>
+                <a:ea typeface="Malgun Gothic" panose="020B0503020000020004" pitchFamily="2" charset="-127"/>
+              </a:rPr>
+              <a:t>均方误差</a:t>
+            </a:r>
+            <a:r>
+              <a:rPr lang="en-US" altLang="zh-CN" sz="1200" u="none" kern="1200" baseline="0" dirty="0">
+                <a:solidFill>
+                  <a:schemeClr val="tx1"/>
+                </a:solidFill>
+                <a:effectLst/>
+                <a:latin typeface="Malgun Gothic" panose="020B0503020000020004" pitchFamily="2" charset="-127"/>
+                <a:ea typeface="Malgun Gothic" panose="020B0503020000020004" pitchFamily="2" charset="-127"/>
+              </a:rPr>
+              <a:t> CE</a:t>
+            </a:r>
+            <a:r>
+              <a:rPr lang="zh-CN" altLang="en-US" sz="1200" u="none" kern="1200" baseline="0" dirty="0">
+                <a:solidFill>
+                  <a:schemeClr val="tx1"/>
+                </a:solidFill>
+                <a:effectLst/>
+                <a:latin typeface="Malgun Gothic" panose="020B0503020000020004" pitchFamily="2" charset="-127"/>
+                <a:ea typeface="Malgun Gothic" panose="020B0503020000020004" pitchFamily="2" charset="-127"/>
+              </a:rPr>
+              <a:t>交叉熵</a:t>
+            </a:r>
+            <a:endParaRPr lang="zh-CN" altLang="en-US" dirty="0"/>
+          </a:p>
+        </p:txBody>
+      </p:sp>
+    </p:spTree>
+    <p:extLst>
+      <p:ext uri="{BB962C8B-B14F-4D97-AF65-F5344CB8AC3E}">
+        <p14:creationId xmlns:p14="http://schemas.microsoft.com/office/powerpoint/2010/main" val="2314329943"/>
+      </p:ext>
+    </p:extLst>
+  </p:cSld>
+  <p:clrMapOvr>
+    <a:masterClrMapping/>
+  </p:clrMapOvr>
+</p:notes>
+</file>
+
+<file path=ppt/notesSlides/notesSlide29.xml><?xml version="1.0" encoding="utf-8"?>
+<p:notes xmlns:a="http://schemas.openxmlformats.org/drawingml/2006/main" xmlns:r="http://schemas.openxmlformats.org/officeDocument/2006/relationships" xmlns:p="http://schemas.openxmlformats.org/presentationml/2006/main">
+  <p:cSld>
+    <p:spTree>
+      <p:nvGrpSpPr>
+        <p:cNvPr id="1" name=""/>
+        <p:cNvGrpSpPr/>
+        <p:nvPr/>
+      </p:nvGrpSpPr>
+      <p:grpSpPr>
+        <a:xfrm>
+          <a:off x="0" y="0"/>
+          <a:ext cx="0" cy="0"/>
+          <a:chOff x="0" y="0"/>
+          <a:chExt cx="0" cy="0"/>
+        </a:xfrm>
+      </p:grpSpPr>
+      <p:sp>
+        <p:nvSpPr>
+          <p:cNvPr id="2" name="幻灯片图像占位符 1"/>
+          <p:cNvSpPr>
+            <a:spLocks noGrp="1" noRot="1" noChangeAspect="1"/>
+          </p:cNvSpPr>
+          <p:nvPr>
+            <p:ph type="sldImg"/>
+          </p:nvPr>
+        </p:nvSpPr>
+        <p:spPr>
+          <a:xfrm>
+            <a:off x="852488" y="744538"/>
+            <a:ext cx="4964112" cy="3722687"/>
+          </a:xfrm>
+        </p:spPr>
+      </p:sp>
+      <p:sp>
+        <p:nvSpPr>
+          <p:cNvPr id="3" name="备注占位符 2"/>
+          <p:cNvSpPr>
+            <a:spLocks noGrp="1"/>
+          </p:cNvSpPr>
+          <p:nvPr>
+            <p:ph type="body" idx="1"/>
+          </p:nvPr>
+        </p:nvSpPr>
+        <p:spPr/>
+        <p:txBody>
+          <a:bodyPr/>
+          <a:lstStyle/>
+          <a:p>
+            <a:pPr marL="0" indent="457200">
+              <a:buNone/>
+            </a:pPr>
+            <a:r>
+              <a:rPr lang="zh-CN" altLang="en-US" dirty="0"/>
+              <a:t>（没有提到未来工作）</a:t>
             </a:r>
           </a:p>
         </p:txBody>
@@ -15002,7 +16519,7 @@
         </p:nvSpPr>
         <p:spPr>
           <a:xfrm>
-            <a:off x="304911" y="1143060"/>
+            <a:off x="201602" y="1066862"/>
             <a:ext cx="8561398" cy="4952944"/>
           </a:xfrm>
           <a:prstGeom prst="rect">
@@ -15248,7 +16765,20 @@
               </a:rPr>
               <a:t>接下来给出多重关系模式的定义。考虑如下知识图</a:t>
             </a:r>
-            <a:endParaRPr kumimoji="0" lang="zh-CN" altLang="en-US" sz="1800" b="0" i="0" u="none" strike="noStrike" kern="1200" cap="none" spc="0" normalizeH="0" baseline="0" noProof="0" dirty="0">
+            <a:endParaRPr lang="en-US" altLang="zh-CN" sz="1800" dirty="0">
+              <a:solidFill>
+                <a:srgbClr val="000000"/>
+              </a:solidFill>
+            </a:endParaRPr>
+          </a:p>
+          <a:p>
+            <a:pPr marL="0" lvl="0" indent="0">
+              <a:buClr>
+                <a:srgbClr val="C0504D"/>
+              </a:buClr>
+              <a:buNone/>
+            </a:pPr>
+            <a:endParaRPr kumimoji="0" lang="en-US" altLang="zh-CN" sz="1800" b="0" i="0" u="none" strike="noStrike" kern="1200" cap="none" spc="0" normalizeH="0" baseline="0" noProof="0" dirty="0">
               <a:ln>
                 <a:noFill/>
               </a:ln>
@@ -15262,6 +16792,157 @@
               <a:ea typeface="微软雅黑"/>
               <a:cs typeface="+mn-cs"/>
             </a:endParaRPr>
+          </a:p>
+          <a:p>
+            <a:pPr marL="0" lvl="0" indent="0">
+              <a:buClr>
+                <a:srgbClr val="C0504D"/>
+              </a:buClr>
+              <a:buNone/>
+            </a:pPr>
+            <a:endParaRPr lang="en-US" altLang="zh-CN" sz="1800" dirty="0">
+              <a:solidFill>
+                <a:srgbClr val="000000"/>
+              </a:solidFill>
+              <a:latin typeface="微软雅黑"/>
+              <a:ea typeface="微软雅黑"/>
+            </a:endParaRPr>
+          </a:p>
+          <a:p>
+            <a:pPr marL="0" lvl="0" indent="0">
+              <a:buClr>
+                <a:srgbClr val="C0504D"/>
+              </a:buClr>
+              <a:buNone/>
+            </a:pPr>
+            <a:endParaRPr kumimoji="0" lang="en-US" altLang="zh-CN" sz="1800" b="0" i="0" u="none" strike="noStrike" kern="1200" cap="none" spc="0" normalizeH="0" baseline="0" noProof="0" dirty="0">
+              <a:ln>
+                <a:noFill/>
+              </a:ln>
+              <a:solidFill>
+                <a:srgbClr val="000000"/>
+              </a:solidFill>
+              <a:effectLst/>
+              <a:uLnTx/>
+              <a:uFillTx/>
+              <a:latin typeface="微软雅黑"/>
+              <a:ea typeface="微软雅黑"/>
+              <a:cs typeface="+mn-cs"/>
+            </a:endParaRPr>
+          </a:p>
+          <a:p>
+            <a:pPr marL="0" lvl="0" indent="0">
+              <a:buClr>
+                <a:srgbClr val="C0504D"/>
+              </a:buClr>
+              <a:buNone/>
+            </a:pPr>
+            <a:endParaRPr lang="en-US" altLang="zh-CN" sz="1800" dirty="0">
+              <a:solidFill>
+                <a:srgbClr val="000000"/>
+              </a:solidFill>
+              <a:latin typeface="微软雅黑"/>
+              <a:ea typeface="微软雅黑"/>
+            </a:endParaRPr>
+          </a:p>
+          <a:p>
+            <a:pPr marL="0" lvl="0" indent="0">
+              <a:buClr>
+                <a:srgbClr val="C0504D"/>
+              </a:buClr>
+              <a:buNone/>
+            </a:pPr>
+            <a:endParaRPr kumimoji="0" lang="en-US" altLang="zh-CN" sz="1800" b="0" i="0" u="none" strike="noStrike" kern="1200" cap="none" spc="0" normalizeH="0" baseline="0" noProof="0" dirty="0">
+              <a:ln>
+                <a:noFill/>
+              </a:ln>
+              <a:solidFill>
+                <a:srgbClr val="000000"/>
+              </a:solidFill>
+              <a:effectLst/>
+              <a:uLnTx/>
+              <a:uFillTx/>
+              <a:latin typeface="微软雅黑"/>
+              <a:ea typeface="微软雅黑"/>
+              <a:cs typeface="+mn-cs"/>
+            </a:endParaRPr>
+          </a:p>
+          <a:p>
+            <a:pPr marL="0" lvl="0" indent="0">
+              <a:buClr>
+                <a:srgbClr val="C0504D"/>
+              </a:buClr>
+              <a:buNone/>
+            </a:pPr>
+            <a:endParaRPr lang="en-US" altLang="zh-CN" sz="1800" dirty="0">
+              <a:solidFill>
+                <a:srgbClr val="000000"/>
+              </a:solidFill>
+              <a:latin typeface="微软雅黑"/>
+              <a:ea typeface="微软雅黑"/>
+            </a:endParaRPr>
+          </a:p>
+          <a:p>
+            <a:pPr marL="0" lvl="0" indent="0">
+              <a:buClr>
+                <a:srgbClr val="C0504D"/>
+              </a:buClr>
+              <a:buNone/>
+            </a:pPr>
+            <a:endParaRPr kumimoji="0" lang="en-US" altLang="zh-CN" sz="1800" b="0" i="0" u="none" strike="noStrike" kern="1200" cap="none" spc="0" normalizeH="0" baseline="0" noProof="0" dirty="0">
+              <a:ln>
+                <a:noFill/>
+              </a:ln>
+              <a:solidFill>
+                <a:srgbClr val="000000"/>
+              </a:solidFill>
+              <a:effectLst/>
+              <a:uLnTx/>
+              <a:uFillTx/>
+              <a:latin typeface="微软雅黑"/>
+              <a:ea typeface="微软雅黑"/>
+              <a:cs typeface="+mn-cs"/>
+            </a:endParaRPr>
+          </a:p>
+          <a:p>
+            <a:pPr marL="0" lvl="0" indent="0">
+              <a:buClr>
+                <a:srgbClr val="C0504D"/>
+              </a:buClr>
+              <a:buNone/>
+            </a:pPr>
+            <a:endParaRPr lang="en-US" altLang="zh-CN" sz="1800" dirty="0">
+              <a:solidFill>
+                <a:srgbClr val="000000"/>
+              </a:solidFill>
+              <a:latin typeface="微软雅黑"/>
+              <a:ea typeface="微软雅黑"/>
+            </a:endParaRPr>
+          </a:p>
+          <a:p>
+            <a:pPr marL="0" lvl="0" indent="0">
+              <a:buClr>
+                <a:srgbClr val="C0504D"/>
+              </a:buClr>
+              <a:buNone/>
+            </a:pPr>
+            <a:r>
+              <a:rPr kumimoji="0" lang="zh-CN" altLang="en-US" sz="1800" b="0" i="0" u="none" strike="noStrike" kern="1200" cap="none" spc="0" normalizeH="0" baseline="0" noProof="0" dirty="0">
+                <a:ln>
+                  <a:noFill/>
+                </a:ln>
+                <a:solidFill>
+                  <a:srgbClr val="000000"/>
+                </a:solidFill>
+                <a:effectLst/>
+                <a:uLnTx/>
+                <a:uFillTx/>
+                <a:latin typeface="微软雅黑"/>
+                <a:ea typeface="微软雅黑"/>
+                <a:cs typeface="+mn-cs"/>
+              </a:rPr>
+              <a:t>多重关系：</a:t>
+            </a:r>
           </a:p>
         </p:txBody>
       </p:sp>
@@ -15317,7 +16998,7 @@
         </p:blipFill>
         <p:spPr>
           <a:xfrm>
-            <a:off x="457308" y="4915321"/>
+            <a:off x="1524080" y="4991085"/>
             <a:ext cx="1295238" cy="266667"/>
           </a:xfrm>
           <a:prstGeom prst="rect">
@@ -15347,7 +17028,7 @@
         </p:blipFill>
         <p:spPr>
           <a:xfrm>
-            <a:off x="1941032" y="4896274"/>
+            <a:off x="3007804" y="4972038"/>
             <a:ext cx="1533333" cy="285714"/>
           </a:xfrm>
           <a:prstGeom prst="rect">
@@ -15448,6 +17129,109 @@
                                           <p:spTgt spid="7">
                                             <p:txEl>
                                               <p:pRg st="0" end="0"/>
+                                            </p:txEl>
+                                          </p:spTgt>
+                                        </p:tgtEl>
+                                        <p:attrNameLst>
+                                          <p:attrName>ppt_y</p:attrName>
+                                        </p:attrNameLst>
+                                      </p:cBhvr>
+                                      <p:tavLst>
+                                        <p:tav tm="0">
+                                          <p:val>
+                                            <p:strVal val="1+#ppt_h/2"/>
+                                          </p:val>
+                                        </p:tav>
+                                        <p:tav tm="100000">
+                                          <p:val>
+                                            <p:strVal val="#ppt_y"/>
+                                          </p:val>
+                                        </p:tav>
+                                      </p:tavLst>
+                                    </p:anim>
+                                  </p:childTnLst>
+                                </p:cTn>
+                              </p:par>
+                            </p:childTnLst>
+                          </p:cTn>
+                        </p:par>
+                      </p:childTnLst>
+                    </p:cTn>
+                  </p:par>
+                  <p:par>
+                    <p:cTn id="9" fill="hold">
+                      <p:stCondLst>
+                        <p:cond delay="indefinite"/>
+                      </p:stCondLst>
+                      <p:childTnLst>
+                        <p:par>
+                          <p:cTn id="10" fill="hold">
+                            <p:stCondLst>
+                              <p:cond delay="0"/>
+                            </p:stCondLst>
+                            <p:childTnLst>
+                              <p:par>
+                                <p:cTn id="11" presetID="2" presetClass="entr" presetSubtype="4" fill="hold" grpId="0" nodeType="clickEffect">
+                                  <p:stCondLst>
+                                    <p:cond delay="0"/>
+                                  </p:stCondLst>
+                                  <p:childTnLst>
+                                    <p:set>
+                                      <p:cBhvr>
+                                        <p:cTn id="12" dur="1" fill="hold">
+                                          <p:stCondLst>
+                                            <p:cond delay="0"/>
+                                          </p:stCondLst>
+                                        </p:cTn>
+                                        <p:tgtEl>
+                                          <p:spTgt spid="7">
+                                            <p:txEl>
+                                              <p:pRg st="9" end="9"/>
+                                            </p:txEl>
+                                          </p:spTgt>
+                                        </p:tgtEl>
+                                        <p:attrNameLst>
+                                          <p:attrName>style.visibility</p:attrName>
+                                        </p:attrNameLst>
+                                      </p:cBhvr>
+                                      <p:to>
+                                        <p:strVal val="visible"/>
+                                      </p:to>
+                                    </p:set>
+                                    <p:anim calcmode="lin" valueType="num">
+                                      <p:cBhvr additive="base">
+                                        <p:cTn id="13" dur="500" fill="hold"/>
+                                        <p:tgtEl>
+                                          <p:spTgt spid="7">
+                                            <p:txEl>
+                                              <p:pRg st="9" end="9"/>
+                                            </p:txEl>
+                                          </p:spTgt>
+                                        </p:tgtEl>
+                                        <p:attrNameLst>
+                                          <p:attrName>ppt_x</p:attrName>
+                                        </p:attrNameLst>
+                                      </p:cBhvr>
+                                      <p:tavLst>
+                                        <p:tav tm="0">
+                                          <p:val>
+                                            <p:strVal val="#ppt_x"/>
+                                          </p:val>
+                                        </p:tav>
+                                        <p:tav tm="100000">
+                                          <p:val>
+                                            <p:strVal val="#ppt_x"/>
+                                          </p:val>
+                                        </p:tav>
+                                      </p:tavLst>
+                                    </p:anim>
+                                    <p:anim calcmode="lin" valueType="num">
+                                      <p:cBhvr additive="base">
+                                        <p:cTn id="14" dur="500" fill="hold"/>
+                                        <p:tgtEl>
+                                          <p:spTgt spid="7">
+                                            <p:txEl>
+                                              <p:pRg st="9" end="9"/>
                                             </p:txEl>
                                           </p:spTgt>
                                         </p:tgtEl>
@@ -17385,6 +19169,36 @@
           </a:prstGeom>
         </p:spPr>
       </p:pic>
+      <p:pic>
+        <p:nvPicPr>
+          <p:cNvPr id="3" name="图片 2">
+            <a:extLst>
+              <a:ext uri="{FF2B5EF4-FFF2-40B4-BE49-F238E27FC236}">
+                <a16:creationId xmlns:a16="http://schemas.microsoft.com/office/drawing/2014/main" id="{C133EA2F-B9B7-45D5-91EA-812FC5EC920D}"/>
+              </a:ext>
+            </a:extLst>
+          </p:cNvPr>
+          <p:cNvPicPr>
+            <a:picLocks noChangeAspect="1"/>
+          </p:cNvPicPr>
+          <p:nvPr/>
+        </p:nvPicPr>
+        <p:blipFill>
+          <a:blip r:embed="rId9"/>
+          <a:stretch>
+            <a:fillRect/>
+          </a:stretch>
+        </p:blipFill>
+        <p:spPr>
+          <a:xfrm>
+            <a:off x="5943564" y="2419430"/>
+            <a:ext cx="2580952" cy="771429"/>
+          </a:xfrm>
+          <a:prstGeom prst="rect">
+            <a:avLst/>
+          </a:prstGeom>
+        </p:spPr>
+      </p:pic>
     </p:spTree>
     <p:extLst>
       <p:ext uri="{BB962C8B-B14F-4D97-AF65-F5344CB8AC3E}">
@@ -18456,7 +20270,15 @@
             </a:r>
             <a:r>
               <a:rPr lang="zh-CN" altLang="en-US" dirty="0"/>
-              <a:t>为四元数，表示围绕单位向量</a:t>
+              <a:t>为</a:t>
+            </a:r>
+            <a:r>
+              <a:rPr lang="zh-CN" altLang="en-US" b="1" dirty="0"/>
+              <a:t>四元数</a:t>
+            </a:r>
+            <a:r>
+              <a:rPr lang="zh-CN" altLang="en-US" dirty="0"/>
+              <a:t>，表示围绕单位向量</a:t>
             </a:r>
             <a:r>
               <a:rPr lang="en-US" altLang="zh-CN" dirty="0"/>
@@ -19483,7 +21305,7 @@
             </a:pPr>
             <a:r>
               <a:rPr lang="zh-CN" altLang="en-US" sz="1800" dirty="0"/>
-              <a:t>如上图所示，如果三元组存在于知识图谱中，</a:t>
+              <a:t>如右图所示，如果三元组存在于知识图谱中，</a:t>
             </a:r>
             <a:endParaRPr lang="en-US" altLang="zh-CN" sz="1800" dirty="0"/>
           </a:p>
@@ -19580,7 +21402,15 @@
             </a:pPr>
             <a:r>
               <a:rPr lang="zh-CN" altLang="en-US" sz="1800" dirty="0"/>
-              <a:t>此外，使得头部与尾部实体正交，使得它们的乘积为</a:t>
+              <a:t>此外，使得头部与尾部实体正交（应该是指</a:t>
+            </a:r>
+            <a:r>
+              <a:rPr lang="en-US" altLang="zh-CN" sz="1800" dirty="0"/>
+              <a:t>h_</a:t>
+            </a:r>
+            <a:r>
+              <a:rPr lang="zh-CN" altLang="en-US" sz="1800" dirty="0"/>
+              <a:t>），使得它们的乘积为</a:t>
             </a:r>
             <a:r>
               <a:rPr lang="en-US" altLang="zh-CN" sz="1800" dirty="0"/>
@@ -19945,6 +21775,36 @@
           </a:prstGeom>
         </p:spPr>
       </p:pic>
+      <p:pic>
+        <p:nvPicPr>
+          <p:cNvPr id="5" name="图片 4">
+            <a:extLst>
+              <a:ext uri="{FF2B5EF4-FFF2-40B4-BE49-F238E27FC236}">
+                <a16:creationId xmlns:a16="http://schemas.microsoft.com/office/drawing/2014/main" id="{4C4B806C-F88A-4B96-9339-0A57DBB38478}"/>
+              </a:ext>
+            </a:extLst>
+          </p:cNvPr>
+          <p:cNvPicPr>
+            <a:picLocks noChangeAspect="1"/>
+          </p:cNvPicPr>
+          <p:nvPr/>
+        </p:nvPicPr>
+        <p:blipFill>
+          <a:blip r:embed="rId9"/>
+          <a:stretch>
+            <a:fillRect/>
+          </a:stretch>
+        </p:blipFill>
+        <p:spPr>
+          <a:xfrm>
+            <a:off x="1934689" y="2471623"/>
+            <a:ext cx="5123809" cy="2752381"/>
+          </a:xfrm>
+          <a:prstGeom prst="rect">
+            <a:avLst/>
+          </a:prstGeom>
+        </p:spPr>
+      </p:pic>
     </p:spTree>
     <p:extLst>
       <p:ext uri="{BB962C8B-B14F-4D97-AF65-F5344CB8AC3E}">
@@ -19956,6 +21816,127 @@
     <a:masterClrMapping/>
   </p:clrMapOvr>
   <p:transition spd="slow" advTm="0"/>
+  <p:timing>
+    <p:tnLst>
+      <p:par>
+        <p:cTn id="1" dur="indefinite" restart="never" nodeType="tmRoot">
+          <p:childTnLst>
+            <p:seq concurrent="1" nextAc="seek">
+              <p:cTn id="2" dur="indefinite" nodeType="mainSeq">
+                <p:childTnLst>
+                  <p:par>
+                    <p:cTn id="3" fill="hold">
+                      <p:stCondLst>
+                        <p:cond delay="indefinite"/>
+                      </p:stCondLst>
+                      <p:childTnLst>
+                        <p:par>
+                          <p:cTn id="4" fill="hold">
+                            <p:stCondLst>
+                              <p:cond delay="0"/>
+                            </p:stCondLst>
+                            <p:childTnLst>
+                              <p:par>
+                                <p:cTn id="5" presetID="2" presetClass="entr" presetSubtype="4" fill="hold" nodeType="clickEffect">
+                                  <p:stCondLst>
+                                    <p:cond delay="0"/>
+                                  </p:stCondLst>
+                                  <p:childTnLst>
+                                    <p:set>
+                                      <p:cBhvr>
+                                        <p:cTn id="6" dur="1" fill="hold">
+                                          <p:stCondLst>
+                                            <p:cond delay="0"/>
+                                          </p:stCondLst>
+                                        </p:cTn>
+                                        <p:tgtEl>
+                                          <p:spTgt spid="5"/>
+                                        </p:tgtEl>
+                                        <p:attrNameLst>
+                                          <p:attrName>style.visibility</p:attrName>
+                                        </p:attrNameLst>
+                                      </p:cBhvr>
+                                      <p:to>
+                                        <p:strVal val="visible"/>
+                                      </p:to>
+                                    </p:set>
+                                    <p:anim calcmode="lin" valueType="num">
+                                      <p:cBhvr additive="base">
+                                        <p:cTn id="7" dur="500" fill="hold"/>
+                                        <p:tgtEl>
+                                          <p:spTgt spid="5"/>
+                                        </p:tgtEl>
+                                        <p:attrNameLst>
+                                          <p:attrName>ppt_x</p:attrName>
+                                        </p:attrNameLst>
+                                      </p:cBhvr>
+                                      <p:tavLst>
+                                        <p:tav tm="0">
+                                          <p:val>
+                                            <p:strVal val="#ppt_x"/>
+                                          </p:val>
+                                        </p:tav>
+                                        <p:tav tm="100000">
+                                          <p:val>
+                                            <p:strVal val="#ppt_x"/>
+                                          </p:val>
+                                        </p:tav>
+                                      </p:tavLst>
+                                    </p:anim>
+                                    <p:anim calcmode="lin" valueType="num">
+                                      <p:cBhvr additive="base">
+                                        <p:cTn id="8" dur="500" fill="hold"/>
+                                        <p:tgtEl>
+                                          <p:spTgt spid="5"/>
+                                        </p:tgtEl>
+                                        <p:attrNameLst>
+                                          <p:attrName>ppt_y</p:attrName>
+                                        </p:attrNameLst>
+                                      </p:cBhvr>
+                                      <p:tavLst>
+                                        <p:tav tm="0">
+                                          <p:val>
+                                            <p:strVal val="1+#ppt_h/2"/>
+                                          </p:val>
+                                        </p:tav>
+                                        <p:tav tm="100000">
+                                          <p:val>
+                                            <p:strVal val="#ppt_y"/>
+                                          </p:val>
+                                        </p:tav>
+                                      </p:tavLst>
+                                    </p:anim>
+                                  </p:childTnLst>
+                                </p:cTn>
+                              </p:par>
+                            </p:childTnLst>
+                          </p:cTn>
+                        </p:par>
+                      </p:childTnLst>
+                    </p:cTn>
+                  </p:par>
+                </p:childTnLst>
+              </p:cTn>
+              <p:prevCondLst>
+                <p:cond evt="onPrev" delay="0">
+                  <p:tgtEl>
+                    <p:sldTgt/>
+                  </p:tgtEl>
+                </p:cond>
+              </p:prevCondLst>
+              <p:nextCondLst>
+                <p:cond evt="onNext" delay="0">
+                  <p:tgtEl>
+                    <p:sldTgt/>
+                  </p:tgtEl>
+                </p:cond>
+              </p:nextCondLst>
+            </p:seq>
+          </p:childTnLst>
+        </p:cTn>
+      </p:par>
+    </p:tnLst>
+  </p:timing>
 </p:sld>
 </file>
 
@@ -20038,6 +22019,42 @@
         <p:txBody>
           <a:bodyPr vert="horz" wrap="square" anchor="t"/>
           <a:lstStyle/>
+          <a:p>
+            <a:pPr marL="0" indent="0">
+              <a:buNone/>
+            </a:pPr>
+            <a:endParaRPr lang="en-US" altLang="zh-CN" sz="1800" dirty="0"/>
+          </a:p>
+          <a:p>
+            <a:pPr marL="0" indent="0">
+              <a:buNone/>
+            </a:pPr>
+            <a:endParaRPr lang="en-US" altLang="zh-CN" sz="1800" dirty="0"/>
+          </a:p>
+          <a:p>
+            <a:pPr marL="0" indent="0">
+              <a:buNone/>
+            </a:pPr>
+            <a:endParaRPr lang="en-US" altLang="zh-CN" sz="1800" dirty="0"/>
+          </a:p>
+          <a:p>
+            <a:pPr marL="0" indent="0">
+              <a:buNone/>
+            </a:pPr>
+            <a:endParaRPr lang="en-US" altLang="zh-CN" sz="1800" dirty="0"/>
+          </a:p>
+          <a:p>
+            <a:pPr marL="0" indent="0">
+              <a:buNone/>
+            </a:pPr>
+            <a:endParaRPr lang="en-US" altLang="zh-CN" sz="1800" dirty="0"/>
+          </a:p>
+          <a:p>
+            <a:pPr marL="0" indent="0">
+              <a:buNone/>
+            </a:pPr>
+            <a:endParaRPr lang="en-US" altLang="zh-CN" sz="1800" dirty="0"/>
+          </a:p>
           <a:p>
             <a:pPr marL="0" indent="0">
               <a:buNone/>
@@ -20234,7 +22251,7 @@
         </p:blipFill>
         <p:spPr>
           <a:xfrm>
-            <a:off x="2125165" y="1600248"/>
+            <a:off x="2125165" y="4138854"/>
             <a:ext cx="4742857" cy="1114286"/>
           </a:xfrm>
           <a:prstGeom prst="rect">
@@ -20264,8 +22281,38 @@
         </p:blipFill>
         <p:spPr>
           <a:xfrm>
-            <a:off x="990694" y="2747755"/>
+            <a:off x="990694" y="5286361"/>
             <a:ext cx="371429" cy="352381"/>
+          </a:xfrm>
+          <a:prstGeom prst="rect">
+            <a:avLst/>
+          </a:prstGeom>
+        </p:spPr>
+      </p:pic>
+      <p:pic>
+        <p:nvPicPr>
+          <p:cNvPr id="8" name="图片 7">
+            <a:extLst>
+              <a:ext uri="{FF2B5EF4-FFF2-40B4-BE49-F238E27FC236}">
+                <a16:creationId xmlns:a16="http://schemas.microsoft.com/office/drawing/2014/main" id="{98E1D14A-BD86-4276-B211-644D2C1025E5}"/>
+              </a:ext>
+            </a:extLst>
+          </p:cNvPr>
+          <p:cNvPicPr>
+            <a:picLocks noChangeAspect="1"/>
+          </p:cNvPicPr>
+          <p:nvPr/>
+        </p:nvPicPr>
+        <p:blipFill>
+          <a:blip r:embed="rId6"/>
+          <a:stretch>
+            <a:fillRect/>
+          </a:stretch>
+        </p:blipFill>
+        <p:spPr>
+          <a:xfrm>
+            <a:off x="2310878" y="1579975"/>
+            <a:ext cx="4371429" cy="1676190"/>
           </a:xfrm>
           <a:prstGeom prst="rect">
             <a:avLst/>
@@ -20668,7 +22715,7 @@
             </a:pPr>
             <a:r>
               <a:rPr lang="zh-CN" altLang="en-US" sz="2400" dirty="0"/>
-              <a:t>对偶四元数的行为类似于“复数四元数”，其实部和虚部都是四进制的。</a:t>
+              <a:t>对偶四元数的行为类似于“复数四元数”，其实部和虚部都是四元的。</a:t>
             </a:r>
             <a:r>
               <a:rPr lang="en-US" altLang="zh-CN" sz="2400" dirty="0" err="1"/>
@@ -22237,7 +24284,7 @@
             </a:pPr>
             <a:r>
               <a:rPr lang="zh-CN" altLang="en-US" dirty="0"/>
-              <a:t>回想一下我们以前使用的规范化步骤，作者在</a:t>
+              <a:t>回想一下之前的规范化步骤，有</a:t>
             </a:r>
             <a:endParaRPr lang="en-US" altLang="zh-CN" dirty="0"/>
           </a:p>
@@ -22247,7 +24294,7 @@
             </a:pPr>
             <a:r>
               <a:rPr lang="zh-CN" altLang="en-US" dirty="0"/>
-              <a:t>然后定义了</a:t>
+              <a:t>现在定义</a:t>
             </a:r>
             <a:endParaRPr lang="en-US" altLang="zh-CN" dirty="0"/>
           </a:p>
@@ -22265,23 +24312,7 @@
             </a:r>
             <a:r>
               <a:rPr lang="zh-CN" altLang="en-US" dirty="0"/>
-              <a:t>这将导致较差的性能，因为失去了关系平移和旋转的几何属性。结果如表</a:t>
-            </a:r>
-            <a:r>
-              <a:rPr lang="en-US" altLang="zh-CN" dirty="0"/>
-              <a:t>7</a:t>
-            </a:r>
-            <a:r>
-              <a:rPr lang="zh-CN" altLang="en-US" dirty="0"/>
-              <a:t>所示（没找到表</a:t>
-            </a:r>
-            <a:r>
-              <a:rPr lang="en-US" altLang="zh-CN" dirty="0"/>
-              <a:t>7</a:t>
-            </a:r>
-            <a:r>
-              <a:rPr lang="zh-CN" altLang="en-US" dirty="0"/>
-              <a:t>）</a:t>
+              <a:t>这将导致较差的性能，因为失去了关系平移和旋转的几何属性。</a:t>
             </a:r>
           </a:p>
         </p:txBody>
@@ -22427,7 +24458,7 @@
         </p:blipFill>
         <p:spPr>
           <a:xfrm>
-            <a:off x="6324554" y="3162345"/>
+            <a:off x="4768669" y="3108334"/>
             <a:ext cx="2619048" cy="380952"/>
           </a:xfrm>
           <a:prstGeom prst="rect">
@@ -22489,6 +24520,36 @@
           <a:xfrm>
             <a:off x="2220404" y="4419574"/>
             <a:ext cx="2276190" cy="257143"/>
+          </a:xfrm>
+          <a:prstGeom prst="rect">
+            <a:avLst/>
+          </a:prstGeom>
+        </p:spPr>
+      </p:pic>
+      <p:pic>
+        <p:nvPicPr>
+          <p:cNvPr id="2" name="图片 1">
+            <a:extLst>
+              <a:ext uri="{FF2B5EF4-FFF2-40B4-BE49-F238E27FC236}">
+                <a16:creationId xmlns:a16="http://schemas.microsoft.com/office/drawing/2014/main" id="{FC465DCD-561D-4FC3-9E7F-A3D8001CD19D}"/>
+              </a:ext>
+            </a:extLst>
+          </p:cNvPr>
+          <p:cNvPicPr>
+            <a:picLocks noChangeAspect="1"/>
+          </p:cNvPicPr>
+          <p:nvPr/>
+        </p:nvPicPr>
+        <p:blipFill>
+          <a:blip r:embed="rId7"/>
+          <a:stretch>
+            <a:fillRect/>
+          </a:stretch>
+        </p:blipFill>
+        <p:spPr>
+          <a:xfrm>
+            <a:off x="611188" y="5089831"/>
+            <a:ext cx="7990476" cy="1104762"/>
           </a:xfrm>
           <a:prstGeom prst="rect">
             <a:avLst/>
@@ -23201,25 +25262,15 @@
           <a:p>
             <a:r>
               <a:rPr lang="zh-CN" altLang="en-US" dirty="0"/>
-              <a:t>自由参数数量比较</a:t>
-            </a:r>
-            <a:endParaRPr lang="en-US" altLang="zh-CN" dirty="0"/>
-          </a:p>
-          <a:p>
-            <a:pPr marL="0" indent="0">
-              <a:buNone/>
-            </a:pPr>
+              <a:t>无类型约束的</a:t>
+            </a:r>
+            <a:r>
+              <a:rPr lang="en-US" altLang="zh-CN" dirty="0" err="1"/>
+              <a:t>QuatE</a:t>
+            </a:r>
             <a:r>
               <a:rPr lang="zh-CN" altLang="en-US" dirty="0"/>
-              <a:t>附录中的表</a:t>
-            </a:r>
-            <a:r>
-              <a:rPr lang="en-US" altLang="zh-CN" dirty="0"/>
-              <a:t>11</a:t>
-            </a:r>
-            <a:r>
-              <a:rPr lang="zh-CN" altLang="en-US" dirty="0"/>
-              <a:t>显示了</a:t>
+              <a:t>和</a:t>
             </a:r>
             <a:r>
               <a:rPr lang="en-US" altLang="zh-CN" dirty="0" err="1"/>
@@ -23227,56 +25278,21 @@
             </a:r>
             <a:r>
               <a:rPr lang="zh-CN" altLang="en-US" dirty="0"/>
-              <a:t>和三个最近的竞争基线</a:t>
-            </a:r>
-            <a:r>
-              <a:rPr lang="en-US" altLang="zh-CN" dirty="0"/>
-              <a:t>(</a:t>
-            </a:r>
-            <a:r>
-              <a:rPr lang="en-US" altLang="zh-CN" dirty="0" err="1"/>
-              <a:t>QuatE</a:t>
-            </a:r>
-            <a:r>
-              <a:rPr lang="zh-CN" altLang="en-US" dirty="0"/>
-              <a:t>、</a:t>
-            </a:r>
-            <a:r>
-              <a:rPr lang="en-US" altLang="zh-CN" dirty="0" err="1"/>
-              <a:t>RotatE</a:t>
-            </a:r>
-            <a:r>
-              <a:rPr lang="zh-CN" altLang="en-US" dirty="0"/>
-              <a:t>和</a:t>
-            </a:r>
-            <a:r>
-              <a:rPr lang="en-US" altLang="zh-CN" dirty="0" err="1"/>
-              <a:t>TorusE</a:t>
-            </a:r>
-            <a:r>
-              <a:rPr lang="en-US" altLang="zh-CN" dirty="0"/>
-              <a:t>)</a:t>
-            </a:r>
-            <a:r>
-              <a:rPr lang="zh-CN" altLang="en-US" dirty="0"/>
-              <a:t>之间的参数比较量。在实验中，</a:t>
-            </a:r>
-            <a:r>
-              <a:rPr lang="en-US" altLang="zh-CN" dirty="0" err="1"/>
-              <a:t>DualE</a:t>
-            </a:r>
-            <a:r>
-              <a:rPr lang="zh-CN" altLang="en-US" dirty="0"/>
-              <a:t>可以使用更少的参数来实现最佳性能。（没找到表</a:t>
-            </a:r>
-            <a:r>
-              <a:rPr lang="en-US" altLang="zh-CN" dirty="0"/>
-              <a:t>11</a:t>
-            </a:r>
-            <a:r>
-              <a:rPr lang="zh-CN" altLang="en-US" dirty="0"/>
-              <a:t>）</a:t>
-            </a:r>
+              <a:t>链路预测结果</a:t>
+            </a:r>
+            <a:endParaRPr lang="en-US" altLang="zh-CN" dirty="0"/>
+          </a:p>
+          <a:p>
+            <a:endParaRPr lang="en-US" altLang="zh-CN" dirty="0"/>
+          </a:p>
+          <a:p>
+            <a:endParaRPr lang="en-US" altLang="zh-CN" dirty="0"/>
+          </a:p>
+          <a:p>
+            <a:pPr marL="0" indent="0">
+              <a:buNone/>
+            </a:pPr>
+            <a:endParaRPr lang="en-US" altLang="zh-CN" dirty="0"/>
           </a:p>
         </p:txBody>
       </p:sp>
@@ -23399,6 +25415,652 @@
           </a:p>
         </p:txBody>
       </p:sp>
+      <p:pic>
+        <p:nvPicPr>
+          <p:cNvPr id="5" name="图片 4">
+            <a:extLst>
+              <a:ext uri="{FF2B5EF4-FFF2-40B4-BE49-F238E27FC236}">
+                <a16:creationId xmlns:a16="http://schemas.microsoft.com/office/drawing/2014/main" id="{1A2139B1-871C-4520-BF10-C304E9A703D8}"/>
+              </a:ext>
+            </a:extLst>
+          </p:cNvPr>
+          <p:cNvPicPr>
+            <a:picLocks noChangeAspect="1"/>
+          </p:cNvPicPr>
+          <p:nvPr/>
+        </p:nvPicPr>
+        <p:blipFill>
+          <a:blip r:embed="rId4"/>
+          <a:stretch>
+            <a:fillRect/>
+          </a:stretch>
+        </p:blipFill>
+        <p:spPr>
+          <a:xfrm>
+            <a:off x="838666" y="2119476"/>
+            <a:ext cx="7466667" cy="2619048"/>
+          </a:xfrm>
+          <a:prstGeom prst="rect">
+            <a:avLst/>
+          </a:prstGeom>
+        </p:spPr>
+      </p:pic>
+    </p:spTree>
+    <p:extLst>
+      <p:ext uri="{BB962C8B-B14F-4D97-AF65-F5344CB8AC3E}">
+        <p14:creationId xmlns:p14="http://schemas.microsoft.com/office/powerpoint/2010/main" val="1647361194"/>
+      </p:ext>
+    </p:extLst>
+  </p:cSld>
+  <p:clrMapOvr>
+    <a:masterClrMapping/>
+  </p:clrMapOvr>
+  <p:transition spd="slow" advTm="0"/>
+</p:sld>
+</file>
+
+<file path=ppt/slides/slide26.xml><?xml version="1.0" encoding="utf-8"?>
+<p:sld xmlns:a="http://schemas.openxmlformats.org/drawingml/2006/main" xmlns:r="http://schemas.openxmlformats.org/officeDocument/2006/relationships" xmlns:p="http://schemas.openxmlformats.org/presentationml/2006/main">
+  <p:cSld>
+    <p:spTree>
+      <p:nvGrpSpPr>
+        <p:cNvPr id="1" name=""/>
+        <p:cNvGrpSpPr/>
+        <p:nvPr/>
+      </p:nvGrpSpPr>
+      <p:grpSpPr>
+        <a:xfrm>
+          <a:off x="0" y="0"/>
+          <a:ext cx="0" cy="0"/>
+          <a:chOff x="0" y="0"/>
+          <a:chExt cx="0" cy="0"/>
+        </a:xfrm>
+      </p:grpSpPr>
+      <p:sp>
+        <p:nvSpPr>
+          <p:cNvPr id="8194" name="标题 1"/>
+          <p:cNvSpPr>
+            <a:spLocks noGrp="1"/>
+          </p:cNvSpPr>
+          <p:nvPr>
+            <p:ph type="title" idx="4294967295"/>
+          </p:nvPr>
+        </p:nvSpPr>
+        <p:spPr>
+          <a:xfrm>
+            <a:off x="611188" y="152400"/>
+            <a:ext cx="7770812" cy="603250"/>
+          </a:xfrm>
+        </p:spPr>
+        <p:txBody>
+          <a:bodyPr vert="horz" wrap="square" anchor="b"/>
+          <a:lstStyle/>
+          <a:p>
+            <a:r>
+              <a:rPr lang="en-US" altLang="zh-CN" sz="2800" b="1" dirty="0">
+                <a:effectLst>
+                  <a:outerShdw blurRad="38100" dist="38100" dir="2700000">
+                    <a:srgbClr val="C0C0C0"/>
+                  </a:outerShdw>
+                </a:effectLst>
+              </a:rPr>
+              <a:t>3</a:t>
+            </a:r>
+            <a:r>
+              <a:rPr lang="zh-CN" altLang="en-US" sz="2800" b="1" dirty="0">
+                <a:effectLst>
+                  <a:outerShdw blurRad="38100" dist="38100" dir="2700000">
+                    <a:srgbClr val="C0C0C0"/>
+                  </a:outerShdw>
+                </a:effectLst>
+              </a:rPr>
+              <a:t>、实验</a:t>
+            </a:r>
+          </a:p>
+        </p:txBody>
+      </p:sp>
+      <p:sp>
+        <p:nvSpPr>
+          <p:cNvPr id="8195" name="内容占位符 2"/>
+          <p:cNvSpPr>
+            <a:spLocks noGrp="1"/>
+          </p:cNvSpPr>
+          <p:nvPr>
+            <p:ph idx="4294967295"/>
+          </p:nvPr>
+        </p:nvSpPr>
+        <p:spPr>
+          <a:xfrm>
+            <a:off x="533400" y="1066862"/>
+            <a:ext cx="8096250" cy="4952870"/>
+          </a:xfrm>
+        </p:spPr>
+        <p:txBody>
+          <a:bodyPr vert="horz" wrap="square" anchor="t"/>
+          <a:lstStyle/>
+          <a:p>
+            <a:r>
+              <a:rPr lang="zh-CN" altLang="en-US" dirty="0"/>
+              <a:t>没有类型约束的</a:t>
+            </a:r>
+            <a:r>
+              <a:rPr lang="en-US" altLang="zh-CN" dirty="0" err="1"/>
+              <a:t>DualE</a:t>
+            </a:r>
+            <a:r>
+              <a:rPr lang="zh-CN" altLang="en-US" dirty="0"/>
+              <a:t>的超参数</a:t>
+            </a:r>
+            <a:endParaRPr lang="en-US" altLang="zh-CN" dirty="0"/>
+          </a:p>
+          <a:p>
+            <a:endParaRPr lang="en-US" altLang="zh-CN" dirty="0"/>
+          </a:p>
+          <a:p>
+            <a:pPr marL="0" indent="0">
+              <a:buNone/>
+            </a:pPr>
+            <a:endParaRPr lang="en-US" altLang="zh-CN" dirty="0"/>
+          </a:p>
+        </p:txBody>
+      </p:sp>
+      <p:pic>
+        <p:nvPicPr>
+          <p:cNvPr id="8196" name="图片 3" descr="bb.jpg"/>
+          <p:cNvPicPr>
+            <a:picLocks noChangeAspect="1"/>
+          </p:cNvPicPr>
+          <p:nvPr/>
+        </p:nvPicPr>
+        <p:blipFill>
+          <a:blip r:embed="rId3"/>
+          <a:stretch>
+            <a:fillRect/>
+          </a:stretch>
+        </p:blipFill>
+        <p:spPr>
+          <a:xfrm>
+            <a:off x="7696200" y="6400802"/>
+            <a:ext cx="933450" cy="180975"/>
+          </a:xfrm>
+          <a:prstGeom prst="rect">
+            <a:avLst/>
+          </a:prstGeom>
+          <a:noFill/>
+          <a:ln w="9525">
+            <a:noFill/>
+          </a:ln>
+        </p:spPr>
+      </p:pic>
+      <p:sp>
+        <p:nvSpPr>
+          <p:cNvPr id="8197" name="TextBox 6"/>
+          <p:cNvSpPr txBox="1"/>
+          <p:nvPr/>
+        </p:nvSpPr>
+        <p:spPr>
+          <a:xfrm>
+            <a:off x="8077200" y="6248402"/>
+            <a:ext cx="685800" cy="461963"/>
+          </a:xfrm>
+          <a:prstGeom prst="rect">
+            <a:avLst/>
+          </a:prstGeom>
+          <a:noFill/>
+          <a:ln w="9525">
+            <a:noFill/>
+          </a:ln>
+        </p:spPr>
+        <p:txBody>
+          <a:bodyPr>
+            <a:spAutoFit/>
+          </a:bodyPr>
+          <a:lstStyle/>
+          <a:p>
+            <a:pPr marL="0" marR="0" lvl="0" indent="0" algn="l" defTabSz="914400" eaLnBrk="0" fontAlgn="base" latinLnBrk="0" hangingPunct="0">
+              <a:lnSpc>
+                <a:spcPct val="100000"/>
+              </a:lnSpc>
+              <a:spcBef>
+                <a:spcPct val="0"/>
+              </a:spcBef>
+              <a:spcAft>
+                <a:spcPct val="0"/>
+              </a:spcAft>
+              <a:buClrTx/>
+              <a:buSzTx/>
+              <a:buFont typeface="Arial" panose="020B0604020202020204" pitchFamily="34" charset="0"/>
+              <a:buNone/>
+              <a:tabLst/>
+              <a:defRPr/>
+            </a:pPr>
+            <a:fld id="{9A0DB2DC-4C9A-4742-B13C-FB6460FD3503}" type="slidenum">
+              <a:rPr kumimoji="0" lang="zh-CN" altLang="en-US" sz="2400" b="1" i="0" u="none" strike="noStrike" kern="1200" cap="none" spc="0" normalizeH="0" baseline="0" noProof="0" dirty="0">
+                <a:ln>
+                  <a:noFill/>
+                </a:ln>
+                <a:solidFill>
+                  <a:srgbClr val="254061"/>
+                </a:solidFill>
+                <a:effectLst/>
+                <a:uLnTx/>
+                <a:uFillTx/>
+                <a:latin typeface="HY헤드라인M" pitchFamily="2" charset="-127"/>
+                <a:ea typeface="HY헤드라인M" pitchFamily="2" charset="-127"/>
+              </a:rPr>
+              <a:pPr marL="0" marR="0" lvl="0" indent="0" algn="l" defTabSz="914400" eaLnBrk="0" fontAlgn="base" latinLnBrk="0" hangingPunct="0">
+                <a:lnSpc>
+                  <a:spcPct val="100000"/>
+                </a:lnSpc>
+                <a:spcBef>
+                  <a:spcPct val="0"/>
+                </a:spcBef>
+                <a:spcAft>
+                  <a:spcPct val="0"/>
+                </a:spcAft>
+                <a:buClrTx/>
+                <a:buSzTx/>
+                <a:buFont typeface="Arial" panose="020B0604020202020204" pitchFamily="34" charset="0"/>
+                <a:buNone/>
+                <a:tabLst/>
+                <a:defRPr/>
+              </a:pPr>
+              <a:t>26</a:t>
+            </a:fld>
+            <a:endParaRPr kumimoji="0" lang="zh-CN" altLang="en-US" sz="2400" b="1" i="0" u="none" strike="noStrike" kern="1200" cap="none" spc="0" normalizeH="0" baseline="0" noProof="0" dirty="0">
+              <a:ln>
+                <a:noFill/>
+              </a:ln>
+              <a:solidFill>
+                <a:srgbClr val="254061"/>
+              </a:solidFill>
+              <a:effectLst/>
+              <a:uLnTx/>
+              <a:uFillTx/>
+              <a:latin typeface="HY헤드라인M" pitchFamily="2" charset="-127"/>
+              <a:ea typeface="HY헤드라인M" pitchFamily="2" charset="-127"/>
+            </a:endParaRPr>
+          </a:p>
+        </p:txBody>
+      </p:sp>
+      <p:pic>
+        <p:nvPicPr>
+          <p:cNvPr id="2" name="图片 1">
+            <a:extLst>
+              <a:ext uri="{FF2B5EF4-FFF2-40B4-BE49-F238E27FC236}">
+                <a16:creationId xmlns:a16="http://schemas.microsoft.com/office/drawing/2014/main" id="{A02F3969-0566-47B4-BA11-495B383A23E7}"/>
+              </a:ext>
+            </a:extLst>
+          </p:cNvPr>
+          <p:cNvPicPr>
+            <a:picLocks noChangeAspect="1"/>
+          </p:cNvPicPr>
+          <p:nvPr/>
+        </p:nvPicPr>
+        <p:blipFill>
+          <a:blip r:embed="rId4"/>
+          <a:stretch>
+            <a:fillRect/>
+          </a:stretch>
+        </p:blipFill>
+        <p:spPr>
+          <a:xfrm>
+            <a:off x="2138666" y="1524050"/>
+            <a:ext cx="4866667" cy="1780952"/>
+          </a:xfrm>
+          <a:prstGeom prst="rect">
+            <a:avLst/>
+          </a:prstGeom>
+        </p:spPr>
+      </p:pic>
+      <p:pic>
+        <p:nvPicPr>
+          <p:cNvPr id="3" name="图片 2">
+            <a:extLst>
+              <a:ext uri="{FF2B5EF4-FFF2-40B4-BE49-F238E27FC236}">
+                <a16:creationId xmlns:a16="http://schemas.microsoft.com/office/drawing/2014/main" id="{953908E7-52C7-4692-9C62-525CBEE37BD5}"/>
+              </a:ext>
+            </a:extLst>
+          </p:cNvPr>
+          <p:cNvPicPr>
+            <a:picLocks noChangeAspect="1"/>
+          </p:cNvPicPr>
+          <p:nvPr/>
+        </p:nvPicPr>
+        <p:blipFill>
+          <a:blip r:embed="rId5"/>
+          <a:stretch>
+            <a:fillRect/>
+          </a:stretch>
+        </p:blipFill>
+        <p:spPr>
+          <a:xfrm>
+            <a:off x="2143430" y="3552999"/>
+            <a:ext cx="4876190" cy="1952381"/>
+          </a:xfrm>
+          <a:prstGeom prst="rect">
+            <a:avLst/>
+          </a:prstGeom>
+        </p:spPr>
+      </p:pic>
+    </p:spTree>
+    <p:extLst>
+      <p:ext uri="{BB962C8B-B14F-4D97-AF65-F5344CB8AC3E}">
+        <p14:creationId xmlns:p14="http://schemas.microsoft.com/office/powerpoint/2010/main" val="1231007224"/>
+      </p:ext>
+    </p:extLst>
+  </p:cSld>
+  <p:clrMapOvr>
+    <a:masterClrMapping/>
+  </p:clrMapOvr>
+  <p:transition spd="slow" advTm="0"/>
+</p:sld>
+</file>
+
+<file path=ppt/slides/slide27.xml><?xml version="1.0" encoding="utf-8"?>
+<p:sld xmlns:a="http://schemas.openxmlformats.org/drawingml/2006/main" xmlns:r="http://schemas.openxmlformats.org/officeDocument/2006/relationships" xmlns:p="http://schemas.openxmlformats.org/presentationml/2006/main">
+  <p:cSld>
+    <p:spTree>
+      <p:nvGrpSpPr>
+        <p:cNvPr id="1" name=""/>
+        <p:cNvGrpSpPr/>
+        <p:nvPr/>
+      </p:nvGrpSpPr>
+      <p:grpSpPr>
+        <a:xfrm>
+          <a:off x="0" y="0"/>
+          <a:ext cx="0" cy="0"/>
+          <a:chOff x="0" y="0"/>
+          <a:chExt cx="0" cy="0"/>
+        </a:xfrm>
+      </p:grpSpPr>
+      <p:sp>
+        <p:nvSpPr>
+          <p:cNvPr id="8194" name="标题 1"/>
+          <p:cNvSpPr>
+            <a:spLocks noGrp="1"/>
+          </p:cNvSpPr>
+          <p:nvPr>
+            <p:ph type="title" idx="4294967295"/>
+          </p:nvPr>
+        </p:nvSpPr>
+        <p:spPr>
+          <a:xfrm>
+            <a:off x="611188" y="152400"/>
+            <a:ext cx="7770812" cy="603250"/>
+          </a:xfrm>
+        </p:spPr>
+        <p:txBody>
+          <a:bodyPr vert="horz" wrap="square" anchor="b"/>
+          <a:lstStyle/>
+          <a:p>
+            <a:r>
+              <a:rPr lang="en-US" altLang="zh-CN" sz="2800" b="1" dirty="0">
+                <a:effectLst>
+                  <a:outerShdw blurRad="38100" dist="38100" dir="2700000">
+                    <a:srgbClr val="C0C0C0"/>
+                  </a:outerShdw>
+                </a:effectLst>
+              </a:rPr>
+              <a:t>3</a:t>
+            </a:r>
+            <a:r>
+              <a:rPr lang="zh-CN" altLang="en-US" sz="2800" b="1" dirty="0">
+                <a:effectLst>
+                  <a:outerShdw blurRad="38100" dist="38100" dir="2700000">
+                    <a:srgbClr val="C0C0C0"/>
+                  </a:outerShdw>
+                </a:effectLst>
+              </a:rPr>
+              <a:t>、实验</a:t>
+            </a:r>
+          </a:p>
+        </p:txBody>
+      </p:sp>
+      <p:sp>
+        <p:nvSpPr>
+          <p:cNvPr id="8195" name="内容占位符 2"/>
+          <p:cNvSpPr>
+            <a:spLocks noGrp="1"/>
+          </p:cNvSpPr>
+          <p:nvPr>
+            <p:ph idx="4294967295"/>
+          </p:nvPr>
+        </p:nvSpPr>
+        <p:spPr>
+          <a:xfrm>
+            <a:off x="533400" y="1066862"/>
+            <a:ext cx="8096250" cy="4952870"/>
+          </a:xfrm>
+        </p:spPr>
+        <p:txBody>
+          <a:bodyPr vert="horz" wrap="square" anchor="t"/>
+          <a:lstStyle/>
+          <a:p>
+            <a:r>
+              <a:rPr lang="zh-CN" altLang="en-US" dirty="0"/>
+              <a:t>自由参数数量比较</a:t>
+            </a:r>
+            <a:endParaRPr lang="en-US" altLang="zh-CN" dirty="0"/>
+          </a:p>
+          <a:p>
+            <a:endParaRPr lang="en-US" altLang="zh-CN" dirty="0"/>
+          </a:p>
+          <a:p>
+            <a:endParaRPr lang="en-US" altLang="zh-CN" dirty="0"/>
+          </a:p>
+          <a:p>
+            <a:endParaRPr lang="en-US" altLang="zh-CN" dirty="0"/>
+          </a:p>
+          <a:p>
+            <a:endParaRPr lang="en-US" altLang="zh-CN" dirty="0"/>
+          </a:p>
+          <a:p>
+            <a:r>
+              <a:rPr lang="zh-CN" altLang="en-US" dirty="0"/>
+              <a:t>不同型号版本的影响</a:t>
+            </a:r>
+            <a:endParaRPr lang="en-US" altLang="zh-CN" dirty="0"/>
+          </a:p>
+          <a:p>
+            <a:endParaRPr lang="en-US" altLang="zh-CN" dirty="0"/>
+          </a:p>
+          <a:p>
+            <a:endParaRPr lang="en-US" altLang="zh-CN" dirty="0"/>
+          </a:p>
+          <a:p>
+            <a:endParaRPr lang="en-US" altLang="zh-CN" dirty="0"/>
+          </a:p>
+          <a:p>
+            <a:endParaRPr lang="en-US" altLang="zh-CN" dirty="0"/>
+          </a:p>
+          <a:p>
+            <a:endParaRPr lang="en-US" altLang="zh-CN" dirty="0"/>
+          </a:p>
+          <a:p>
+            <a:endParaRPr lang="en-US" altLang="zh-CN" dirty="0"/>
+          </a:p>
+        </p:txBody>
+      </p:sp>
+      <p:pic>
+        <p:nvPicPr>
+          <p:cNvPr id="8196" name="图片 3" descr="bb.jpg"/>
+          <p:cNvPicPr>
+            <a:picLocks noChangeAspect="1"/>
+          </p:cNvPicPr>
+          <p:nvPr/>
+        </p:nvPicPr>
+        <p:blipFill>
+          <a:blip r:embed="rId3"/>
+          <a:stretch>
+            <a:fillRect/>
+          </a:stretch>
+        </p:blipFill>
+        <p:spPr>
+          <a:xfrm>
+            <a:off x="7696200" y="6400802"/>
+            <a:ext cx="933450" cy="180975"/>
+          </a:xfrm>
+          <a:prstGeom prst="rect">
+            <a:avLst/>
+          </a:prstGeom>
+          <a:noFill/>
+          <a:ln w="9525">
+            <a:noFill/>
+          </a:ln>
+        </p:spPr>
+      </p:pic>
+      <p:sp>
+        <p:nvSpPr>
+          <p:cNvPr id="8197" name="TextBox 6"/>
+          <p:cNvSpPr txBox="1"/>
+          <p:nvPr/>
+        </p:nvSpPr>
+        <p:spPr>
+          <a:xfrm>
+            <a:off x="8077200" y="6248402"/>
+            <a:ext cx="685800" cy="461963"/>
+          </a:xfrm>
+          <a:prstGeom prst="rect">
+            <a:avLst/>
+          </a:prstGeom>
+          <a:noFill/>
+          <a:ln w="9525">
+            <a:noFill/>
+          </a:ln>
+        </p:spPr>
+        <p:txBody>
+          <a:bodyPr>
+            <a:spAutoFit/>
+          </a:bodyPr>
+          <a:lstStyle/>
+          <a:p>
+            <a:pPr marL="0" marR="0" lvl="0" indent="0" algn="l" defTabSz="914400" eaLnBrk="0" fontAlgn="base" latinLnBrk="0" hangingPunct="0">
+              <a:lnSpc>
+                <a:spcPct val="100000"/>
+              </a:lnSpc>
+              <a:spcBef>
+                <a:spcPct val="0"/>
+              </a:spcBef>
+              <a:spcAft>
+                <a:spcPct val="0"/>
+              </a:spcAft>
+              <a:buClrTx/>
+              <a:buSzTx/>
+              <a:buFont typeface="Arial" panose="020B0604020202020204" pitchFamily="34" charset="0"/>
+              <a:buNone/>
+              <a:tabLst/>
+              <a:defRPr/>
+            </a:pPr>
+            <a:fld id="{9A0DB2DC-4C9A-4742-B13C-FB6460FD3503}" type="slidenum">
+              <a:rPr kumimoji="0" lang="zh-CN" altLang="en-US" sz="2400" b="1" i="0" u="none" strike="noStrike" kern="1200" cap="none" spc="0" normalizeH="0" baseline="0" noProof="0" dirty="0">
+                <a:ln>
+                  <a:noFill/>
+                </a:ln>
+                <a:solidFill>
+                  <a:srgbClr val="254061"/>
+                </a:solidFill>
+                <a:effectLst/>
+                <a:uLnTx/>
+                <a:uFillTx/>
+                <a:latin typeface="HY헤드라인M" pitchFamily="2" charset="-127"/>
+                <a:ea typeface="HY헤드라인M" pitchFamily="2" charset="-127"/>
+              </a:rPr>
+              <a:pPr marL="0" marR="0" lvl="0" indent="0" algn="l" defTabSz="914400" eaLnBrk="0" fontAlgn="base" latinLnBrk="0" hangingPunct="0">
+                <a:lnSpc>
+                  <a:spcPct val="100000"/>
+                </a:lnSpc>
+                <a:spcBef>
+                  <a:spcPct val="0"/>
+                </a:spcBef>
+                <a:spcAft>
+                  <a:spcPct val="0"/>
+                </a:spcAft>
+                <a:buClrTx/>
+                <a:buSzTx/>
+                <a:buFont typeface="Arial" panose="020B0604020202020204" pitchFamily="34" charset="0"/>
+                <a:buNone/>
+                <a:tabLst/>
+                <a:defRPr/>
+              </a:pPr>
+              <a:t>27</a:t>
+            </a:fld>
+            <a:endParaRPr kumimoji="0" lang="zh-CN" altLang="en-US" sz="2400" b="1" i="0" u="none" strike="noStrike" kern="1200" cap="none" spc="0" normalizeH="0" baseline="0" noProof="0" dirty="0">
+              <a:ln>
+                <a:noFill/>
+              </a:ln>
+              <a:solidFill>
+                <a:srgbClr val="254061"/>
+              </a:solidFill>
+              <a:effectLst/>
+              <a:uLnTx/>
+              <a:uFillTx/>
+              <a:latin typeface="HY헤드라인M" pitchFamily="2" charset="-127"/>
+              <a:ea typeface="HY헤드라인M" pitchFamily="2" charset="-127"/>
+            </a:endParaRPr>
+          </a:p>
+        </p:txBody>
+      </p:sp>
+      <p:pic>
+        <p:nvPicPr>
+          <p:cNvPr id="2" name="图片 1">
+            <a:extLst>
+              <a:ext uri="{FF2B5EF4-FFF2-40B4-BE49-F238E27FC236}">
+                <a16:creationId xmlns:a16="http://schemas.microsoft.com/office/drawing/2014/main" id="{4A8707BA-176B-4312-8B68-B5AEA8689755}"/>
+              </a:ext>
+            </a:extLst>
+          </p:cNvPr>
+          <p:cNvPicPr>
+            <a:picLocks noChangeAspect="1"/>
+          </p:cNvPicPr>
+          <p:nvPr/>
+        </p:nvPicPr>
+        <p:blipFill>
+          <a:blip r:embed="rId4"/>
+          <a:stretch>
+            <a:fillRect/>
+          </a:stretch>
+        </p:blipFill>
+        <p:spPr>
+          <a:xfrm>
+            <a:off x="2410096" y="1476619"/>
+            <a:ext cx="4342857" cy="1952381"/>
+          </a:xfrm>
+          <a:prstGeom prst="rect">
+            <a:avLst/>
+          </a:prstGeom>
+        </p:spPr>
+      </p:pic>
+      <p:pic>
+        <p:nvPicPr>
+          <p:cNvPr id="7" name="图片 6">
+            <a:extLst>
+              <a:ext uri="{FF2B5EF4-FFF2-40B4-BE49-F238E27FC236}">
+                <a16:creationId xmlns:a16="http://schemas.microsoft.com/office/drawing/2014/main" id="{AAB0A2F3-2B11-48E3-AF6B-3A784F46FE56}"/>
+              </a:ext>
+            </a:extLst>
+          </p:cNvPr>
+          <p:cNvPicPr>
+            <a:picLocks noChangeAspect="1"/>
+          </p:cNvPicPr>
+          <p:nvPr/>
+        </p:nvPicPr>
+        <p:blipFill>
+          <a:blip r:embed="rId5"/>
+          <a:stretch>
+            <a:fillRect/>
+          </a:stretch>
+        </p:blipFill>
+        <p:spPr>
+          <a:xfrm>
+            <a:off x="1295486" y="3950739"/>
+            <a:ext cx="6132888" cy="1444339"/>
+          </a:xfrm>
+          <a:prstGeom prst="rect">
+            <a:avLst/>
+          </a:prstGeom>
+        </p:spPr>
+      </p:pic>
     </p:spTree>
     <p:extLst>
       <p:ext uri="{BB962C8B-B14F-4D97-AF65-F5344CB8AC3E}">
@@ -23495,7 +26157,7 @@
                                         <p:tgtEl>
                                           <p:spTgt spid="8195">
                                             <p:txEl>
-                                              <p:pRg st="1" end="1"/>
+                                              <p:pRg st="5" end="5"/>
                                             </p:txEl>
                                           </p:spTgt>
                                         </p:tgtEl>
@@ -23544,7 +26206,7 @@
 </p:sld>
 </file>
 
-<file path=ppt/slides/slide26.xml><?xml version="1.0" encoding="utf-8"?>
+<file path=ppt/slides/slide28.xml><?xml version="1.0" encoding="utf-8"?>
 <p:sld xmlns:a="http://schemas.openxmlformats.org/drawingml/2006/main" xmlns:r="http://schemas.openxmlformats.org/officeDocument/2006/relationships" xmlns:p="http://schemas.openxmlformats.org/presentationml/2006/main">
   <p:cSld>
     <p:spTree>
@@ -23589,7 +26251,7 @@
                   </a:outerShdw>
                 </a:effectLst>
               </a:rPr>
-              <a:t>4</a:t>
+              <a:t>3</a:t>
             </a:r>
             <a:r>
               <a:rPr lang="zh-CN" altLang="en-US" sz="2800" b="1" dirty="0">
@@ -23599,7 +26261,7 @@
                   </a:outerShdw>
                 </a:effectLst>
               </a:rPr>
-              <a:t>、结论</a:t>
+              <a:t>、实验</a:t>
             </a:r>
           </a:p>
         </p:txBody>
@@ -23616,99 +26278,38 @@
         </p:nvSpPr>
         <p:spPr>
           <a:xfrm>
-            <a:off x="483814" y="1219258"/>
-            <a:ext cx="8381886" cy="4800474"/>
+            <a:off x="533400" y="1066862"/>
+            <a:ext cx="8096250" cy="4952870"/>
           </a:xfrm>
         </p:spPr>
         <p:txBody>
           <a:bodyPr vert="horz" wrap="square" anchor="t"/>
           <a:lstStyle/>
           <a:p>
-            <a:pPr marL="0" indent="457200">
-              <a:buNone/>
-            </a:pPr>
             <a:r>
               <a:rPr lang="zh-CN" altLang="en-US" dirty="0"/>
-              <a:t>为了克服以往知识图嵌入的缺点，作者设计了一种新的知识图谱嵌入模型</a:t>
-            </a:r>
-            <a:r>
-              <a:rPr lang="en-US" altLang="zh-CN" dirty="0" err="1"/>
-              <a:t>DualE</a:t>
-            </a:r>
+              <a:t>正则化策略的影响</a:t>
+            </a:r>
+            <a:endParaRPr lang="en-US" altLang="zh-CN" dirty="0"/>
+          </a:p>
+          <a:p>
+            <a:endParaRPr lang="en-US" altLang="zh-CN" dirty="0"/>
+          </a:p>
+          <a:p>
+            <a:endParaRPr lang="en-US" altLang="zh-CN" dirty="0"/>
+          </a:p>
+          <a:p>
+            <a:endParaRPr lang="en-US" altLang="zh-CN" dirty="0"/>
+          </a:p>
+          <a:p>
+            <a:endParaRPr lang="en-US" altLang="zh-CN" dirty="0"/>
+          </a:p>
+          <a:p>
             <a:r>
               <a:rPr lang="zh-CN" altLang="en-US" dirty="0"/>
-              <a:t>。</a:t>
+              <a:t>损失函数的影响</a:t>
             </a:r>
             <a:endParaRPr lang="en-US" altLang="zh-CN" dirty="0"/>
-          </a:p>
-          <a:p>
-            <a:pPr marL="0" indent="457200">
-              <a:buNone/>
-            </a:pPr>
-            <a:r>
-              <a:rPr lang="zh-CN" altLang="en-US" dirty="0"/>
-              <a:t>基于对偶四元数，</a:t>
-            </a:r>
-            <a:r>
-              <a:rPr lang="en-US" altLang="zh-CN" dirty="0" err="1"/>
-              <a:t>DualE</a:t>
-            </a:r>
-            <a:r>
-              <a:rPr lang="zh-CN" altLang="en-US" dirty="0"/>
-              <a:t>可以将关系建模为旋转和平移。对偶四元数空间具有明确的数学和物理意义，所有关键关系模式和多重关系模式都可以建模。</a:t>
-            </a:r>
-            <a:endParaRPr lang="en-US" altLang="zh-CN" dirty="0"/>
-          </a:p>
-          <a:p>
-            <a:pPr marL="0" indent="457200">
-              <a:buNone/>
-            </a:pPr>
-            <a:r>
-              <a:rPr lang="zh-CN" altLang="en-US" dirty="0"/>
-              <a:t>作者还证明了</a:t>
-            </a:r>
-            <a:r>
-              <a:rPr lang="en-US" altLang="zh-CN" dirty="0" err="1"/>
-              <a:t>DualE</a:t>
-            </a:r>
-            <a:r>
-              <a:rPr lang="zh-CN" altLang="en-US" dirty="0"/>
-              <a:t>模型是旋转家族和翻译家族的统一框架，将建模关系的两个分支结合为旋转或平移。</a:t>
-            </a:r>
-            <a:endParaRPr lang="en-US" altLang="zh-CN" dirty="0"/>
-          </a:p>
-          <a:p>
-            <a:pPr marL="0" indent="457200">
-              <a:buNone/>
-            </a:pPr>
-            <a:r>
-              <a:rPr lang="zh-CN" altLang="en-US" dirty="0"/>
-              <a:t>在数据集上的实验评估表明，作者的</a:t>
-            </a:r>
-            <a:r>
-              <a:rPr lang="en-US" altLang="zh-CN" dirty="0" err="1"/>
-              <a:t>DualE</a:t>
-            </a:r>
-            <a:r>
-              <a:rPr lang="zh-CN" altLang="en-US" dirty="0"/>
-              <a:t>优于其他先进的方法。</a:t>
-            </a:r>
-            <a:endParaRPr lang="en-US" altLang="zh-CN" dirty="0"/>
-          </a:p>
-          <a:p>
-            <a:pPr marL="0" indent="457200">
-              <a:buNone/>
-            </a:pPr>
-            <a:r>
-              <a:rPr lang="zh-CN" altLang="en-US" dirty="0"/>
-              <a:t>（没有提到未来工作）</a:t>
-            </a:r>
-          </a:p>
-          <a:p>
-            <a:pPr marL="0" indent="457200">
-              <a:buNone/>
-            </a:pPr>
-            <a:endParaRPr lang="zh-CN" altLang="en-US" dirty="0"/>
           </a:p>
         </p:txBody>
       </p:sp>
@@ -23765,31 +26366,136 @@
           </a:bodyPr>
           <a:lstStyle/>
           <a:p>
+            <a:pPr marL="0" marR="0" lvl="0" indent="0" algn="l" defTabSz="914400" eaLnBrk="0" fontAlgn="base" latinLnBrk="0" hangingPunct="0">
+              <a:lnSpc>
+                <a:spcPct val="100000"/>
+              </a:lnSpc>
+              <a:spcBef>
+                <a:spcPct val="0"/>
+              </a:spcBef>
+              <a:spcAft>
+                <a:spcPct val="0"/>
+              </a:spcAft>
+              <a:buClrTx/>
+              <a:buSzTx/>
+              <a:buFont typeface="Arial" panose="020B0604020202020204" pitchFamily="34" charset="0"/>
+              <a:buNone/>
+              <a:tabLst/>
+              <a:defRPr/>
+            </a:pPr>
             <a:fld id="{9A0DB2DC-4C9A-4742-B13C-FB6460FD3503}" type="slidenum">
-              <a:rPr lang="zh-CN" altLang="en-US" sz="2400" b="1" dirty="0">
+              <a:rPr kumimoji="0" lang="zh-CN" altLang="en-US" sz="2400" b="1" i="0" u="none" strike="noStrike" kern="1200" cap="none" spc="0" normalizeH="0" baseline="0" noProof="0" dirty="0">
+                <a:ln>
+                  <a:noFill/>
+                </a:ln>
                 <a:solidFill>
                   <a:srgbClr val="254061"/>
                 </a:solidFill>
+                <a:effectLst/>
+                <a:uLnTx/>
+                <a:uFillTx/>
                 <a:latin typeface="HY헤드라인M" pitchFamily="2" charset="-127"/>
                 <a:ea typeface="HY헤드라인M" pitchFamily="2" charset="-127"/>
               </a:rPr>
-              <a:pPr/>
-              <a:t>26</a:t>
+              <a:pPr marL="0" marR="0" lvl="0" indent="0" algn="l" defTabSz="914400" eaLnBrk="0" fontAlgn="base" latinLnBrk="0" hangingPunct="0">
+                <a:lnSpc>
+                  <a:spcPct val="100000"/>
+                </a:lnSpc>
+                <a:spcBef>
+                  <a:spcPct val="0"/>
+                </a:spcBef>
+                <a:spcAft>
+                  <a:spcPct val="0"/>
+                </a:spcAft>
+                <a:buClrTx/>
+                <a:buSzTx/>
+                <a:buFont typeface="Arial" panose="020B0604020202020204" pitchFamily="34" charset="0"/>
+                <a:buNone/>
+                <a:tabLst/>
+                <a:defRPr/>
+              </a:pPr>
+              <a:t>28</a:t>
             </a:fld>
-            <a:endParaRPr lang="zh-CN" altLang="en-US" sz="2400" b="1" dirty="0">
+            <a:endParaRPr kumimoji="0" lang="zh-CN" altLang="en-US" sz="2400" b="1" i="0" u="none" strike="noStrike" kern="1200" cap="none" spc="0" normalizeH="0" baseline="0" noProof="0" dirty="0">
+              <a:ln>
+                <a:noFill/>
+              </a:ln>
               <a:solidFill>
                 <a:srgbClr val="254061"/>
               </a:solidFill>
+              <a:effectLst/>
+              <a:uLnTx/>
+              <a:uFillTx/>
               <a:latin typeface="HY헤드라인M" pitchFamily="2" charset="-127"/>
               <a:ea typeface="HY헤드라인M" pitchFamily="2" charset="-127"/>
             </a:endParaRPr>
           </a:p>
         </p:txBody>
       </p:sp>
+      <p:pic>
+        <p:nvPicPr>
+          <p:cNvPr id="3" name="图片 2">
+            <a:extLst>
+              <a:ext uri="{FF2B5EF4-FFF2-40B4-BE49-F238E27FC236}">
+                <a16:creationId xmlns:a16="http://schemas.microsoft.com/office/drawing/2014/main" id="{D45C3C1A-F17F-472E-B83E-1B6FCF66E8BE}"/>
+              </a:ext>
+            </a:extLst>
+          </p:cNvPr>
+          <p:cNvPicPr>
+            <a:picLocks noChangeAspect="1"/>
+          </p:cNvPicPr>
+          <p:nvPr/>
+        </p:nvPicPr>
+        <p:blipFill>
+          <a:blip r:embed="rId4"/>
+          <a:stretch>
+            <a:fillRect/>
+          </a:stretch>
+        </p:blipFill>
+        <p:spPr>
+          <a:xfrm>
+            <a:off x="1981268" y="1524050"/>
+            <a:ext cx="4952870" cy="1802128"/>
+          </a:xfrm>
+          <a:prstGeom prst="rect">
+            <a:avLst/>
+          </a:prstGeom>
+        </p:spPr>
+      </p:pic>
+      <p:pic>
+        <p:nvPicPr>
+          <p:cNvPr id="4" name="图片 3">
+            <a:extLst>
+              <a:ext uri="{FF2B5EF4-FFF2-40B4-BE49-F238E27FC236}">
+                <a16:creationId xmlns:a16="http://schemas.microsoft.com/office/drawing/2014/main" id="{01F8E4FF-616A-4544-9366-B5FAC07F9FD0}"/>
+              </a:ext>
+            </a:extLst>
+          </p:cNvPr>
+          <p:cNvPicPr>
+            <a:picLocks noChangeAspect="1"/>
+          </p:cNvPicPr>
+          <p:nvPr/>
+        </p:nvPicPr>
+        <p:blipFill>
+          <a:blip r:embed="rId5"/>
+          <a:stretch>
+            <a:fillRect/>
+          </a:stretch>
+        </p:blipFill>
+        <p:spPr>
+          <a:xfrm>
+            <a:off x="2438456" y="4081807"/>
+            <a:ext cx="4267088" cy="1709331"/>
+          </a:xfrm>
+          <a:prstGeom prst="rect">
+            <a:avLst/>
+          </a:prstGeom>
+        </p:spPr>
+      </p:pic>
     </p:spTree>
     <p:extLst>
       <p:ext uri="{BB962C8B-B14F-4D97-AF65-F5344CB8AC3E}">
-        <p14:creationId xmlns:p14="http://schemas.microsoft.com/office/powerpoint/2010/main" val="3230265130"/>
+        <p14:creationId xmlns:p14="http://schemas.microsoft.com/office/powerpoint/2010/main" val="3490643796"/>
       </p:ext>
     </p:extLst>
   </p:cSld>
@@ -23797,143 +26503,6 @@
     <a:masterClrMapping/>
   </p:clrMapOvr>
   <p:transition spd="slow" advTm="0"/>
-</p:sld>
-</file>
-
-<file path=ppt/slides/slide27.xml><?xml version="1.0" encoding="utf-8"?>
-<p:sld xmlns:a="http://schemas.openxmlformats.org/drawingml/2006/main" xmlns:r="http://schemas.openxmlformats.org/officeDocument/2006/relationships" xmlns:p="http://schemas.openxmlformats.org/presentationml/2006/main">
-  <p:cSld>
-    <p:spTree>
-      <p:nvGrpSpPr>
-        <p:cNvPr id="1" name=""/>
-        <p:cNvGrpSpPr/>
-        <p:nvPr/>
-      </p:nvGrpSpPr>
-      <p:grpSpPr>
-        <a:xfrm>
-          <a:off x="0" y="0"/>
-          <a:ext cx="0" cy="0"/>
-          <a:chOff x="0" y="0"/>
-          <a:chExt cx="0" cy="0"/>
-        </a:xfrm>
-      </p:grpSpPr>
-      <p:sp>
-        <p:nvSpPr>
-          <p:cNvPr id="27650" name="标题 4"/>
-          <p:cNvSpPr>
-            <a:spLocks noGrp="1"/>
-          </p:cNvSpPr>
-          <p:nvPr>
-            <p:ph type="ctrTitle"/>
-          </p:nvPr>
-        </p:nvSpPr>
-        <p:spPr>
-          <a:xfrm>
-            <a:off x="685800" y="2057400"/>
-            <a:ext cx="7772400" cy="1371600"/>
-          </a:xfrm>
-        </p:spPr>
-        <p:txBody>
-          <a:bodyPr vert="horz" wrap="square" anchor="b"/>
-          <a:lstStyle>
-            <a:lvl1pPr lvl="0">
-              <a:defRPr/>
-            </a:lvl1pPr>
-          </a:lstStyle>
-          <a:p>
-            <a:pPr lvl="0"/>
-            <a:r>
-              <a:rPr lang="zh-CN" altLang="en-US" sz="4800" dirty="0">
-                <a:effectLst>
-                  <a:outerShdw blurRad="38100" dist="38100" dir="2700000">
-                    <a:srgbClr val="C0C0C0"/>
-                  </a:outerShdw>
-                </a:effectLst>
-              </a:rPr>
-              <a:t>谢谢！</a:t>
-            </a:r>
-          </a:p>
-        </p:txBody>
-      </p:sp>
-      <p:pic>
-        <p:nvPicPr>
-          <p:cNvPr id="27651" name="图片 3" descr="bb.jpg"/>
-          <p:cNvPicPr>
-            <a:picLocks noChangeAspect="1"/>
-          </p:cNvPicPr>
-          <p:nvPr/>
-        </p:nvPicPr>
-        <p:blipFill>
-          <a:blip r:embed="rId2"/>
-          <a:stretch>
-            <a:fillRect/>
-          </a:stretch>
-        </p:blipFill>
-        <p:spPr>
-          <a:xfrm>
-            <a:off x="7772400" y="6400802"/>
-            <a:ext cx="933450" cy="180975"/>
-          </a:xfrm>
-          <a:prstGeom prst="rect">
-            <a:avLst/>
-          </a:prstGeom>
-          <a:noFill/>
-          <a:ln w="9525">
-            <a:noFill/>
-          </a:ln>
-        </p:spPr>
-      </p:pic>
-      <p:sp>
-        <p:nvSpPr>
-          <p:cNvPr id="27652" name="TextBox 6"/>
-          <p:cNvSpPr txBox="1"/>
-          <p:nvPr/>
-        </p:nvSpPr>
-        <p:spPr>
-          <a:xfrm>
-            <a:off x="8077200" y="6248402"/>
-            <a:ext cx="685800" cy="461963"/>
-          </a:xfrm>
-          <a:prstGeom prst="rect">
-            <a:avLst/>
-          </a:prstGeom>
-          <a:noFill/>
-          <a:ln w="9525">
-            <a:noFill/>
-          </a:ln>
-        </p:spPr>
-        <p:txBody>
-          <a:bodyPr vert="horz" wrap="square" anchor="t">
-            <a:spAutoFit/>
-          </a:bodyPr>
-          <a:lstStyle/>
-          <a:p>
-            <a:fld id="{9A0DB2DC-4C9A-4742-B13C-FB6460FD3503}" type="slidenum">
-              <a:rPr lang="zh-CN" altLang="en-US" sz="2400" b="1" dirty="0">
-                <a:solidFill>
-                  <a:srgbClr val="254061"/>
-                </a:solidFill>
-                <a:latin typeface="HY헤드라인M" pitchFamily="2" charset="-127"/>
-                <a:ea typeface="HY헤드라인M" pitchFamily="2" charset="-127"/>
-              </a:rPr>
-              <a:t>27</a:t>
-            </a:fld>
-            <a:endParaRPr lang="zh-CN" altLang="en-US" sz="2400" b="1" dirty="0">
-              <a:solidFill>
-                <a:srgbClr val="254061"/>
-              </a:solidFill>
-              <a:latin typeface="HY헤드라인M" pitchFamily="2" charset="-127"/>
-              <a:ea typeface="HY헤드라인M" pitchFamily="2" charset="-127"/>
-            </a:endParaRPr>
-          </a:p>
-        </p:txBody>
-      </p:sp>
-    </p:spTree>
-  </p:cSld>
-  <p:clrMapOvr>
-    <a:masterClrMapping/>
-  </p:clrMapOvr>
-  <p:transition spd="slow" advTm="31855"/>
   <p:timing>
     <p:tnLst>
       <p:par>
@@ -23946,9 +26515,6 @@
                     <p:cTn id="3" fill="hold">
                       <p:stCondLst>
                         <p:cond delay="indefinite"/>
-                        <p:cond evt="onBegin" delay="0">
-                          <p:tn val="2"/>
-                        </p:cond>
                       </p:stCondLst>
                       <p:childTnLst>
                         <p:par>
@@ -23958,7 +26524,7 @@
                             </p:stCondLst>
                             <p:childTnLst>
                               <p:par>
-                                <p:cTn id="5" presetID="26" presetClass="entr" presetSubtype="0" fill="hold" grpId="0" nodeType="afterEffect">
+                                <p:cTn id="5" presetID="1" presetClass="entr" presetSubtype="0" fill="hold" grpId="0" nodeType="clickEffect">
                                   <p:stCondLst>
                                     <p:cond delay="0"/>
                                   </p:stCondLst>
@@ -23971,7 +26537,11 @@
                                           </p:stCondLst>
                                         </p:cTn>
                                         <p:tgtEl>
-                                          <p:spTgt spid="27650"/>
+                                          <p:spTgt spid="8195">
+                                            <p:txEl>
+                                              <p:pRg st="0" end="0"/>
+                                            </p:txEl>
+                                          </p:spTgt>
                                         </p:tgtEl>
                                         <p:attrNameLst>
                                           <p:attrName>style.visibility</p:attrName>
@@ -23981,257 +26551,55 @@
                                         <p:strVal val="visible"/>
                                       </p:to>
                                     </p:set>
-                                    <p:animEffect transition="in" filter="wipe(down)">
+                                  </p:childTnLst>
+                                </p:cTn>
+                              </p:par>
+                            </p:childTnLst>
+                          </p:cTn>
+                        </p:par>
+                      </p:childTnLst>
+                    </p:cTn>
+                  </p:par>
+                  <p:par>
+                    <p:cTn id="7" fill="hold">
+                      <p:stCondLst>
+                        <p:cond delay="indefinite"/>
+                      </p:stCondLst>
+                      <p:childTnLst>
+                        <p:par>
+                          <p:cTn id="8" fill="hold">
+                            <p:stCondLst>
+                              <p:cond delay="0"/>
+                            </p:stCondLst>
+                            <p:childTnLst>
+                              <p:par>
+                                <p:cTn id="9" presetID="1" presetClass="entr" presetSubtype="0" fill="hold" grpId="0" nodeType="clickEffect">
+                                  <p:stCondLst>
+                                    <p:cond delay="0"/>
+                                  </p:stCondLst>
+                                  <p:childTnLst>
+                                    <p:set>
                                       <p:cBhvr>
-                                        <p:cTn id="7" dur="290">
+                                        <p:cTn id="10" dur="1" fill="hold">
                                           <p:stCondLst>
                                             <p:cond delay="0"/>
                                           </p:stCondLst>
                                         </p:cTn>
                                         <p:tgtEl>
-                                          <p:spTgt spid="27650"/>
-                                        </p:tgtEl>
-                                      </p:cBhvr>
-                                    </p:animEffect>
-                                    <p:anim calcmode="lin" valueType="num">
-                                      <p:cBhvr>
-                                        <p:cTn id="8" dur="911" tmFilter="0,0; 0.14,0.36; 0.43,0.73; 0.71,0.91; 1.0,1.0">
-                                          <p:stCondLst>
-                                            <p:cond delay="0"/>
-                                          </p:stCondLst>
-                                        </p:cTn>
-                                        <p:tgtEl>
-                                          <p:spTgt spid="27650"/>
+                                          <p:spTgt spid="8195">
+                                            <p:txEl>
+                                              <p:pRg st="5" end="5"/>
+                                            </p:txEl>
+                                          </p:spTgt>
                                         </p:tgtEl>
                                         <p:attrNameLst>
-                                          <p:attrName>ppt_x</p:attrName>
+                                          <p:attrName>style.visibility</p:attrName>
                                         </p:attrNameLst>
                                       </p:cBhvr>
-                                      <p:tavLst>
-                                        <p:tav tm="0">
-                                          <p:val>
-                                            <p:strVal val="#ppt_x-0.25"/>
-                                          </p:val>
-                                        </p:tav>
-                                        <p:tav tm="100000">
-                                          <p:val>
-                                            <p:strVal val="#ppt_x"/>
-                                          </p:val>
-                                        </p:tav>
-                                      </p:tavLst>
-                                    </p:anim>
-                                    <p:anim calcmode="lin" valueType="num">
-                                      <p:cBhvr>
-                                        <p:cTn id="9" dur="332" tmFilter="0.0,0.0; 0.25,0.07; 0.50,0.2; 0.75,0.467; 1.0,1.0">
-                                          <p:stCondLst>
-                                            <p:cond delay="0"/>
-                                          </p:stCondLst>
-                                        </p:cTn>
-                                        <p:tgtEl>
-                                          <p:spTgt spid="27650"/>
-                                        </p:tgtEl>
-                                        <p:attrNameLst>
-                                          <p:attrName>ppt_y</p:attrName>
-                                        </p:attrNameLst>
-                                      </p:cBhvr>
-                                      <p:tavLst>
-                                        <p:tav tm="0" fmla="#ppt_y-sin(pi*$)/3">
-                                          <p:val>
-                                            <p:fltVal val="0.5"/>
-                                          </p:val>
-                                        </p:tav>
-                                        <p:tav tm="100000">
-                                          <p:val>
-                                            <p:fltVal val="1"/>
-                                          </p:val>
-                                        </p:tav>
-                                      </p:tavLst>
-                                    </p:anim>
-                                    <p:anim calcmode="lin" valueType="num">
-                                      <p:cBhvr>
-                                        <p:cTn id="10" dur="332" tmFilter="0, 0; 0.125,0.2665; 0.25,0.4; 0.375,0.465; 0.5,0.5;  0.625,0.535; 0.75,0.6; 0.875,0.7335; 1,1">
-                                          <p:stCondLst>
-                                            <p:cond delay="332"/>
-                                          </p:stCondLst>
-                                        </p:cTn>
-                                        <p:tgtEl>
-                                          <p:spTgt spid="27650"/>
-                                        </p:tgtEl>
-                                        <p:attrNameLst>
-                                          <p:attrName>ppt_y</p:attrName>
-                                        </p:attrNameLst>
-                                      </p:cBhvr>
-                                      <p:tavLst>
-                                        <p:tav tm="0" fmla="#ppt_y-sin(pi*$)/9">
-                                          <p:val>
-                                            <p:fltVal val="0"/>
-                                          </p:val>
-                                        </p:tav>
-                                        <p:tav tm="100000">
-                                          <p:val>
-                                            <p:fltVal val="1"/>
-                                          </p:val>
-                                        </p:tav>
-                                      </p:tavLst>
-                                    </p:anim>
-                                    <p:anim calcmode="lin" valueType="num">
-                                      <p:cBhvr>
-                                        <p:cTn id="11" dur="166" tmFilter="0, 0; 0.125,0.2665; 0.25,0.4; 0.375,0.465; 0.5,0.5;  0.625,0.535; 0.75,0.6; 0.875,0.7335; 1,1">
-                                          <p:stCondLst>
-                                            <p:cond delay="662"/>
-                                          </p:stCondLst>
-                                        </p:cTn>
-                                        <p:tgtEl>
-                                          <p:spTgt spid="27650"/>
-                                        </p:tgtEl>
-                                        <p:attrNameLst>
-                                          <p:attrName>ppt_y</p:attrName>
-                                        </p:attrNameLst>
-                                      </p:cBhvr>
-                                      <p:tavLst>
-                                        <p:tav tm="0" fmla="#ppt_y-sin(pi*$)/27">
-                                          <p:val>
-                                            <p:fltVal val="0"/>
-                                          </p:val>
-                                        </p:tav>
-                                        <p:tav tm="100000">
-                                          <p:val>
-                                            <p:fltVal val="1"/>
-                                          </p:val>
-                                        </p:tav>
-                                      </p:tavLst>
-                                    </p:anim>
-                                    <p:anim calcmode="lin" valueType="num">
-                                      <p:cBhvr>
-                                        <p:cTn id="12" dur="82" tmFilter="0, 0; 0.125,0.2665; 0.25,0.4; 0.375,0.465; 0.5,0.5;  0.625,0.535; 0.75,0.6; 0.875,0.7335; 1,1">
-                                          <p:stCondLst>
-                                            <p:cond delay="828"/>
-                                          </p:stCondLst>
-                                        </p:cTn>
-                                        <p:tgtEl>
-                                          <p:spTgt spid="27650"/>
-                                        </p:tgtEl>
-                                        <p:attrNameLst>
-                                          <p:attrName>ppt_y</p:attrName>
-                                        </p:attrNameLst>
-                                      </p:cBhvr>
-                                      <p:tavLst>
-                                        <p:tav tm="0" fmla="#ppt_y-sin(pi*$)/81">
-                                          <p:val>
-                                            <p:fltVal val="0"/>
-                                          </p:val>
-                                        </p:tav>
-                                        <p:tav tm="100000">
-                                          <p:val>
-                                            <p:fltVal val="1"/>
-                                          </p:val>
-                                        </p:tav>
-                                      </p:tavLst>
-                                    </p:anim>
-                                    <p:animScale>
-                                      <p:cBhvr>
-                                        <p:cTn id="13" dur="13">
-                                          <p:stCondLst>
-                                            <p:cond delay="325"/>
-                                          </p:stCondLst>
-                                        </p:cTn>
-                                        <p:tgtEl>
-                                          <p:spTgt spid="27650"/>
-                                        </p:tgtEl>
-                                      </p:cBhvr>
-                                      <p:to x="100000" y="60000"/>
-                                    </p:animScale>
-                                    <p:animScale>
-                                      <p:cBhvr>
-                                        <p:cTn id="14" dur="83" decel="50000">
-                                          <p:stCondLst>
-                                            <p:cond delay="338"/>
-                                          </p:stCondLst>
-                                        </p:cTn>
-                                        <p:tgtEl>
-                                          <p:spTgt spid="27650"/>
-                                        </p:tgtEl>
-                                      </p:cBhvr>
-                                      <p:to x="100000" y="100000"/>
-                                    </p:animScale>
-                                    <p:animScale>
-                                      <p:cBhvr>
-                                        <p:cTn id="15" dur="13">
-                                          <p:stCondLst>
-                                            <p:cond delay="656"/>
-                                          </p:stCondLst>
-                                        </p:cTn>
-                                        <p:tgtEl>
-                                          <p:spTgt spid="27650"/>
-                                        </p:tgtEl>
-                                      </p:cBhvr>
-                                      <p:to x="100000" y="80000"/>
-                                    </p:animScale>
-                                    <p:animScale>
-                                      <p:cBhvr>
-                                        <p:cTn id="16" dur="83" decel="50000">
-                                          <p:stCondLst>
-                                            <p:cond delay="669"/>
-                                          </p:stCondLst>
-                                        </p:cTn>
-                                        <p:tgtEl>
-                                          <p:spTgt spid="27650"/>
-                                        </p:tgtEl>
-                                      </p:cBhvr>
-                                      <p:to x="100000" y="100000"/>
-                                    </p:animScale>
-                                    <p:animScale>
-                                      <p:cBhvr>
-                                        <p:cTn id="17" dur="13">
-                                          <p:stCondLst>
-                                            <p:cond delay="821"/>
-                                          </p:stCondLst>
-                                        </p:cTn>
-                                        <p:tgtEl>
-                                          <p:spTgt spid="27650"/>
-                                        </p:tgtEl>
-                                      </p:cBhvr>
-                                      <p:to x="100000" y="90000"/>
-                                    </p:animScale>
-                                    <p:animScale>
-                                      <p:cBhvr>
-                                        <p:cTn id="18" dur="83" decel="50000">
-                                          <p:stCondLst>
-                                            <p:cond delay="834"/>
-                                          </p:stCondLst>
-                                        </p:cTn>
-                                        <p:tgtEl>
-                                          <p:spTgt spid="27650"/>
-                                        </p:tgtEl>
-                                      </p:cBhvr>
-                                      <p:to x="100000" y="100000"/>
-                                    </p:animScale>
-                                    <p:animScale>
-                                      <p:cBhvr>
-                                        <p:cTn id="19" dur="13">
-                                          <p:stCondLst>
-                                            <p:cond delay="904"/>
-                                          </p:stCondLst>
-                                        </p:cTn>
-                                        <p:tgtEl>
-                                          <p:spTgt spid="27650"/>
-                                        </p:tgtEl>
-                                      </p:cBhvr>
-                                      <p:to x="100000" y="95000"/>
-                                    </p:animScale>
-                                    <p:animScale>
-                                      <p:cBhvr>
-                                        <p:cTn id="20" dur="83" decel="50000">
-                                          <p:stCondLst>
-                                            <p:cond delay="917"/>
-                                          </p:stCondLst>
-                                        </p:cTn>
-                                        <p:tgtEl>
-                                          <p:spTgt spid="27650"/>
-                                        </p:tgtEl>
-                                      </p:cBhvr>
-                                      <p:to x="100000" y="100000"/>
-                                    </p:animScale>
+                                      <p:to>
+                                        <p:strVal val="visible"/>
+                                      </p:to>
+                                    </p:set>
                                   </p:childTnLst>
                                 </p:cTn>
                               </p:par>
@@ -24263,9 +26631,256 @@
       </p:par>
     </p:tnLst>
     <p:bldLst>
-      <p:bldP spid="27650" grpId="0"/>
+      <p:bldP spid="8195" grpId="0" uiExpand="1" build="p"/>
     </p:bldLst>
   </p:timing>
+</p:sld>
+</file>
+
+<file path=ppt/slides/slide29.xml><?xml version="1.0" encoding="utf-8"?>
+<p:sld xmlns:a="http://schemas.openxmlformats.org/drawingml/2006/main" xmlns:r="http://schemas.openxmlformats.org/officeDocument/2006/relationships" xmlns:p="http://schemas.openxmlformats.org/presentationml/2006/main">
+  <p:cSld>
+    <p:spTree>
+      <p:nvGrpSpPr>
+        <p:cNvPr id="1" name=""/>
+        <p:cNvGrpSpPr/>
+        <p:nvPr/>
+      </p:nvGrpSpPr>
+      <p:grpSpPr>
+        <a:xfrm>
+          <a:off x="0" y="0"/>
+          <a:ext cx="0" cy="0"/>
+          <a:chOff x="0" y="0"/>
+          <a:chExt cx="0" cy="0"/>
+        </a:xfrm>
+      </p:grpSpPr>
+      <p:sp>
+        <p:nvSpPr>
+          <p:cNvPr id="8194" name="标题 1"/>
+          <p:cNvSpPr>
+            <a:spLocks noGrp="1"/>
+          </p:cNvSpPr>
+          <p:nvPr>
+            <p:ph type="title" idx="4294967295"/>
+          </p:nvPr>
+        </p:nvSpPr>
+        <p:spPr>
+          <a:xfrm>
+            <a:off x="611188" y="152400"/>
+            <a:ext cx="7770812" cy="603250"/>
+          </a:xfrm>
+        </p:spPr>
+        <p:txBody>
+          <a:bodyPr vert="horz" wrap="square" anchor="b"/>
+          <a:lstStyle/>
+          <a:p>
+            <a:r>
+              <a:rPr lang="en-US" altLang="zh-CN" sz="2800" b="1" dirty="0">
+                <a:effectLst>
+                  <a:outerShdw blurRad="38100" dist="38100" dir="2700000">
+                    <a:srgbClr val="C0C0C0"/>
+                  </a:outerShdw>
+                </a:effectLst>
+              </a:rPr>
+              <a:t>4</a:t>
+            </a:r>
+            <a:r>
+              <a:rPr lang="zh-CN" altLang="en-US" sz="2800" b="1" dirty="0">
+                <a:effectLst>
+                  <a:outerShdw blurRad="38100" dist="38100" dir="2700000">
+                    <a:srgbClr val="C0C0C0"/>
+                  </a:outerShdw>
+                </a:effectLst>
+              </a:rPr>
+              <a:t>、结论</a:t>
+            </a:r>
+          </a:p>
+        </p:txBody>
+      </p:sp>
+      <p:sp>
+        <p:nvSpPr>
+          <p:cNvPr id="8195" name="内容占位符 2"/>
+          <p:cNvSpPr>
+            <a:spLocks noGrp="1"/>
+          </p:cNvSpPr>
+          <p:nvPr>
+            <p:ph idx="4294967295"/>
+          </p:nvPr>
+        </p:nvSpPr>
+        <p:spPr>
+          <a:xfrm>
+            <a:off x="483814" y="1219258"/>
+            <a:ext cx="8381886" cy="4800474"/>
+          </a:xfrm>
+        </p:spPr>
+        <p:txBody>
+          <a:bodyPr vert="horz" wrap="square" anchor="t"/>
+          <a:lstStyle/>
+          <a:p>
+            <a:pPr marL="0" indent="457200">
+              <a:buNone/>
+            </a:pPr>
+            <a:r>
+              <a:rPr lang="zh-CN" altLang="en-US" dirty="0"/>
+              <a:t>为了克服以往知识图嵌入的缺点，作者设计了一种新的知识图谱嵌入模型</a:t>
+            </a:r>
+            <a:r>
+              <a:rPr lang="en-US" altLang="zh-CN" dirty="0" err="1"/>
+              <a:t>DualE</a:t>
+            </a:r>
+            <a:r>
+              <a:rPr lang="zh-CN" altLang="en-US" dirty="0"/>
+              <a:t>。</a:t>
+            </a:r>
+            <a:endParaRPr lang="en-US" altLang="zh-CN" dirty="0"/>
+          </a:p>
+          <a:p>
+            <a:pPr marL="0" indent="457200">
+              <a:buNone/>
+            </a:pPr>
+            <a:r>
+              <a:rPr lang="zh-CN" altLang="en-US" dirty="0"/>
+              <a:t>基于对偶四元数，</a:t>
+            </a:r>
+            <a:r>
+              <a:rPr lang="en-US" altLang="zh-CN" dirty="0" err="1"/>
+              <a:t>DualE</a:t>
+            </a:r>
+            <a:r>
+              <a:rPr lang="zh-CN" altLang="en-US" dirty="0"/>
+              <a:t>可以将关系建模为旋转和平移。对偶四元数空间具有明确的数学和物理意义，所有关键关系模式和多重关系模式都可以建模。</a:t>
+            </a:r>
+            <a:endParaRPr lang="en-US" altLang="zh-CN" dirty="0"/>
+          </a:p>
+          <a:p>
+            <a:pPr marL="0" indent="457200">
+              <a:buNone/>
+            </a:pPr>
+            <a:r>
+              <a:rPr lang="zh-CN" altLang="en-US" dirty="0"/>
+              <a:t>作者还证明了</a:t>
+            </a:r>
+            <a:r>
+              <a:rPr lang="en-US" altLang="zh-CN" dirty="0" err="1"/>
+              <a:t>DualE</a:t>
+            </a:r>
+            <a:r>
+              <a:rPr lang="zh-CN" altLang="en-US" dirty="0"/>
+              <a:t>模型是旋转家族和翻译家族的统一框架，将建模关系的两个分支结合为旋转或平移。</a:t>
+            </a:r>
+            <a:endParaRPr lang="en-US" altLang="zh-CN" dirty="0"/>
+          </a:p>
+          <a:p>
+            <a:pPr marL="0" indent="457200">
+              <a:buNone/>
+            </a:pPr>
+            <a:r>
+              <a:rPr lang="zh-CN" altLang="en-US" dirty="0"/>
+              <a:t>在数据集上的实验评估表明，作者的</a:t>
+            </a:r>
+            <a:r>
+              <a:rPr lang="en-US" altLang="zh-CN" dirty="0" err="1"/>
+              <a:t>DualE</a:t>
+            </a:r>
+            <a:r>
+              <a:rPr lang="zh-CN" altLang="en-US" dirty="0"/>
+              <a:t>优于其他先进的方法。</a:t>
+            </a:r>
+            <a:endParaRPr lang="en-US" altLang="zh-CN" dirty="0"/>
+          </a:p>
+          <a:p>
+            <a:pPr marL="0" indent="457200">
+              <a:buNone/>
+            </a:pPr>
+            <a:endParaRPr lang="zh-CN" altLang="en-US" dirty="0"/>
+          </a:p>
+        </p:txBody>
+      </p:sp>
+      <p:pic>
+        <p:nvPicPr>
+          <p:cNvPr id="8196" name="图片 3" descr="bb.jpg"/>
+          <p:cNvPicPr>
+            <a:picLocks noChangeAspect="1"/>
+          </p:cNvPicPr>
+          <p:nvPr/>
+        </p:nvPicPr>
+        <p:blipFill>
+          <a:blip r:embed="rId3"/>
+          <a:stretch>
+            <a:fillRect/>
+          </a:stretch>
+        </p:blipFill>
+        <p:spPr>
+          <a:xfrm>
+            <a:off x="7696200" y="6400802"/>
+            <a:ext cx="933450" cy="180975"/>
+          </a:xfrm>
+          <a:prstGeom prst="rect">
+            <a:avLst/>
+          </a:prstGeom>
+          <a:noFill/>
+          <a:ln w="9525">
+            <a:noFill/>
+          </a:ln>
+        </p:spPr>
+      </p:pic>
+      <p:sp>
+        <p:nvSpPr>
+          <p:cNvPr id="8197" name="TextBox 6"/>
+          <p:cNvSpPr txBox="1"/>
+          <p:nvPr/>
+        </p:nvSpPr>
+        <p:spPr>
+          <a:xfrm>
+            <a:off x="8077200" y="6248402"/>
+            <a:ext cx="685800" cy="461963"/>
+          </a:xfrm>
+          <a:prstGeom prst="rect">
+            <a:avLst/>
+          </a:prstGeom>
+          <a:noFill/>
+          <a:ln w="9525">
+            <a:noFill/>
+          </a:ln>
+        </p:spPr>
+        <p:txBody>
+          <a:bodyPr>
+            <a:spAutoFit/>
+          </a:bodyPr>
+          <a:lstStyle/>
+          <a:p>
+            <a:fld id="{9A0DB2DC-4C9A-4742-B13C-FB6460FD3503}" type="slidenum">
+              <a:rPr lang="zh-CN" altLang="en-US" sz="2400" b="1" dirty="0">
+                <a:solidFill>
+                  <a:srgbClr val="254061"/>
+                </a:solidFill>
+                <a:latin typeface="HY헤드라인M" pitchFamily="2" charset="-127"/>
+                <a:ea typeface="HY헤드라인M" pitchFamily="2" charset="-127"/>
+              </a:rPr>
+              <a:pPr/>
+              <a:t>29</a:t>
+            </a:fld>
+            <a:endParaRPr lang="zh-CN" altLang="en-US" sz="2400" b="1" dirty="0">
+              <a:solidFill>
+                <a:srgbClr val="254061"/>
+              </a:solidFill>
+              <a:latin typeface="HY헤드라인M" pitchFamily="2" charset="-127"/>
+              <a:ea typeface="HY헤드라인M" pitchFamily="2" charset="-127"/>
+            </a:endParaRPr>
+          </a:p>
+        </p:txBody>
+      </p:sp>
+    </p:spTree>
+    <p:extLst>
+      <p:ext uri="{BB962C8B-B14F-4D97-AF65-F5344CB8AC3E}">
+        <p14:creationId xmlns:p14="http://schemas.microsoft.com/office/powerpoint/2010/main" val="3230265130"/>
+      </p:ext>
+    </p:extLst>
+  </p:cSld>
+  <p:clrMapOvr>
+    <a:masterClrMapping/>
+  </p:clrMapOvr>
+  <p:transition spd="slow" advTm="0"/>
 </p:sld>
 </file>
 
@@ -25033,6 +27648,475 @@
 </p:sld>
 </file>
 
+<file path=ppt/slides/slide30.xml><?xml version="1.0" encoding="utf-8"?>
+<p:sld xmlns:a="http://schemas.openxmlformats.org/drawingml/2006/main" xmlns:r="http://schemas.openxmlformats.org/officeDocument/2006/relationships" xmlns:p="http://schemas.openxmlformats.org/presentationml/2006/main">
+  <p:cSld>
+    <p:spTree>
+      <p:nvGrpSpPr>
+        <p:cNvPr id="1" name=""/>
+        <p:cNvGrpSpPr/>
+        <p:nvPr/>
+      </p:nvGrpSpPr>
+      <p:grpSpPr>
+        <a:xfrm>
+          <a:off x="0" y="0"/>
+          <a:ext cx="0" cy="0"/>
+          <a:chOff x="0" y="0"/>
+          <a:chExt cx="0" cy="0"/>
+        </a:xfrm>
+      </p:grpSpPr>
+      <p:sp>
+        <p:nvSpPr>
+          <p:cNvPr id="27650" name="标题 4"/>
+          <p:cNvSpPr>
+            <a:spLocks noGrp="1"/>
+          </p:cNvSpPr>
+          <p:nvPr>
+            <p:ph type="ctrTitle"/>
+          </p:nvPr>
+        </p:nvSpPr>
+        <p:spPr>
+          <a:xfrm>
+            <a:off x="685800" y="2057400"/>
+            <a:ext cx="7772400" cy="1371600"/>
+          </a:xfrm>
+        </p:spPr>
+        <p:txBody>
+          <a:bodyPr vert="horz" wrap="square" anchor="b"/>
+          <a:lstStyle>
+            <a:lvl1pPr lvl="0">
+              <a:defRPr/>
+            </a:lvl1pPr>
+          </a:lstStyle>
+          <a:p>
+            <a:pPr lvl="0"/>
+            <a:r>
+              <a:rPr lang="zh-CN" altLang="en-US" sz="4800" dirty="0">
+                <a:effectLst>
+                  <a:outerShdw blurRad="38100" dist="38100" dir="2700000">
+                    <a:srgbClr val="C0C0C0"/>
+                  </a:outerShdw>
+                </a:effectLst>
+              </a:rPr>
+              <a:t>谢谢！</a:t>
+            </a:r>
+          </a:p>
+        </p:txBody>
+      </p:sp>
+      <p:pic>
+        <p:nvPicPr>
+          <p:cNvPr id="27651" name="图片 3" descr="bb.jpg"/>
+          <p:cNvPicPr>
+            <a:picLocks noChangeAspect="1"/>
+          </p:cNvPicPr>
+          <p:nvPr/>
+        </p:nvPicPr>
+        <p:blipFill>
+          <a:blip r:embed="rId2"/>
+          <a:stretch>
+            <a:fillRect/>
+          </a:stretch>
+        </p:blipFill>
+        <p:spPr>
+          <a:xfrm>
+            <a:off x="7772400" y="6400802"/>
+            <a:ext cx="933450" cy="180975"/>
+          </a:xfrm>
+          <a:prstGeom prst="rect">
+            <a:avLst/>
+          </a:prstGeom>
+          <a:noFill/>
+          <a:ln w="9525">
+            <a:noFill/>
+          </a:ln>
+        </p:spPr>
+      </p:pic>
+      <p:sp>
+        <p:nvSpPr>
+          <p:cNvPr id="27652" name="TextBox 6"/>
+          <p:cNvSpPr txBox="1"/>
+          <p:nvPr/>
+        </p:nvSpPr>
+        <p:spPr>
+          <a:xfrm>
+            <a:off x="8077200" y="6248402"/>
+            <a:ext cx="685800" cy="461963"/>
+          </a:xfrm>
+          <a:prstGeom prst="rect">
+            <a:avLst/>
+          </a:prstGeom>
+          <a:noFill/>
+          <a:ln w="9525">
+            <a:noFill/>
+          </a:ln>
+        </p:spPr>
+        <p:txBody>
+          <a:bodyPr vert="horz" wrap="square" anchor="t">
+            <a:spAutoFit/>
+          </a:bodyPr>
+          <a:lstStyle/>
+          <a:p>
+            <a:fld id="{9A0DB2DC-4C9A-4742-B13C-FB6460FD3503}" type="slidenum">
+              <a:rPr lang="zh-CN" altLang="en-US" sz="2400" b="1" dirty="0">
+                <a:solidFill>
+                  <a:srgbClr val="254061"/>
+                </a:solidFill>
+                <a:latin typeface="HY헤드라인M" pitchFamily="2" charset="-127"/>
+                <a:ea typeface="HY헤드라인M" pitchFamily="2" charset="-127"/>
+              </a:rPr>
+              <a:t>30</a:t>
+            </a:fld>
+            <a:endParaRPr lang="zh-CN" altLang="en-US" sz="2400" b="1" dirty="0">
+              <a:solidFill>
+                <a:srgbClr val="254061"/>
+              </a:solidFill>
+              <a:latin typeface="HY헤드라인M" pitchFamily="2" charset="-127"/>
+              <a:ea typeface="HY헤드라인M" pitchFamily="2" charset="-127"/>
+            </a:endParaRPr>
+          </a:p>
+        </p:txBody>
+      </p:sp>
+    </p:spTree>
+  </p:cSld>
+  <p:clrMapOvr>
+    <a:masterClrMapping/>
+  </p:clrMapOvr>
+  <p:transition spd="slow" advTm="31855"/>
+  <p:timing>
+    <p:tnLst>
+      <p:par>
+        <p:cTn id="1" dur="indefinite" restart="never" nodeType="tmRoot">
+          <p:childTnLst>
+            <p:seq concurrent="1" nextAc="seek">
+              <p:cTn id="2" dur="indefinite" nodeType="mainSeq">
+                <p:childTnLst>
+                  <p:par>
+                    <p:cTn id="3" fill="hold">
+                      <p:stCondLst>
+                        <p:cond delay="indefinite"/>
+                        <p:cond evt="onBegin" delay="0">
+                          <p:tn val="2"/>
+                        </p:cond>
+                      </p:stCondLst>
+                      <p:childTnLst>
+                        <p:par>
+                          <p:cTn id="4" fill="hold">
+                            <p:stCondLst>
+                              <p:cond delay="0"/>
+                            </p:stCondLst>
+                            <p:childTnLst>
+                              <p:par>
+                                <p:cTn id="5" presetID="26" presetClass="entr" presetSubtype="0" fill="hold" grpId="0" nodeType="afterEffect">
+                                  <p:stCondLst>
+                                    <p:cond delay="0"/>
+                                  </p:stCondLst>
+                                  <p:childTnLst>
+                                    <p:set>
+                                      <p:cBhvr>
+                                        <p:cTn id="6" dur="1" fill="hold">
+                                          <p:stCondLst>
+                                            <p:cond delay="0"/>
+                                          </p:stCondLst>
+                                        </p:cTn>
+                                        <p:tgtEl>
+                                          <p:spTgt spid="27650"/>
+                                        </p:tgtEl>
+                                        <p:attrNameLst>
+                                          <p:attrName>style.visibility</p:attrName>
+                                        </p:attrNameLst>
+                                      </p:cBhvr>
+                                      <p:to>
+                                        <p:strVal val="visible"/>
+                                      </p:to>
+                                    </p:set>
+                                    <p:animEffect transition="in" filter="wipe(down)">
+                                      <p:cBhvr>
+                                        <p:cTn id="7" dur="290">
+                                          <p:stCondLst>
+                                            <p:cond delay="0"/>
+                                          </p:stCondLst>
+                                        </p:cTn>
+                                        <p:tgtEl>
+                                          <p:spTgt spid="27650"/>
+                                        </p:tgtEl>
+                                      </p:cBhvr>
+                                    </p:animEffect>
+                                    <p:anim calcmode="lin" valueType="num">
+                                      <p:cBhvr>
+                                        <p:cTn id="8" dur="911" tmFilter="0,0; 0.14,0.36; 0.43,0.73; 0.71,0.91; 1.0,1.0">
+                                          <p:stCondLst>
+                                            <p:cond delay="0"/>
+                                          </p:stCondLst>
+                                        </p:cTn>
+                                        <p:tgtEl>
+                                          <p:spTgt spid="27650"/>
+                                        </p:tgtEl>
+                                        <p:attrNameLst>
+                                          <p:attrName>ppt_x</p:attrName>
+                                        </p:attrNameLst>
+                                      </p:cBhvr>
+                                      <p:tavLst>
+                                        <p:tav tm="0">
+                                          <p:val>
+                                            <p:strVal val="#ppt_x-0.25"/>
+                                          </p:val>
+                                        </p:tav>
+                                        <p:tav tm="100000">
+                                          <p:val>
+                                            <p:strVal val="#ppt_x"/>
+                                          </p:val>
+                                        </p:tav>
+                                      </p:tavLst>
+                                    </p:anim>
+                                    <p:anim calcmode="lin" valueType="num">
+                                      <p:cBhvr>
+                                        <p:cTn id="9" dur="332" tmFilter="0.0,0.0; 0.25,0.07; 0.50,0.2; 0.75,0.467; 1.0,1.0">
+                                          <p:stCondLst>
+                                            <p:cond delay="0"/>
+                                          </p:stCondLst>
+                                        </p:cTn>
+                                        <p:tgtEl>
+                                          <p:spTgt spid="27650"/>
+                                        </p:tgtEl>
+                                        <p:attrNameLst>
+                                          <p:attrName>ppt_y</p:attrName>
+                                        </p:attrNameLst>
+                                      </p:cBhvr>
+                                      <p:tavLst>
+                                        <p:tav tm="0" fmla="#ppt_y-sin(pi*$)/3">
+                                          <p:val>
+                                            <p:fltVal val="0.5"/>
+                                          </p:val>
+                                        </p:tav>
+                                        <p:tav tm="100000">
+                                          <p:val>
+                                            <p:fltVal val="1"/>
+                                          </p:val>
+                                        </p:tav>
+                                      </p:tavLst>
+                                    </p:anim>
+                                    <p:anim calcmode="lin" valueType="num">
+                                      <p:cBhvr>
+                                        <p:cTn id="10" dur="332" tmFilter="0, 0; 0.125,0.2665; 0.25,0.4; 0.375,0.465; 0.5,0.5;  0.625,0.535; 0.75,0.6; 0.875,0.7335; 1,1">
+                                          <p:stCondLst>
+                                            <p:cond delay="332"/>
+                                          </p:stCondLst>
+                                        </p:cTn>
+                                        <p:tgtEl>
+                                          <p:spTgt spid="27650"/>
+                                        </p:tgtEl>
+                                        <p:attrNameLst>
+                                          <p:attrName>ppt_y</p:attrName>
+                                        </p:attrNameLst>
+                                      </p:cBhvr>
+                                      <p:tavLst>
+                                        <p:tav tm="0" fmla="#ppt_y-sin(pi*$)/9">
+                                          <p:val>
+                                            <p:fltVal val="0"/>
+                                          </p:val>
+                                        </p:tav>
+                                        <p:tav tm="100000">
+                                          <p:val>
+                                            <p:fltVal val="1"/>
+                                          </p:val>
+                                        </p:tav>
+                                      </p:tavLst>
+                                    </p:anim>
+                                    <p:anim calcmode="lin" valueType="num">
+                                      <p:cBhvr>
+                                        <p:cTn id="11" dur="166" tmFilter="0, 0; 0.125,0.2665; 0.25,0.4; 0.375,0.465; 0.5,0.5;  0.625,0.535; 0.75,0.6; 0.875,0.7335; 1,1">
+                                          <p:stCondLst>
+                                            <p:cond delay="662"/>
+                                          </p:stCondLst>
+                                        </p:cTn>
+                                        <p:tgtEl>
+                                          <p:spTgt spid="27650"/>
+                                        </p:tgtEl>
+                                        <p:attrNameLst>
+                                          <p:attrName>ppt_y</p:attrName>
+                                        </p:attrNameLst>
+                                      </p:cBhvr>
+                                      <p:tavLst>
+                                        <p:tav tm="0" fmla="#ppt_y-sin(pi*$)/27">
+                                          <p:val>
+                                            <p:fltVal val="0"/>
+                                          </p:val>
+                                        </p:tav>
+                                        <p:tav tm="100000">
+                                          <p:val>
+                                            <p:fltVal val="1"/>
+                                          </p:val>
+                                        </p:tav>
+                                      </p:tavLst>
+                                    </p:anim>
+                                    <p:anim calcmode="lin" valueType="num">
+                                      <p:cBhvr>
+                                        <p:cTn id="12" dur="82" tmFilter="0, 0; 0.125,0.2665; 0.25,0.4; 0.375,0.465; 0.5,0.5;  0.625,0.535; 0.75,0.6; 0.875,0.7335; 1,1">
+                                          <p:stCondLst>
+                                            <p:cond delay="828"/>
+                                          </p:stCondLst>
+                                        </p:cTn>
+                                        <p:tgtEl>
+                                          <p:spTgt spid="27650"/>
+                                        </p:tgtEl>
+                                        <p:attrNameLst>
+                                          <p:attrName>ppt_y</p:attrName>
+                                        </p:attrNameLst>
+                                      </p:cBhvr>
+                                      <p:tavLst>
+                                        <p:tav tm="0" fmla="#ppt_y-sin(pi*$)/81">
+                                          <p:val>
+                                            <p:fltVal val="0"/>
+                                          </p:val>
+                                        </p:tav>
+                                        <p:tav tm="100000">
+                                          <p:val>
+                                            <p:fltVal val="1"/>
+                                          </p:val>
+                                        </p:tav>
+                                      </p:tavLst>
+                                    </p:anim>
+                                    <p:animScale>
+                                      <p:cBhvr>
+                                        <p:cTn id="13" dur="13">
+                                          <p:stCondLst>
+                                            <p:cond delay="325"/>
+                                          </p:stCondLst>
+                                        </p:cTn>
+                                        <p:tgtEl>
+                                          <p:spTgt spid="27650"/>
+                                        </p:tgtEl>
+                                      </p:cBhvr>
+                                      <p:to x="100000" y="60000"/>
+                                    </p:animScale>
+                                    <p:animScale>
+                                      <p:cBhvr>
+                                        <p:cTn id="14" dur="83" decel="50000">
+                                          <p:stCondLst>
+                                            <p:cond delay="338"/>
+                                          </p:stCondLst>
+                                        </p:cTn>
+                                        <p:tgtEl>
+                                          <p:spTgt spid="27650"/>
+                                        </p:tgtEl>
+                                      </p:cBhvr>
+                                      <p:to x="100000" y="100000"/>
+                                    </p:animScale>
+                                    <p:animScale>
+                                      <p:cBhvr>
+                                        <p:cTn id="15" dur="13">
+                                          <p:stCondLst>
+                                            <p:cond delay="656"/>
+                                          </p:stCondLst>
+                                        </p:cTn>
+                                        <p:tgtEl>
+                                          <p:spTgt spid="27650"/>
+                                        </p:tgtEl>
+                                      </p:cBhvr>
+                                      <p:to x="100000" y="80000"/>
+                                    </p:animScale>
+                                    <p:animScale>
+                                      <p:cBhvr>
+                                        <p:cTn id="16" dur="83" decel="50000">
+                                          <p:stCondLst>
+                                            <p:cond delay="669"/>
+                                          </p:stCondLst>
+                                        </p:cTn>
+                                        <p:tgtEl>
+                                          <p:spTgt spid="27650"/>
+                                        </p:tgtEl>
+                                      </p:cBhvr>
+                                      <p:to x="100000" y="100000"/>
+                                    </p:animScale>
+                                    <p:animScale>
+                                      <p:cBhvr>
+                                        <p:cTn id="17" dur="13">
+                                          <p:stCondLst>
+                                            <p:cond delay="821"/>
+                                          </p:stCondLst>
+                                        </p:cTn>
+                                        <p:tgtEl>
+                                          <p:spTgt spid="27650"/>
+                                        </p:tgtEl>
+                                      </p:cBhvr>
+                                      <p:to x="100000" y="90000"/>
+                                    </p:animScale>
+                                    <p:animScale>
+                                      <p:cBhvr>
+                                        <p:cTn id="18" dur="83" decel="50000">
+                                          <p:stCondLst>
+                                            <p:cond delay="834"/>
+                                          </p:stCondLst>
+                                        </p:cTn>
+                                        <p:tgtEl>
+                                          <p:spTgt spid="27650"/>
+                                        </p:tgtEl>
+                                      </p:cBhvr>
+                                      <p:to x="100000" y="100000"/>
+                                    </p:animScale>
+                                    <p:animScale>
+                                      <p:cBhvr>
+                                        <p:cTn id="19" dur="13">
+                                          <p:stCondLst>
+                                            <p:cond delay="904"/>
+                                          </p:stCondLst>
+                                        </p:cTn>
+                                        <p:tgtEl>
+                                          <p:spTgt spid="27650"/>
+                                        </p:tgtEl>
+                                      </p:cBhvr>
+                                      <p:to x="100000" y="95000"/>
+                                    </p:animScale>
+                                    <p:animScale>
+                                      <p:cBhvr>
+                                        <p:cTn id="20" dur="83" decel="50000">
+                                          <p:stCondLst>
+                                            <p:cond delay="917"/>
+                                          </p:stCondLst>
+                                        </p:cTn>
+                                        <p:tgtEl>
+                                          <p:spTgt spid="27650"/>
+                                        </p:tgtEl>
+                                      </p:cBhvr>
+                                      <p:to x="100000" y="100000"/>
+                                    </p:animScale>
+                                  </p:childTnLst>
+                                </p:cTn>
+                              </p:par>
+                            </p:childTnLst>
+                          </p:cTn>
+                        </p:par>
+                      </p:childTnLst>
+                    </p:cTn>
+                  </p:par>
+                </p:childTnLst>
+              </p:cTn>
+              <p:prevCondLst>
+                <p:cond evt="onPrev" delay="0">
+                  <p:tgtEl>
+                    <p:sldTgt/>
+                  </p:tgtEl>
+                </p:cond>
+              </p:prevCondLst>
+              <p:nextCondLst>
+                <p:cond evt="onNext" delay="0">
+                  <p:tgtEl>
+                    <p:sldTgt/>
+                  </p:tgtEl>
+                </p:cond>
+              </p:nextCondLst>
+            </p:seq>
+          </p:childTnLst>
+        </p:cTn>
+      </p:par>
+    </p:tnLst>
+    <p:bldLst>
+      <p:bldP spid="27650" grpId="0"/>
+    </p:bldLst>
+  </p:timing>
+</p:sld>
+</file>
+
 <file path=ppt/slides/slide4.xml><?xml version="1.0" encoding="utf-8"?>
 <p:sld xmlns:a="http://schemas.openxmlformats.org/drawingml/2006/main" xmlns:r="http://schemas.openxmlformats.org/officeDocument/2006/relationships" xmlns:p="http://schemas.openxmlformats.org/presentationml/2006/main">
   <p:cSld>
@@ -26040,7 +29124,7 @@
               <a:rPr lang="zh-CN" altLang="en-US" sz="2000" dirty="0">
                 <a:latin typeface="Arial" panose="020B0604020202020204" pitchFamily="34" charset="0"/>
               </a:rPr>
-              <a:t>反对称、反转和合成。</a:t>
+              <a:t>反对称、逆和合成。</a:t>
             </a:r>
             <a:endParaRPr lang="zh-CN" altLang="en-US" sz="2000" dirty="0"/>
           </a:p>
